--- a/MSDNHome.pptx
+++ b/MSDNHome.pptx
@@ -11,26 +11,27 @@
     <p:sldId id="259" r:id="rId5"/>
     <p:sldId id="260" r:id="rId6"/>
     <p:sldId id="286" r:id="rId7"/>
-    <p:sldId id="265" r:id="rId8"/>
-    <p:sldId id="266" r:id="rId9"/>
-    <p:sldId id="267" r:id="rId10"/>
-    <p:sldId id="268" r:id="rId11"/>
-    <p:sldId id="269" r:id="rId12"/>
-    <p:sldId id="270" r:id="rId13"/>
-    <p:sldId id="271" r:id="rId14"/>
-    <p:sldId id="274" r:id="rId15"/>
-    <p:sldId id="272" r:id="rId16"/>
-    <p:sldId id="273" r:id="rId17"/>
-    <p:sldId id="275" r:id="rId18"/>
-    <p:sldId id="276" r:id="rId19"/>
-    <p:sldId id="277" r:id="rId20"/>
-    <p:sldId id="279" r:id="rId21"/>
-    <p:sldId id="280" r:id="rId22"/>
-    <p:sldId id="281" r:id="rId23"/>
-    <p:sldId id="282" r:id="rId24"/>
-    <p:sldId id="283" r:id="rId25"/>
-    <p:sldId id="284" r:id="rId26"/>
-    <p:sldId id="285" r:id="rId27"/>
+    <p:sldId id="287" r:id="rId8"/>
+    <p:sldId id="265" r:id="rId9"/>
+    <p:sldId id="266" r:id="rId10"/>
+    <p:sldId id="267" r:id="rId11"/>
+    <p:sldId id="268" r:id="rId12"/>
+    <p:sldId id="269" r:id="rId13"/>
+    <p:sldId id="270" r:id="rId14"/>
+    <p:sldId id="271" r:id="rId15"/>
+    <p:sldId id="274" r:id="rId16"/>
+    <p:sldId id="272" r:id="rId17"/>
+    <p:sldId id="273" r:id="rId18"/>
+    <p:sldId id="275" r:id="rId19"/>
+    <p:sldId id="276" r:id="rId20"/>
+    <p:sldId id="277" r:id="rId21"/>
+    <p:sldId id="279" r:id="rId22"/>
+    <p:sldId id="280" r:id="rId23"/>
+    <p:sldId id="281" r:id="rId24"/>
+    <p:sldId id="282" r:id="rId25"/>
+    <p:sldId id="283" r:id="rId26"/>
+    <p:sldId id="284" r:id="rId27"/>
+    <p:sldId id="285" r:id="rId28"/>
   </p:sldIdLst>
   <p:sldSz cx="12192000" cy="6858000"/>
   <p:notesSz cx="6858000" cy="9144000"/>
@@ -19519,6 +19520,440 @@
             <a:spLocks noGrp="1"/>
           </p:cNvSpPr>
           <p:nvPr>
+            <p:ph type="body" sz="quarter" idx="10"/>
+          </p:nvPr>
+        </p:nvSpPr>
+        <p:spPr/>
+        <p:txBody>
+          <a:bodyPr/>
+          <a:lstStyle/>
+          <a:p>
+            <a:r>
+              <a:rPr kumimoji="1" lang="en-US" altLang="zh-CN" dirty="0"/>
+              <a:t>02</a:t>
+            </a:r>
+            <a:r>
+              <a:rPr kumimoji="1" lang="zh-CN" altLang="en-US" dirty="0"/>
+              <a:t> 作品概述</a:t>
+            </a:r>
+          </a:p>
+        </p:txBody>
+      </p:sp>
+      <p:pic>
+        <p:nvPicPr>
+          <p:cNvPr id="3" name="图片 2"/>
+          <p:cNvPicPr>
+            <a:picLocks noChangeAspect="1"/>
+          </p:cNvPicPr>
+          <p:nvPr/>
+        </p:nvPicPr>
+        <p:blipFill>
+          <a:blip r:embed="rId2"/>
+          <a:stretch>
+            <a:fillRect/>
+          </a:stretch>
+        </p:blipFill>
+        <p:spPr>
+          <a:xfrm>
+            <a:off x="1270175" y="2123407"/>
+            <a:ext cx="3448279" cy="1938710"/>
+          </a:xfrm>
+          <a:prstGeom prst="roundRect">
+            <a:avLst>
+              <a:gd name="adj" fmla="val 2368"/>
+            </a:avLst>
+          </a:prstGeom>
+          <a:solidFill>
+            <a:srgbClr val="FFFFFF">
+              <a:shade val="85000"/>
+            </a:srgbClr>
+          </a:solidFill>
+          <a:ln>
+            <a:noFill/>
+          </a:ln>
+          <a:effectLst>
+            <a:reflection blurRad="12700" stA="38000" endPos="28000" dist="5000" dir="5400000" sy="-100000" algn="bl" rotWithShape="0"/>
+          </a:effectLst>
+        </p:spPr>
+      </p:pic>
+      <p:pic>
+        <p:nvPicPr>
+          <p:cNvPr id="4" name="图片 3"/>
+          <p:cNvPicPr>
+            <a:picLocks noChangeAspect="1"/>
+          </p:cNvPicPr>
+          <p:nvPr/>
+        </p:nvPicPr>
+        <p:blipFill>
+          <a:blip r:embed="rId2"/>
+          <a:stretch>
+            <a:fillRect/>
+          </a:stretch>
+        </p:blipFill>
+        <p:spPr>
+          <a:xfrm>
+            <a:off x="7473547" y="2123407"/>
+            <a:ext cx="3448279" cy="1938710"/>
+          </a:xfrm>
+          <a:prstGeom prst="roundRect">
+            <a:avLst>
+              <a:gd name="adj" fmla="val 2368"/>
+            </a:avLst>
+          </a:prstGeom>
+          <a:solidFill>
+            <a:srgbClr val="FFFFFF">
+              <a:shade val="85000"/>
+            </a:srgbClr>
+          </a:solidFill>
+          <a:ln>
+            <a:noFill/>
+          </a:ln>
+          <a:effectLst>
+            <a:reflection blurRad="12700" stA="38000" endPos="28000" dist="5000" dir="5400000" sy="-100000" algn="bl" rotWithShape="0"/>
+          </a:effectLst>
+        </p:spPr>
+      </p:pic>
+      <p:pic>
+        <p:nvPicPr>
+          <p:cNvPr id="5" name="图片 4"/>
+          <p:cNvPicPr>
+            <a:picLocks noChangeAspect="1"/>
+          </p:cNvPicPr>
+          <p:nvPr/>
+        </p:nvPicPr>
+        <p:blipFill>
+          <a:blip r:embed="rId2"/>
+          <a:stretch>
+            <a:fillRect/>
+          </a:stretch>
+        </p:blipFill>
+        <p:spPr>
+          <a:xfrm>
+            <a:off x="2994315" y="800380"/>
+            <a:ext cx="6203371" cy="3487693"/>
+          </a:xfrm>
+          <a:prstGeom prst="roundRect">
+            <a:avLst>
+              <a:gd name="adj" fmla="val 2368"/>
+            </a:avLst>
+          </a:prstGeom>
+          <a:solidFill>
+            <a:srgbClr val="FFFFFF">
+              <a:shade val="85000"/>
+            </a:srgbClr>
+          </a:solidFill>
+          <a:ln>
+            <a:noFill/>
+          </a:ln>
+          <a:effectLst>
+            <a:reflection blurRad="12700" stA="38000" endPos="28000" dist="5000" dir="5400000" sy="-100000" algn="bl" rotWithShape="0"/>
+          </a:effectLst>
+        </p:spPr>
+      </p:pic>
+      <p:sp>
+        <p:nvSpPr>
+          <p:cNvPr id="6" name="文本框 8"/>
+          <p:cNvSpPr txBox="1"/>
+          <p:nvPr/>
+        </p:nvSpPr>
+        <p:spPr>
+          <a:xfrm>
+            <a:off x="1716059" y="5206432"/>
+            <a:ext cx="8759883" cy="812530"/>
+          </a:xfrm>
+          <a:prstGeom prst="rect">
+            <a:avLst/>
+          </a:prstGeom>
+          <a:noFill/>
+        </p:spPr>
+        <p:txBody>
+          <a:bodyPr wrap="square" rtlCol="0">
+            <a:spAutoFit/>
+          </a:bodyPr>
+          <a:lstStyle>
+            <a:defPPr>
+              <a:defRPr lang="zh-CN"/>
+            </a:defPPr>
+            <a:lvl1pPr marL="0" algn="l" defTabSz="914400" rtl="0" eaLnBrk="1" latinLnBrk="0" hangingPunct="1">
+              <a:defRPr sz="1800" kern="1200">
+                <a:solidFill>
+                  <a:schemeClr val="tx1"/>
+                </a:solidFill>
+                <a:latin typeface="+mn-lt"/>
+                <a:ea typeface="+mn-ea"/>
+                <a:cs typeface="+mn-cs"/>
+              </a:defRPr>
+            </a:lvl1pPr>
+            <a:lvl2pPr marL="457200" algn="l" defTabSz="914400" rtl="0" eaLnBrk="1" latinLnBrk="0" hangingPunct="1">
+              <a:defRPr sz="1800" kern="1200">
+                <a:solidFill>
+                  <a:schemeClr val="tx1"/>
+                </a:solidFill>
+                <a:latin typeface="+mn-lt"/>
+                <a:ea typeface="+mn-ea"/>
+                <a:cs typeface="+mn-cs"/>
+              </a:defRPr>
+            </a:lvl2pPr>
+            <a:lvl3pPr marL="914400" algn="l" defTabSz="914400" rtl="0" eaLnBrk="1" latinLnBrk="0" hangingPunct="1">
+              <a:defRPr sz="1800" kern="1200">
+                <a:solidFill>
+                  <a:schemeClr val="tx1"/>
+                </a:solidFill>
+                <a:latin typeface="+mn-lt"/>
+                <a:ea typeface="+mn-ea"/>
+                <a:cs typeface="+mn-cs"/>
+              </a:defRPr>
+            </a:lvl3pPr>
+            <a:lvl4pPr marL="1371600" algn="l" defTabSz="914400" rtl="0" eaLnBrk="1" latinLnBrk="0" hangingPunct="1">
+              <a:defRPr sz="1800" kern="1200">
+                <a:solidFill>
+                  <a:schemeClr val="tx1"/>
+                </a:solidFill>
+                <a:latin typeface="+mn-lt"/>
+                <a:ea typeface="+mn-ea"/>
+                <a:cs typeface="+mn-cs"/>
+              </a:defRPr>
+            </a:lvl4pPr>
+            <a:lvl5pPr marL="1828800" algn="l" defTabSz="914400" rtl="0" eaLnBrk="1" latinLnBrk="0" hangingPunct="1">
+              <a:defRPr sz="1800" kern="1200">
+                <a:solidFill>
+                  <a:schemeClr val="tx1"/>
+                </a:solidFill>
+                <a:latin typeface="+mn-lt"/>
+                <a:ea typeface="+mn-ea"/>
+                <a:cs typeface="+mn-cs"/>
+              </a:defRPr>
+            </a:lvl5pPr>
+            <a:lvl6pPr marL="2286000" algn="l" defTabSz="914400" rtl="0" eaLnBrk="1" latinLnBrk="0" hangingPunct="1">
+              <a:defRPr sz="1800" kern="1200">
+                <a:solidFill>
+                  <a:schemeClr val="tx1"/>
+                </a:solidFill>
+                <a:latin typeface="+mn-lt"/>
+                <a:ea typeface="+mn-ea"/>
+                <a:cs typeface="+mn-cs"/>
+              </a:defRPr>
+            </a:lvl6pPr>
+            <a:lvl7pPr marL="2743200" algn="l" defTabSz="914400" rtl="0" eaLnBrk="1" latinLnBrk="0" hangingPunct="1">
+              <a:defRPr sz="1800" kern="1200">
+                <a:solidFill>
+                  <a:schemeClr val="tx1"/>
+                </a:solidFill>
+                <a:latin typeface="+mn-lt"/>
+                <a:ea typeface="+mn-ea"/>
+                <a:cs typeface="+mn-cs"/>
+              </a:defRPr>
+            </a:lvl7pPr>
+            <a:lvl8pPr marL="3200400" algn="l" defTabSz="914400" rtl="0" eaLnBrk="1" latinLnBrk="0" hangingPunct="1">
+              <a:defRPr sz="1800" kern="1200">
+                <a:solidFill>
+                  <a:schemeClr val="tx1"/>
+                </a:solidFill>
+                <a:latin typeface="+mn-lt"/>
+                <a:ea typeface="+mn-ea"/>
+                <a:cs typeface="+mn-cs"/>
+              </a:defRPr>
+            </a:lvl8pPr>
+            <a:lvl9pPr marL="3657600" algn="l" defTabSz="914400" rtl="0" eaLnBrk="1" latinLnBrk="0" hangingPunct="1">
+              <a:defRPr sz="1800" kern="1200">
+                <a:solidFill>
+                  <a:schemeClr val="tx1"/>
+                </a:solidFill>
+                <a:latin typeface="+mn-lt"/>
+                <a:ea typeface="+mn-ea"/>
+                <a:cs typeface="+mn-cs"/>
+              </a:defRPr>
+            </a:lvl9pPr>
+          </a:lstStyle>
+          <a:p>
+            <a:pPr lvl="0">
+              <a:lnSpc>
+                <a:spcPct val="130000"/>
+              </a:lnSpc>
+            </a:pPr>
+            <a:r>
+              <a:rPr lang="zh-CN" altLang="en-US" sz="1200" u="sng">
+                <a:solidFill>
+                  <a:srgbClr val="000000"/>
+                </a:solidFill>
+                <a:latin typeface="+mn-ea"/>
+              </a:rPr>
+              <a:t>更换图片方法：点击图片后右键，选择“更改图片”即可。</a:t>
+            </a:r>
+            <a:r>
+              <a:rPr lang="zh-CN" altLang="en-US" sz="1200">
+                <a:solidFill>
+                  <a:srgbClr val="000000"/>
+                </a:solidFill>
+                <a:latin typeface="+mn-ea"/>
+              </a:rPr>
+              <a:t>标题</a:t>
+            </a:r>
+            <a:r>
+              <a:rPr lang="zh-CN" altLang="en-US" sz="1200" dirty="0">
+                <a:solidFill>
+                  <a:srgbClr val="000000"/>
+                </a:solidFill>
+                <a:latin typeface="+mn-ea"/>
+              </a:rPr>
+              <a:t>数字等都可以通过点击和重新输入进行更改，顶部“开始”面板中可以对字体、字号、颜色、行距等进行修改。建议正文</a:t>
+            </a:r>
+            <a:r>
+              <a:rPr lang="en-US" altLang="zh-CN" sz="1200" dirty="0">
+                <a:solidFill>
+                  <a:srgbClr val="000000"/>
+                </a:solidFill>
+                <a:latin typeface="+mn-ea"/>
+              </a:rPr>
+              <a:t>8-14</a:t>
+            </a:r>
+            <a:r>
+              <a:rPr lang="zh-CN" altLang="en-US" sz="1200" dirty="0">
+                <a:solidFill>
+                  <a:srgbClr val="000000"/>
+                </a:solidFill>
+                <a:latin typeface="+mn-ea"/>
+              </a:rPr>
+              <a:t>号字，</a:t>
+            </a:r>
+            <a:r>
+              <a:rPr lang="en-US" altLang="zh-CN" sz="1200" dirty="0">
+                <a:solidFill>
+                  <a:srgbClr val="000000"/>
+                </a:solidFill>
+                <a:latin typeface="+mn-ea"/>
+              </a:rPr>
+              <a:t>1.3</a:t>
+            </a:r>
+            <a:r>
+              <a:rPr lang="zh-CN" altLang="en-US" sz="1200" dirty="0">
+                <a:solidFill>
+                  <a:srgbClr val="000000"/>
+                </a:solidFill>
+                <a:latin typeface="+mn-ea"/>
+              </a:rPr>
+              <a:t>倍字间距。标题数字等都可以通过点击和重新输入进行更改，顶部“开始”面板中可以对字体、字号、颜色、行距等进行修改。建议正文</a:t>
+            </a:r>
+            <a:r>
+              <a:rPr lang="en-US" altLang="zh-CN" sz="1200" dirty="0">
+                <a:solidFill>
+                  <a:srgbClr val="000000"/>
+                </a:solidFill>
+                <a:latin typeface="+mn-ea"/>
+              </a:rPr>
+              <a:t>8-14</a:t>
+            </a:r>
+            <a:r>
+              <a:rPr lang="zh-CN" altLang="en-US" sz="1200" dirty="0">
+                <a:solidFill>
+                  <a:srgbClr val="000000"/>
+                </a:solidFill>
+                <a:latin typeface="+mn-ea"/>
+              </a:rPr>
+              <a:t>号字，</a:t>
+            </a:r>
+            <a:r>
+              <a:rPr lang="en-US" altLang="zh-CN" sz="1200" dirty="0">
+                <a:solidFill>
+                  <a:srgbClr val="000000"/>
+                </a:solidFill>
+                <a:latin typeface="+mn-ea"/>
+              </a:rPr>
+              <a:t>1.3</a:t>
+            </a:r>
+            <a:r>
+              <a:rPr lang="zh-CN" altLang="en-US" sz="1200" dirty="0">
+                <a:solidFill>
+                  <a:srgbClr val="000000"/>
+                </a:solidFill>
+                <a:latin typeface="+mn-ea"/>
+              </a:rPr>
+              <a:t>倍字间距。</a:t>
+            </a:r>
+          </a:p>
+        </p:txBody>
+      </p:sp>
+      <p:pic>
+        <p:nvPicPr>
+          <p:cNvPr id="7" name="图片 6">
+            <a:hlinkClick r:id="rId3"/>
+          </p:cNvPr>
+          <p:cNvPicPr>
+            <a:picLocks noChangeAspect="1"/>
+          </p:cNvPicPr>
+          <p:nvPr/>
+        </p:nvPicPr>
+        <p:blipFill>
+          <a:blip r:embed="rId4">
+            <a:extLst>
+              <a:ext uri="{28A0092B-C50C-407E-A947-70E740481C1C}">
+                <a14:useLocalDpi xmlns:a14="http://schemas.microsoft.com/office/drawing/2010/main" val="0"/>
+              </a:ext>
+            </a:extLst>
+          </a:blip>
+          <a:stretch>
+            <a:fillRect/>
+          </a:stretch>
+        </p:blipFill>
+        <p:spPr>
+          <a:xfrm>
+            <a:off x="9920574" y="450314"/>
+            <a:ext cx="1828800" cy="243840"/>
+          </a:xfrm>
+          <a:prstGeom prst="rect">
+            <a:avLst/>
+          </a:prstGeom>
+        </p:spPr>
+      </p:pic>
+    </p:spTree>
+    <p:extLst>
+      <p:ext uri="{BB962C8B-B14F-4D97-AF65-F5344CB8AC3E}">
+        <p14:creationId xmlns:p14="http://schemas.microsoft.com/office/powerpoint/2010/main" val="1616757669"/>
+      </p:ext>
+    </p:extLst>
+  </p:cSld>
+  <p:clrMapOvr>
+    <a:masterClrMapping/>
+  </p:clrMapOvr>
+  <mc:AlternateContent xmlns:mc="http://schemas.openxmlformats.org/markup-compatibility/2006" xmlns:p14="http://schemas.microsoft.com/office/powerpoint/2010/main">
+    <mc:Choice Requires="p14">
+      <p:transition spd="med" p14:dur="700">
+        <p:fade/>
+      </p:transition>
+    </mc:Choice>
+    <mc:Fallback xmlns="">
+      <p:transition spd="med">
+        <p:fade/>
+      </p:transition>
+    </mc:Fallback>
+  </mc:AlternateContent>
+</p:sld>
+</file>
+
+<file path=ppt/slides/slide11.xml><?xml version="1.0" encoding="utf-8"?>
+<p:sld xmlns:a="http://schemas.openxmlformats.org/drawingml/2006/main" xmlns:r="http://schemas.openxmlformats.org/officeDocument/2006/relationships" xmlns:p="http://schemas.openxmlformats.org/presentationml/2006/main">
+  <p:cSld>
+    <p:spTree>
+      <p:nvGrpSpPr>
+        <p:cNvPr id="1" name=""/>
+        <p:cNvGrpSpPr/>
+        <p:nvPr/>
+      </p:nvGrpSpPr>
+      <p:grpSpPr>
+        <a:xfrm>
+          <a:off x="0" y="0"/>
+          <a:ext cx="0" cy="0"/>
+          <a:chOff x="0" y="0"/>
+          <a:chExt cx="0" cy="0"/>
+        </a:xfrm>
+      </p:grpSpPr>
+      <p:sp>
+        <p:nvSpPr>
+          <p:cNvPr id="2" name="文本占位符 1"/>
+          <p:cNvSpPr>
+            <a:spLocks noGrp="1"/>
+          </p:cNvSpPr>
+          <p:nvPr>
             <p:ph type="body" sz="quarter" idx="15"/>
           </p:nvPr>
         </p:nvSpPr>
@@ -19614,7 +20049,7 @@
 </p:sld>
 </file>
 
-<file path=ppt/slides/slide11.xml><?xml version="1.0" encoding="utf-8"?>
+<file path=ppt/slides/slide12.xml><?xml version="1.0" encoding="utf-8"?>
 <p:sld xmlns:a="http://schemas.openxmlformats.org/drawingml/2006/main" xmlns:r="http://schemas.openxmlformats.org/officeDocument/2006/relationships" xmlns:p="http://schemas.openxmlformats.org/presentationml/2006/main">
   <p:cSld>
     <p:spTree>
@@ -21312,7 +21747,7 @@
 </p:sld>
 </file>
 
-<file path=ppt/slides/slide12.xml><?xml version="1.0" encoding="utf-8"?>
+<file path=ppt/slides/slide13.xml><?xml version="1.0" encoding="utf-8"?>
 <p:sld xmlns:a="http://schemas.openxmlformats.org/drawingml/2006/main" xmlns:r="http://schemas.openxmlformats.org/officeDocument/2006/relationships" xmlns:p="http://schemas.openxmlformats.org/presentationml/2006/main">
   <p:cSld>
     <p:spTree>
@@ -28204,7 +28639,7 @@
 </p:sld>
 </file>
 
-<file path=ppt/slides/slide13.xml><?xml version="1.0" encoding="utf-8"?>
+<file path=ppt/slides/slide14.xml><?xml version="1.0" encoding="utf-8"?>
 <p:sld xmlns:a="http://schemas.openxmlformats.org/drawingml/2006/main" xmlns:r="http://schemas.openxmlformats.org/officeDocument/2006/relationships" xmlns:p="http://schemas.openxmlformats.org/presentationml/2006/main">
   <p:cSld>
     <p:spTree>
@@ -34668,7 +35103,7 @@
 </p:sld>
 </file>
 
-<file path=ppt/slides/slide14.xml><?xml version="1.0" encoding="utf-8"?>
+<file path=ppt/slides/slide15.xml><?xml version="1.0" encoding="utf-8"?>
 <p:sld xmlns:a="http://schemas.openxmlformats.org/drawingml/2006/main" xmlns:r="http://schemas.openxmlformats.org/officeDocument/2006/relationships" xmlns:p="http://schemas.openxmlformats.org/presentationml/2006/main">
   <p:cSld>
     <p:spTree>
@@ -34787,7 +35222,7 @@
 </p:sld>
 </file>
 
-<file path=ppt/slides/slide15.xml><?xml version="1.0" encoding="utf-8"?>
+<file path=ppt/slides/slide16.xml><?xml version="1.0" encoding="utf-8"?>
 <p:sld xmlns:a="http://schemas.openxmlformats.org/drawingml/2006/main" xmlns:r="http://schemas.openxmlformats.org/officeDocument/2006/relationships" xmlns:p="http://schemas.openxmlformats.org/presentationml/2006/main">
   <p:cSld>
     <p:spTree>
@@ -35857,7 +36292,7 @@
 </p:sld>
 </file>
 
-<file path=ppt/slides/slide16.xml><?xml version="1.0" encoding="utf-8"?>
+<file path=ppt/slides/slide17.xml><?xml version="1.0" encoding="utf-8"?>
 <p:sld xmlns:a="http://schemas.openxmlformats.org/drawingml/2006/main" xmlns:r="http://schemas.openxmlformats.org/officeDocument/2006/relationships" xmlns:p="http://schemas.openxmlformats.org/presentationml/2006/main">
   <p:cSld>
     <p:spTree>
@@ -36206,7 +36641,7 @@
 </p:sld>
 </file>
 
-<file path=ppt/slides/slide17.xml><?xml version="1.0" encoding="utf-8"?>
+<file path=ppt/slides/slide18.xml><?xml version="1.0" encoding="utf-8"?>
 <p:sld xmlns:a="http://schemas.openxmlformats.org/drawingml/2006/main" xmlns:r="http://schemas.openxmlformats.org/officeDocument/2006/relationships" xmlns:p="http://schemas.openxmlformats.org/presentationml/2006/main">
   <p:cSld>
     <p:spTree>
@@ -36656,7 +37091,7 @@
 </p:sld>
 </file>
 
-<file path=ppt/slides/slide18.xml><?xml version="1.0" encoding="utf-8"?>
+<file path=ppt/slides/slide19.xml><?xml version="1.0" encoding="utf-8"?>
 <p:sld xmlns:a="http://schemas.openxmlformats.org/drawingml/2006/main" xmlns:r="http://schemas.openxmlformats.org/officeDocument/2006/relationships" xmlns:p="http://schemas.openxmlformats.org/presentationml/2006/main">
   <p:cSld>
     <p:spTree>
@@ -36775,7 +37210,422 @@
 </p:sld>
 </file>
 
-<file path=ppt/slides/slide19.xml><?xml version="1.0" encoding="utf-8"?>
+<file path=ppt/slides/slide2.xml><?xml version="1.0" encoding="utf-8"?>
+<p:sld xmlns:a="http://schemas.openxmlformats.org/drawingml/2006/main" xmlns:r="http://schemas.openxmlformats.org/officeDocument/2006/relationships" xmlns:p="http://schemas.openxmlformats.org/presentationml/2006/main">
+  <p:cSld>
+    <p:spTree>
+      <p:nvGrpSpPr>
+        <p:cNvPr id="1" name=""/>
+        <p:cNvGrpSpPr/>
+        <p:nvPr/>
+      </p:nvGrpSpPr>
+      <p:grpSpPr>
+        <a:xfrm>
+          <a:off x="0" y="0"/>
+          <a:ext cx="0" cy="0"/>
+          <a:chOff x="0" y="0"/>
+          <a:chExt cx="0" cy="0"/>
+        </a:xfrm>
+      </p:grpSpPr>
+      <p:sp>
+        <p:nvSpPr>
+          <p:cNvPr id="2" name="文本占位符 1"/>
+          <p:cNvSpPr>
+            <a:spLocks noGrp="1"/>
+          </p:cNvSpPr>
+          <p:nvPr>
+            <p:ph type="body" sz="quarter" idx="13"/>
+          </p:nvPr>
+        </p:nvSpPr>
+        <p:spPr/>
+        <p:txBody>
+          <a:bodyPr/>
+          <a:lstStyle/>
+          <a:p>
+            <a:r>
+              <a:rPr kumimoji="1" lang="zh-CN" altLang="en-US" dirty="0"/>
+              <a:t>目录</a:t>
+            </a:r>
+          </a:p>
+        </p:txBody>
+      </p:sp>
+      <p:sp>
+        <p:nvSpPr>
+          <p:cNvPr id="3" name="文本占位符 2"/>
+          <p:cNvSpPr>
+            <a:spLocks noGrp="1"/>
+          </p:cNvSpPr>
+          <p:nvPr>
+            <p:ph type="body" sz="quarter" idx="14"/>
+          </p:nvPr>
+        </p:nvSpPr>
+        <p:spPr/>
+        <p:txBody>
+          <a:bodyPr/>
+          <a:lstStyle/>
+          <a:p>
+            <a:r>
+              <a:rPr kumimoji="1" lang="en-US" altLang="zh-CN" dirty="0"/>
+              <a:t>CONTENTS</a:t>
+            </a:r>
+            <a:endParaRPr kumimoji="1" lang="zh-CN" altLang="en-US" dirty="0"/>
+          </a:p>
+        </p:txBody>
+      </p:sp>
+      <p:sp>
+        <p:nvSpPr>
+          <p:cNvPr id="4" name="文本占位符 3"/>
+          <p:cNvSpPr>
+            <a:spLocks noGrp="1"/>
+          </p:cNvSpPr>
+          <p:nvPr>
+            <p:ph type="body" sz="quarter" idx="15"/>
+          </p:nvPr>
+        </p:nvSpPr>
+        <p:spPr/>
+        <p:txBody>
+          <a:bodyPr/>
+          <a:lstStyle/>
+          <a:p>
+            <a:r>
+              <a:rPr kumimoji="1" lang="en-US" altLang="zh-CN" dirty="0"/>
+              <a:t>01</a:t>
+            </a:r>
+            <a:endParaRPr kumimoji="1" lang="zh-CN" altLang="en-US" dirty="0"/>
+          </a:p>
+        </p:txBody>
+      </p:sp>
+      <p:sp>
+        <p:nvSpPr>
+          <p:cNvPr id="5" name="文本占位符 4"/>
+          <p:cNvSpPr>
+            <a:spLocks noGrp="1"/>
+          </p:cNvSpPr>
+          <p:nvPr>
+            <p:ph type="body" sz="quarter" idx="16"/>
+          </p:nvPr>
+        </p:nvSpPr>
+        <p:spPr/>
+        <p:txBody>
+          <a:bodyPr/>
+          <a:lstStyle/>
+          <a:p>
+            <a:r>
+              <a:rPr kumimoji="1" lang="zh-CN" altLang="en-US" dirty="0"/>
+              <a:t>做的什么？</a:t>
+            </a:r>
+          </a:p>
+        </p:txBody>
+      </p:sp>
+      <p:sp>
+        <p:nvSpPr>
+          <p:cNvPr id="6" name="文本占位符 5"/>
+          <p:cNvSpPr>
+            <a:spLocks noGrp="1"/>
+          </p:cNvSpPr>
+          <p:nvPr>
+            <p:ph type="body" sz="quarter" idx="17"/>
+          </p:nvPr>
+        </p:nvSpPr>
+        <p:spPr/>
+        <p:txBody>
+          <a:bodyPr/>
+          <a:lstStyle/>
+          <a:p>
+            <a:r>
+              <a:rPr kumimoji="1" lang="en-US" altLang="zh-CN" dirty="0"/>
+              <a:t>02</a:t>
+            </a:r>
+            <a:endParaRPr kumimoji="1" lang="zh-CN" altLang="en-US" dirty="0"/>
+          </a:p>
+        </p:txBody>
+      </p:sp>
+      <p:sp>
+        <p:nvSpPr>
+          <p:cNvPr id="7" name="文本占位符 6"/>
+          <p:cNvSpPr>
+            <a:spLocks noGrp="1"/>
+          </p:cNvSpPr>
+          <p:nvPr>
+            <p:ph type="body" sz="quarter" idx="18"/>
+          </p:nvPr>
+        </p:nvSpPr>
+        <p:spPr/>
+        <p:txBody>
+          <a:bodyPr/>
+          <a:lstStyle/>
+          <a:p>
+            <a:r>
+              <a:rPr kumimoji="1" lang="zh-CN" altLang="en-US" dirty="0"/>
+              <a:t>怎么做的？</a:t>
+            </a:r>
+          </a:p>
+        </p:txBody>
+      </p:sp>
+      <p:sp>
+        <p:nvSpPr>
+          <p:cNvPr id="8" name="文本占位符 7"/>
+          <p:cNvSpPr>
+            <a:spLocks noGrp="1"/>
+          </p:cNvSpPr>
+          <p:nvPr>
+            <p:ph type="body" sz="quarter" idx="19"/>
+          </p:nvPr>
+        </p:nvSpPr>
+        <p:spPr/>
+        <p:txBody>
+          <a:bodyPr/>
+          <a:lstStyle/>
+          <a:p>
+            <a:r>
+              <a:rPr kumimoji="1" lang="en-US" altLang="zh-CN" dirty="0"/>
+              <a:t>03</a:t>
+            </a:r>
+            <a:endParaRPr kumimoji="1" lang="zh-CN" altLang="en-US" dirty="0"/>
+          </a:p>
+        </p:txBody>
+      </p:sp>
+      <p:sp>
+        <p:nvSpPr>
+          <p:cNvPr id="9" name="文本占位符 8"/>
+          <p:cNvSpPr>
+            <a:spLocks noGrp="1"/>
+          </p:cNvSpPr>
+          <p:nvPr>
+            <p:ph type="body" sz="quarter" idx="20"/>
+          </p:nvPr>
+        </p:nvSpPr>
+        <p:spPr/>
+        <p:txBody>
+          <a:bodyPr/>
+          <a:lstStyle/>
+          <a:p>
+            <a:r>
+              <a:rPr kumimoji="1" lang="zh-CN" altLang="en-US" dirty="0"/>
+              <a:t>制作过程</a:t>
+            </a:r>
+          </a:p>
+        </p:txBody>
+      </p:sp>
+      <p:sp>
+        <p:nvSpPr>
+          <p:cNvPr id="10" name="文本占位符 9"/>
+          <p:cNvSpPr>
+            <a:spLocks noGrp="1"/>
+          </p:cNvSpPr>
+          <p:nvPr>
+            <p:ph type="body" sz="quarter" idx="21"/>
+          </p:nvPr>
+        </p:nvSpPr>
+        <p:spPr/>
+        <p:txBody>
+          <a:bodyPr/>
+          <a:lstStyle/>
+          <a:p>
+            <a:r>
+              <a:rPr kumimoji="1" lang="en-US" altLang="zh-CN" dirty="0"/>
+              <a:t>04</a:t>
+            </a:r>
+            <a:endParaRPr kumimoji="1" lang="zh-CN" altLang="en-US" dirty="0"/>
+          </a:p>
+        </p:txBody>
+      </p:sp>
+      <p:sp>
+        <p:nvSpPr>
+          <p:cNvPr id="11" name="文本占位符 10"/>
+          <p:cNvSpPr>
+            <a:spLocks noGrp="1"/>
+          </p:cNvSpPr>
+          <p:nvPr>
+            <p:ph type="body" sz="quarter" idx="22"/>
+          </p:nvPr>
+        </p:nvSpPr>
+        <p:spPr/>
+        <p:txBody>
+          <a:bodyPr/>
+          <a:lstStyle/>
+          <a:p>
+            <a:r>
+              <a:rPr kumimoji="1" lang="zh-CN" altLang="en-US" dirty="0"/>
+              <a:t>作品展示</a:t>
+            </a:r>
+          </a:p>
+        </p:txBody>
+      </p:sp>
+      <p:sp>
+        <p:nvSpPr>
+          <p:cNvPr id="12" name="文本占位符 11"/>
+          <p:cNvSpPr>
+            <a:spLocks noGrp="1"/>
+          </p:cNvSpPr>
+          <p:nvPr>
+            <p:ph type="body" sz="quarter" idx="23"/>
+          </p:nvPr>
+        </p:nvSpPr>
+        <p:spPr/>
+        <p:txBody>
+          <a:bodyPr/>
+          <a:lstStyle/>
+          <a:p>
+            <a:r>
+              <a:rPr kumimoji="1" lang="en-US" altLang="zh-CN" dirty="0"/>
+              <a:t>05</a:t>
+            </a:r>
+            <a:endParaRPr kumimoji="1" lang="zh-CN" altLang="en-US" dirty="0"/>
+          </a:p>
+        </p:txBody>
+      </p:sp>
+      <p:sp>
+        <p:nvSpPr>
+          <p:cNvPr id="13" name="文本占位符 12"/>
+          <p:cNvSpPr>
+            <a:spLocks noGrp="1"/>
+          </p:cNvSpPr>
+          <p:nvPr>
+            <p:ph type="body" sz="quarter" idx="24"/>
+          </p:nvPr>
+        </p:nvSpPr>
+        <p:spPr/>
+        <p:txBody>
+          <a:bodyPr/>
+          <a:lstStyle/>
+          <a:p>
+            <a:r>
+              <a:rPr kumimoji="1" lang="zh-CN" altLang="en-US" dirty="0"/>
+              <a:t>总结回顾</a:t>
+            </a:r>
+          </a:p>
+        </p:txBody>
+      </p:sp>
+      <p:grpSp>
+        <p:nvGrpSpPr>
+          <p:cNvPr id="17" name="组合 16">
+            <a:extLst>
+              <a:ext uri="{FF2B5EF4-FFF2-40B4-BE49-F238E27FC236}">
+                <a16:creationId xmlns:a16="http://schemas.microsoft.com/office/drawing/2014/main" id="{3BCC40E5-EF58-417B-BCF6-BC2DFC6D9AE5}"/>
+              </a:ext>
+            </a:extLst>
+          </p:cNvPr>
+          <p:cNvGrpSpPr/>
+          <p:nvPr/>
+        </p:nvGrpSpPr>
+        <p:grpSpPr>
+          <a:xfrm>
+            <a:off x="231380" y="6122555"/>
+            <a:ext cx="3130945" cy="521095"/>
+            <a:chOff x="9280130" y="5862008"/>
+            <a:chExt cx="3130945" cy="521095"/>
+          </a:xfrm>
+        </p:grpSpPr>
+        <p:pic>
+          <p:nvPicPr>
+            <p:cNvPr id="18" name="图片 17">
+              <a:extLst>
+                <a:ext uri="{FF2B5EF4-FFF2-40B4-BE49-F238E27FC236}">
+                  <a16:creationId xmlns:a16="http://schemas.microsoft.com/office/drawing/2014/main" id="{C0C214AD-69FF-4EFF-9FF4-640006428F48}"/>
+                </a:ext>
+              </a:extLst>
+            </p:cNvPr>
+            <p:cNvPicPr>
+              <a:picLocks noChangeAspect="1"/>
+            </p:cNvPicPr>
+            <p:nvPr/>
+          </p:nvPicPr>
+          <p:blipFill>
+            <a:blip r:embed="rId2">
+              <a:extLst>
+                <a:ext uri="{28A0092B-C50C-407E-A947-70E740481C1C}">
+                  <a14:useLocalDpi xmlns:a14="http://schemas.microsoft.com/office/drawing/2010/main" val="0"/>
+                </a:ext>
+              </a:extLst>
+            </a:blip>
+            <a:stretch>
+              <a:fillRect/>
+            </a:stretch>
+          </p:blipFill>
+          <p:spPr>
+            <a:xfrm>
+              <a:off x="9280130" y="5862008"/>
+              <a:ext cx="521095" cy="521095"/>
+            </a:xfrm>
+            <a:prstGeom prst="rect">
+              <a:avLst/>
+            </a:prstGeom>
+          </p:spPr>
+        </p:pic>
+        <p:sp>
+          <p:nvSpPr>
+            <p:cNvPr id="19" name="文本框 18">
+              <a:extLst>
+                <a:ext uri="{FF2B5EF4-FFF2-40B4-BE49-F238E27FC236}">
+                  <a16:creationId xmlns:a16="http://schemas.microsoft.com/office/drawing/2014/main" id="{CE52AF02-2DCA-4C9C-BC28-7A33B224967E}"/>
+                </a:ext>
+              </a:extLst>
+            </p:cNvPr>
+            <p:cNvSpPr txBox="1"/>
+            <p:nvPr/>
+          </p:nvSpPr>
+          <p:spPr>
+            <a:xfrm>
+              <a:off x="9713471" y="5922501"/>
+              <a:ext cx="2697604" cy="400110"/>
+            </a:xfrm>
+            <a:prstGeom prst="rect">
+              <a:avLst/>
+            </a:prstGeom>
+            <a:noFill/>
+          </p:spPr>
+          <p:txBody>
+            <a:bodyPr wrap="square" lIns="72000" rtlCol="0">
+              <a:spAutoFit/>
+            </a:bodyPr>
+            <a:lstStyle/>
+            <a:p>
+              <a:r>
+                <a:rPr lang="en-US" altLang="zh-CN" sz="2000" dirty="0">
+                  <a:solidFill>
+                    <a:schemeClr val="bg1">
+                      <a:lumMod val="85000"/>
+                    </a:schemeClr>
+                  </a:solidFill>
+                  <a:latin typeface="微软雅黑 Light" panose="020B0502040204020203" pitchFamily="34" charset="-122"/>
+                  <a:ea typeface="微软雅黑 Light" panose="020B0502040204020203" pitchFamily="34" charset="-122"/>
+                </a:rPr>
+                <a:t>MSP</a:t>
+              </a:r>
+              <a:r>
+                <a:rPr lang="zh-CN" altLang="en-US" sz="2000" dirty="0">
+                  <a:solidFill>
+                    <a:schemeClr val="bg1">
+                      <a:lumMod val="85000"/>
+                    </a:schemeClr>
+                  </a:solidFill>
+                  <a:latin typeface="微软雅黑 Light" panose="020B0502040204020203" pitchFamily="34" charset="-122"/>
+                  <a:ea typeface="微软雅黑 Light" panose="020B0502040204020203" pitchFamily="34" charset="-122"/>
+                </a:rPr>
+                <a:t>观光团</a:t>
+              </a:r>
+            </a:p>
+          </p:txBody>
+        </p:sp>
+      </p:grpSp>
+    </p:spTree>
+    <p:extLst>
+      <p:ext uri="{BB962C8B-B14F-4D97-AF65-F5344CB8AC3E}">
+        <p14:creationId xmlns:p14="http://schemas.microsoft.com/office/powerpoint/2010/main" val="193088109"/>
+      </p:ext>
+    </p:extLst>
+  </p:cSld>
+  <p:clrMapOvr>
+    <a:masterClrMapping/>
+  </p:clrMapOvr>
+  <p:transition spd="slow">
+    <p:wipe/>
+  </p:transition>
+</p:sld>
+</file>
+
+<file path=ppt/slides/slide20.xml><?xml version="1.0" encoding="utf-8"?>
 <p:sld xmlns:a="http://schemas.openxmlformats.org/drawingml/2006/main" xmlns:r="http://schemas.openxmlformats.org/officeDocument/2006/relationships" xmlns:p="http://schemas.openxmlformats.org/presentationml/2006/main">
   <p:cSld>
     <p:spTree>
@@ -37969,422 +38819,7 @@
 </p:sld>
 </file>
 
-<file path=ppt/slides/slide2.xml><?xml version="1.0" encoding="utf-8"?>
-<p:sld xmlns:a="http://schemas.openxmlformats.org/drawingml/2006/main" xmlns:r="http://schemas.openxmlformats.org/officeDocument/2006/relationships" xmlns:p="http://schemas.openxmlformats.org/presentationml/2006/main">
-  <p:cSld>
-    <p:spTree>
-      <p:nvGrpSpPr>
-        <p:cNvPr id="1" name=""/>
-        <p:cNvGrpSpPr/>
-        <p:nvPr/>
-      </p:nvGrpSpPr>
-      <p:grpSpPr>
-        <a:xfrm>
-          <a:off x="0" y="0"/>
-          <a:ext cx="0" cy="0"/>
-          <a:chOff x="0" y="0"/>
-          <a:chExt cx="0" cy="0"/>
-        </a:xfrm>
-      </p:grpSpPr>
-      <p:sp>
-        <p:nvSpPr>
-          <p:cNvPr id="2" name="文本占位符 1"/>
-          <p:cNvSpPr>
-            <a:spLocks noGrp="1"/>
-          </p:cNvSpPr>
-          <p:nvPr>
-            <p:ph type="body" sz="quarter" idx="13"/>
-          </p:nvPr>
-        </p:nvSpPr>
-        <p:spPr/>
-        <p:txBody>
-          <a:bodyPr/>
-          <a:lstStyle/>
-          <a:p>
-            <a:r>
-              <a:rPr kumimoji="1" lang="zh-CN" altLang="en-US" dirty="0"/>
-              <a:t>目录</a:t>
-            </a:r>
-          </a:p>
-        </p:txBody>
-      </p:sp>
-      <p:sp>
-        <p:nvSpPr>
-          <p:cNvPr id="3" name="文本占位符 2"/>
-          <p:cNvSpPr>
-            <a:spLocks noGrp="1"/>
-          </p:cNvSpPr>
-          <p:nvPr>
-            <p:ph type="body" sz="quarter" idx="14"/>
-          </p:nvPr>
-        </p:nvSpPr>
-        <p:spPr/>
-        <p:txBody>
-          <a:bodyPr/>
-          <a:lstStyle/>
-          <a:p>
-            <a:r>
-              <a:rPr kumimoji="1" lang="en-US" altLang="zh-CN" dirty="0"/>
-              <a:t>CONTENTS</a:t>
-            </a:r>
-            <a:endParaRPr kumimoji="1" lang="zh-CN" altLang="en-US" dirty="0"/>
-          </a:p>
-        </p:txBody>
-      </p:sp>
-      <p:sp>
-        <p:nvSpPr>
-          <p:cNvPr id="4" name="文本占位符 3"/>
-          <p:cNvSpPr>
-            <a:spLocks noGrp="1"/>
-          </p:cNvSpPr>
-          <p:nvPr>
-            <p:ph type="body" sz="quarter" idx="15"/>
-          </p:nvPr>
-        </p:nvSpPr>
-        <p:spPr/>
-        <p:txBody>
-          <a:bodyPr/>
-          <a:lstStyle/>
-          <a:p>
-            <a:r>
-              <a:rPr kumimoji="1" lang="en-US" altLang="zh-CN" dirty="0"/>
-              <a:t>01</a:t>
-            </a:r>
-            <a:endParaRPr kumimoji="1" lang="zh-CN" altLang="en-US" dirty="0"/>
-          </a:p>
-        </p:txBody>
-      </p:sp>
-      <p:sp>
-        <p:nvSpPr>
-          <p:cNvPr id="5" name="文本占位符 4"/>
-          <p:cNvSpPr>
-            <a:spLocks noGrp="1"/>
-          </p:cNvSpPr>
-          <p:nvPr>
-            <p:ph type="body" sz="quarter" idx="16"/>
-          </p:nvPr>
-        </p:nvSpPr>
-        <p:spPr/>
-        <p:txBody>
-          <a:bodyPr/>
-          <a:lstStyle/>
-          <a:p>
-            <a:r>
-              <a:rPr kumimoji="1" lang="zh-CN" altLang="en-US" dirty="0"/>
-              <a:t>做的什么？</a:t>
-            </a:r>
-          </a:p>
-        </p:txBody>
-      </p:sp>
-      <p:sp>
-        <p:nvSpPr>
-          <p:cNvPr id="6" name="文本占位符 5"/>
-          <p:cNvSpPr>
-            <a:spLocks noGrp="1"/>
-          </p:cNvSpPr>
-          <p:nvPr>
-            <p:ph type="body" sz="quarter" idx="17"/>
-          </p:nvPr>
-        </p:nvSpPr>
-        <p:spPr/>
-        <p:txBody>
-          <a:bodyPr/>
-          <a:lstStyle/>
-          <a:p>
-            <a:r>
-              <a:rPr kumimoji="1" lang="en-US" altLang="zh-CN" dirty="0"/>
-              <a:t>02</a:t>
-            </a:r>
-            <a:endParaRPr kumimoji="1" lang="zh-CN" altLang="en-US" dirty="0"/>
-          </a:p>
-        </p:txBody>
-      </p:sp>
-      <p:sp>
-        <p:nvSpPr>
-          <p:cNvPr id="7" name="文本占位符 6"/>
-          <p:cNvSpPr>
-            <a:spLocks noGrp="1"/>
-          </p:cNvSpPr>
-          <p:nvPr>
-            <p:ph type="body" sz="quarter" idx="18"/>
-          </p:nvPr>
-        </p:nvSpPr>
-        <p:spPr/>
-        <p:txBody>
-          <a:bodyPr/>
-          <a:lstStyle/>
-          <a:p>
-            <a:r>
-              <a:rPr kumimoji="1" lang="zh-CN" altLang="en-US" dirty="0"/>
-              <a:t>怎么做的？</a:t>
-            </a:r>
-          </a:p>
-        </p:txBody>
-      </p:sp>
-      <p:sp>
-        <p:nvSpPr>
-          <p:cNvPr id="8" name="文本占位符 7"/>
-          <p:cNvSpPr>
-            <a:spLocks noGrp="1"/>
-          </p:cNvSpPr>
-          <p:nvPr>
-            <p:ph type="body" sz="quarter" idx="19"/>
-          </p:nvPr>
-        </p:nvSpPr>
-        <p:spPr/>
-        <p:txBody>
-          <a:bodyPr/>
-          <a:lstStyle/>
-          <a:p>
-            <a:r>
-              <a:rPr kumimoji="1" lang="en-US" altLang="zh-CN" dirty="0"/>
-              <a:t>03</a:t>
-            </a:r>
-            <a:endParaRPr kumimoji="1" lang="zh-CN" altLang="en-US" dirty="0"/>
-          </a:p>
-        </p:txBody>
-      </p:sp>
-      <p:sp>
-        <p:nvSpPr>
-          <p:cNvPr id="9" name="文本占位符 8"/>
-          <p:cNvSpPr>
-            <a:spLocks noGrp="1"/>
-          </p:cNvSpPr>
-          <p:nvPr>
-            <p:ph type="body" sz="quarter" idx="20"/>
-          </p:nvPr>
-        </p:nvSpPr>
-        <p:spPr/>
-        <p:txBody>
-          <a:bodyPr/>
-          <a:lstStyle/>
-          <a:p>
-            <a:r>
-              <a:rPr kumimoji="1" lang="zh-CN" altLang="en-US" dirty="0"/>
-              <a:t>制作过程</a:t>
-            </a:r>
-          </a:p>
-        </p:txBody>
-      </p:sp>
-      <p:sp>
-        <p:nvSpPr>
-          <p:cNvPr id="10" name="文本占位符 9"/>
-          <p:cNvSpPr>
-            <a:spLocks noGrp="1"/>
-          </p:cNvSpPr>
-          <p:nvPr>
-            <p:ph type="body" sz="quarter" idx="21"/>
-          </p:nvPr>
-        </p:nvSpPr>
-        <p:spPr/>
-        <p:txBody>
-          <a:bodyPr/>
-          <a:lstStyle/>
-          <a:p>
-            <a:r>
-              <a:rPr kumimoji="1" lang="en-US" altLang="zh-CN" dirty="0"/>
-              <a:t>04</a:t>
-            </a:r>
-            <a:endParaRPr kumimoji="1" lang="zh-CN" altLang="en-US" dirty="0"/>
-          </a:p>
-        </p:txBody>
-      </p:sp>
-      <p:sp>
-        <p:nvSpPr>
-          <p:cNvPr id="11" name="文本占位符 10"/>
-          <p:cNvSpPr>
-            <a:spLocks noGrp="1"/>
-          </p:cNvSpPr>
-          <p:nvPr>
-            <p:ph type="body" sz="quarter" idx="22"/>
-          </p:nvPr>
-        </p:nvSpPr>
-        <p:spPr/>
-        <p:txBody>
-          <a:bodyPr/>
-          <a:lstStyle/>
-          <a:p>
-            <a:r>
-              <a:rPr kumimoji="1" lang="zh-CN" altLang="en-US" dirty="0"/>
-              <a:t>作品展示</a:t>
-            </a:r>
-          </a:p>
-        </p:txBody>
-      </p:sp>
-      <p:sp>
-        <p:nvSpPr>
-          <p:cNvPr id="12" name="文本占位符 11"/>
-          <p:cNvSpPr>
-            <a:spLocks noGrp="1"/>
-          </p:cNvSpPr>
-          <p:nvPr>
-            <p:ph type="body" sz="quarter" idx="23"/>
-          </p:nvPr>
-        </p:nvSpPr>
-        <p:spPr/>
-        <p:txBody>
-          <a:bodyPr/>
-          <a:lstStyle/>
-          <a:p>
-            <a:r>
-              <a:rPr kumimoji="1" lang="en-US" altLang="zh-CN" dirty="0"/>
-              <a:t>05</a:t>
-            </a:r>
-            <a:endParaRPr kumimoji="1" lang="zh-CN" altLang="en-US" dirty="0"/>
-          </a:p>
-        </p:txBody>
-      </p:sp>
-      <p:sp>
-        <p:nvSpPr>
-          <p:cNvPr id="13" name="文本占位符 12"/>
-          <p:cNvSpPr>
-            <a:spLocks noGrp="1"/>
-          </p:cNvSpPr>
-          <p:nvPr>
-            <p:ph type="body" sz="quarter" idx="24"/>
-          </p:nvPr>
-        </p:nvSpPr>
-        <p:spPr/>
-        <p:txBody>
-          <a:bodyPr/>
-          <a:lstStyle/>
-          <a:p>
-            <a:r>
-              <a:rPr kumimoji="1" lang="zh-CN" altLang="en-US" dirty="0"/>
-              <a:t>总结回顾</a:t>
-            </a:r>
-          </a:p>
-        </p:txBody>
-      </p:sp>
-      <p:grpSp>
-        <p:nvGrpSpPr>
-          <p:cNvPr id="17" name="组合 16">
-            <a:extLst>
-              <a:ext uri="{FF2B5EF4-FFF2-40B4-BE49-F238E27FC236}">
-                <a16:creationId xmlns:a16="http://schemas.microsoft.com/office/drawing/2014/main" id="{3BCC40E5-EF58-417B-BCF6-BC2DFC6D9AE5}"/>
-              </a:ext>
-            </a:extLst>
-          </p:cNvPr>
-          <p:cNvGrpSpPr/>
-          <p:nvPr/>
-        </p:nvGrpSpPr>
-        <p:grpSpPr>
-          <a:xfrm>
-            <a:off x="231380" y="6122555"/>
-            <a:ext cx="3130945" cy="521095"/>
-            <a:chOff x="9280130" y="5862008"/>
-            <a:chExt cx="3130945" cy="521095"/>
-          </a:xfrm>
-        </p:grpSpPr>
-        <p:pic>
-          <p:nvPicPr>
-            <p:cNvPr id="18" name="图片 17">
-              <a:extLst>
-                <a:ext uri="{FF2B5EF4-FFF2-40B4-BE49-F238E27FC236}">
-                  <a16:creationId xmlns:a16="http://schemas.microsoft.com/office/drawing/2014/main" id="{C0C214AD-69FF-4EFF-9FF4-640006428F48}"/>
-                </a:ext>
-              </a:extLst>
-            </p:cNvPr>
-            <p:cNvPicPr>
-              <a:picLocks noChangeAspect="1"/>
-            </p:cNvPicPr>
-            <p:nvPr/>
-          </p:nvPicPr>
-          <p:blipFill>
-            <a:blip r:embed="rId2">
-              <a:extLst>
-                <a:ext uri="{28A0092B-C50C-407E-A947-70E740481C1C}">
-                  <a14:useLocalDpi xmlns:a14="http://schemas.microsoft.com/office/drawing/2010/main" val="0"/>
-                </a:ext>
-              </a:extLst>
-            </a:blip>
-            <a:stretch>
-              <a:fillRect/>
-            </a:stretch>
-          </p:blipFill>
-          <p:spPr>
-            <a:xfrm>
-              <a:off x="9280130" y="5862008"/>
-              <a:ext cx="521095" cy="521095"/>
-            </a:xfrm>
-            <a:prstGeom prst="rect">
-              <a:avLst/>
-            </a:prstGeom>
-          </p:spPr>
-        </p:pic>
-        <p:sp>
-          <p:nvSpPr>
-            <p:cNvPr id="19" name="文本框 18">
-              <a:extLst>
-                <a:ext uri="{FF2B5EF4-FFF2-40B4-BE49-F238E27FC236}">
-                  <a16:creationId xmlns:a16="http://schemas.microsoft.com/office/drawing/2014/main" id="{CE52AF02-2DCA-4C9C-BC28-7A33B224967E}"/>
-                </a:ext>
-              </a:extLst>
-            </p:cNvPr>
-            <p:cNvSpPr txBox="1"/>
-            <p:nvPr/>
-          </p:nvSpPr>
-          <p:spPr>
-            <a:xfrm>
-              <a:off x="9713471" y="5922501"/>
-              <a:ext cx="2697604" cy="400110"/>
-            </a:xfrm>
-            <a:prstGeom prst="rect">
-              <a:avLst/>
-            </a:prstGeom>
-            <a:noFill/>
-          </p:spPr>
-          <p:txBody>
-            <a:bodyPr wrap="square" lIns="72000" rtlCol="0">
-              <a:spAutoFit/>
-            </a:bodyPr>
-            <a:lstStyle/>
-            <a:p>
-              <a:r>
-                <a:rPr lang="en-US" altLang="zh-CN" sz="2000" dirty="0">
-                  <a:solidFill>
-                    <a:schemeClr val="bg1">
-                      <a:lumMod val="85000"/>
-                    </a:schemeClr>
-                  </a:solidFill>
-                  <a:latin typeface="微软雅黑 Light" panose="020B0502040204020203" pitchFamily="34" charset="-122"/>
-                  <a:ea typeface="微软雅黑 Light" panose="020B0502040204020203" pitchFamily="34" charset="-122"/>
-                </a:rPr>
-                <a:t>MSP</a:t>
-              </a:r>
-              <a:r>
-                <a:rPr lang="zh-CN" altLang="en-US" sz="2000" dirty="0">
-                  <a:solidFill>
-                    <a:schemeClr val="bg1">
-                      <a:lumMod val="85000"/>
-                    </a:schemeClr>
-                  </a:solidFill>
-                  <a:latin typeface="微软雅黑 Light" panose="020B0502040204020203" pitchFamily="34" charset="-122"/>
-                  <a:ea typeface="微软雅黑 Light" panose="020B0502040204020203" pitchFamily="34" charset="-122"/>
-                </a:rPr>
-                <a:t>观光团</a:t>
-              </a:r>
-            </a:p>
-          </p:txBody>
-        </p:sp>
-      </p:grpSp>
-    </p:spTree>
-    <p:extLst>
-      <p:ext uri="{BB962C8B-B14F-4D97-AF65-F5344CB8AC3E}">
-        <p14:creationId xmlns:p14="http://schemas.microsoft.com/office/powerpoint/2010/main" val="193088109"/>
-      </p:ext>
-    </p:extLst>
-  </p:cSld>
-  <p:clrMapOvr>
-    <a:masterClrMapping/>
-  </p:clrMapOvr>
-  <p:transition spd="slow">
-    <p:wipe/>
-  </p:transition>
-</p:sld>
-</file>
-
-<file path=ppt/slides/slide20.xml><?xml version="1.0" encoding="utf-8"?>
+<file path=ppt/slides/slide21.xml><?xml version="1.0" encoding="utf-8"?>
 <p:sld xmlns:a="http://schemas.openxmlformats.org/drawingml/2006/main" xmlns:r="http://schemas.openxmlformats.org/officeDocument/2006/relationships" xmlns:p="http://schemas.openxmlformats.org/presentationml/2006/main">
   <p:cSld>
     <p:spTree>
@@ -39204,7 +39639,7 @@
 </p:sld>
 </file>
 
-<file path=ppt/slides/slide21.xml><?xml version="1.0" encoding="utf-8"?>
+<file path=ppt/slides/slide22.xml><?xml version="1.0" encoding="utf-8"?>
 <p:sld xmlns:a="http://schemas.openxmlformats.org/drawingml/2006/main" xmlns:r="http://schemas.openxmlformats.org/officeDocument/2006/relationships" xmlns:p="http://schemas.openxmlformats.org/presentationml/2006/main">
   <p:cSld>
     <p:spTree>
@@ -44278,7 +44713,7 @@
 </p:sld>
 </file>
 
-<file path=ppt/slides/slide22.xml><?xml version="1.0" encoding="utf-8"?>
+<file path=ppt/slides/slide23.xml><?xml version="1.0" encoding="utf-8"?>
 <p:sld xmlns:a="http://schemas.openxmlformats.org/drawingml/2006/main" xmlns:r="http://schemas.openxmlformats.org/officeDocument/2006/relationships" xmlns:p="http://schemas.openxmlformats.org/presentationml/2006/main">
   <p:cSld>
     <p:spTree>
@@ -44487,7 +44922,7 @@
 </p:sld>
 </file>
 
-<file path=ppt/slides/slide23.xml><?xml version="1.0" encoding="utf-8"?>
+<file path=ppt/slides/slide24.xml><?xml version="1.0" encoding="utf-8"?>
 <p:sld xmlns:a="http://schemas.openxmlformats.org/drawingml/2006/main" xmlns:r="http://schemas.openxmlformats.org/officeDocument/2006/relationships" xmlns:p="http://schemas.openxmlformats.org/presentationml/2006/main">
   <p:cSld>
     <p:spTree>
@@ -44517,7 +44952,7 @@
 </p:sld>
 </file>
 
-<file path=ppt/slides/slide24.xml><?xml version="1.0" encoding="utf-8"?>
+<file path=ppt/slides/slide25.xml><?xml version="1.0" encoding="utf-8"?>
 <p:sld xmlns:a="http://schemas.openxmlformats.org/drawingml/2006/main" xmlns:r="http://schemas.openxmlformats.org/officeDocument/2006/relationships" xmlns:p="http://schemas.openxmlformats.org/presentationml/2006/main">
   <p:cSld>
     <p:spTree>
@@ -44651,7 +45086,7 @@
 </p:sld>
 </file>
 
-<file path=ppt/slides/slide25.xml><?xml version="1.0" encoding="utf-8"?>
+<file path=ppt/slides/slide26.xml><?xml version="1.0" encoding="utf-8"?>
 <p:sld xmlns:a="http://schemas.openxmlformats.org/drawingml/2006/main" xmlns:r="http://schemas.openxmlformats.org/officeDocument/2006/relationships" xmlns:p="http://schemas.openxmlformats.org/presentationml/2006/main">
   <p:cSld>
     <p:spTree>
@@ -45688,6 +46123,14 @@
 <file path=ppt/slides/slide5.xml><?xml version="1.0" encoding="utf-8"?>
 <p:sld xmlns:a="http://schemas.openxmlformats.org/drawingml/2006/main" xmlns:r="http://schemas.openxmlformats.org/officeDocument/2006/relationships" xmlns:p="http://schemas.openxmlformats.org/presentationml/2006/main">
   <p:cSld>
+    <p:bg>
+      <p:bgPr>
+        <a:solidFill>
+          <a:schemeClr val="bg1"/>
+        </a:solidFill>
+        <a:effectLst/>
+      </p:bgPr>
+    </p:bg>
     <p:spTree>
       <p:nvGrpSpPr>
         <p:cNvPr id="1" name=""/>
@@ -45716,6 +46159,64 @@
 </file>
 
 <file path=ppt/slides/slide6.xml><?xml version="1.0" encoding="utf-8"?>
+<p:sld xmlns:a="http://schemas.openxmlformats.org/drawingml/2006/main" xmlns:r="http://schemas.openxmlformats.org/officeDocument/2006/relationships" xmlns:p="http://schemas.openxmlformats.org/presentationml/2006/main">
+  <p:cSld>
+    <p:spTree>
+      <p:nvGrpSpPr>
+        <p:cNvPr id="1" name=""/>
+        <p:cNvGrpSpPr/>
+        <p:nvPr/>
+      </p:nvGrpSpPr>
+      <p:grpSpPr>
+        <a:xfrm>
+          <a:off x="0" y="0"/>
+          <a:ext cx="0" cy="0"/>
+          <a:chOff x="0" y="0"/>
+          <a:chExt cx="0" cy="0"/>
+        </a:xfrm>
+      </p:grpSpPr>
+      <p:sp>
+        <p:nvSpPr>
+          <p:cNvPr id="2" name="文本占位符 1">
+            <a:extLst>
+              <a:ext uri="{FF2B5EF4-FFF2-40B4-BE49-F238E27FC236}">
+                <a16:creationId xmlns:a16="http://schemas.microsoft.com/office/drawing/2014/main" id="{FD6E4EC8-1E72-4335-854E-13EA09017E5B}"/>
+              </a:ext>
+            </a:extLst>
+          </p:cNvPr>
+          <p:cNvSpPr>
+            <a:spLocks noGrp="1"/>
+          </p:cNvSpPr>
+          <p:nvPr>
+            <p:ph type="body" sz="quarter" idx="10"/>
+          </p:nvPr>
+        </p:nvSpPr>
+        <p:spPr/>
+        <p:txBody>
+          <a:bodyPr/>
+          <a:lstStyle/>
+          <a:p>
+            <a:r>
+              <a:rPr lang="zh-CN" altLang="en-US" dirty="0"/>
+              <a:t>传感器数据</a:t>
+            </a:r>
+          </a:p>
+        </p:txBody>
+      </p:sp>
+    </p:spTree>
+    <p:extLst>
+      <p:ext uri="{BB962C8B-B14F-4D97-AF65-F5344CB8AC3E}">
+        <p14:creationId xmlns:p14="http://schemas.microsoft.com/office/powerpoint/2010/main" val="1916664803"/>
+      </p:ext>
+    </p:extLst>
+  </p:cSld>
+  <p:clrMapOvr>
+    <a:masterClrMapping/>
+  </p:clrMapOvr>
+</p:sld>
+</file>
+
+<file path=ppt/slides/slide7.xml><?xml version="1.0" encoding="utf-8"?>
 <p:sld xmlns:a="http://schemas.openxmlformats.org/drawingml/2006/main" xmlns:r="http://schemas.openxmlformats.org/officeDocument/2006/relationships" xmlns:p="http://schemas.openxmlformats.org/presentationml/2006/main">
   <p:cSld>
     <p:spTree>
@@ -45834,7 +46335,7 @@
 </p:sld>
 </file>
 
-<file path=ppt/slides/slide7.xml><?xml version="1.0" encoding="utf-8"?>
+<file path=ppt/slides/slide8.xml><?xml version="1.0" encoding="utf-8"?>
 <p:sld xmlns:a="http://schemas.openxmlformats.org/drawingml/2006/main" xmlns:r="http://schemas.openxmlformats.org/officeDocument/2006/relationships" xmlns:p="http://schemas.openxmlformats.org/presentationml/2006/main">
   <p:cSld>
     <p:spTree>
@@ -46872,7 +47373,7 @@
 </p:sld>
 </file>
 
-<file path=ppt/slides/slide8.xml><?xml version="1.0" encoding="utf-8"?>
+<file path=ppt/slides/slide9.xml><?xml version="1.0" encoding="utf-8"?>
 <p:sld xmlns:a="http://schemas.openxmlformats.org/drawingml/2006/main" xmlns:r="http://schemas.openxmlformats.org/officeDocument/2006/relationships" xmlns:p="http://schemas.openxmlformats.org/presentationml/2006/main">
   <p:cSld>
     <p:spTree>
@@ -47621,440 +48122,6 @@
     <p:extLst>
       <p:ext uri="{BB962C8B-B14F-4D97-AF65-F5344CB8AC3E}">
         <p14:creationId xmlns:p14="http://schemas.microsoft.com/office/powerpoint/2010/main" val="1206266994"/>
-      </p:ext>
-    </p:extLst>
-  </p:cSld>
-  <p:clrMapOvr>
-    <a:masterClrMapping/>
-  </p:clrMapOvr>
-  <mc:AlternateContent xmlns:mc="http://schemas.openxmlformats.org/markup-compatibility/2006" xmlns:p14="http://schemas.microsoft.com/office/powerpoint/2010/main">
-    <mc:Choice Requires="p14">
-      <p:transition spd="med" p14:dur="700">
-        <p:fade/>
-      </p:transition>
-    </mc:Choice>
-    <mc:Fallback xmlns="">
-      <p:transition spd="med">
-        <p:fade/>
-      </p:transition>
-    </mc:Fallback>
-  </mc:AlternateContent>
-</p:sld>
-</file>
-
-<file path=ppt/slides/slide9.xml><?xml version="1.0" encoding="utf-8"?>
-<p:sld xmlns:a="http://schemas.openxmlformats.org/drawingml/2006/main" xmlns:r="http://schemas.openxmlformats.org/officeDocument/2006/relationships" xmlns:p="http://schemas.openxmlformats.org/presentationml/2006/main">
-  <p:cSld>
-    <p:spTree>
-      <p:nvGrpSpPr>
-        <p:cNvPr id="1" name=""/>
-        <p:cNvGrpSpPr/>
-        <p:nvPr/>
-      </p:nvGrpSpPr>
-      <p:grpSpPr>
-        <a:xfrm>
-          <a:off x="0" y="0"/>
-          <a:ext cx="0" cy="0"/>
-          <a:chOff x="0" y="0"/>
-          <a:chExt cx="0" cy="0"/>
-        </a:xfrm>
-      </p:grpSpPr>
-      <p:sp>
-        <p:nvSpPr>
-          <p:cNvPr id="2" name="文本占位符 1"/>
-          <p:cNvSpPr>
-            <a:spLocks noGrp="1"/>
-          </p:cNvSpPr>
-          <p:nvPr>
-            <p:ph type="body" sz="quarter" idx="10"/>
-          </p:nvPr>
-        </p:nvSpPr>
-        <p:spPr/>
-        <p:txBody>
-          <a:bodyPr/>
-          <a:lstStyle/>
-          <a:p>
-            <a:r>
-              <a:rPr kumimoji="1" lang="en-US" altLang="zh-CN" dirty="0"/>
-              <a:t>02</a:t>
-            </a:r>
-            <a:r>
-              <a:rPr kumimoji="1" lang="zh-CN" altLang="en-US" dirty="0"/>
-              <a:t> 作品概述</a:t>
-            </a:r>
-          </a:p>
-        </p:txBody>
-      </p:sp>
-      <p:pic>
-        <p:nvPicPr>
-          <p:cNvPr id="3" name="图片 2"/>
-          <p:cNvPicPr>
-            <a:picLocks noChangeAspect="1"/>
-          </p:cNvPicPr>
-          <p:nvPr/>
-        </p:nvPicPr>
-        <p:blipFill>
-          <a:blip r:embed="rId2"/>
-          <a:stretch>
-            <a:fillRect/>
-          </a:stretch>
-        </p:blipFill>
-        <p:spPr>
-          <a:xfrm>
-            <a:off x="1270175" y="2123407"/>
-            <a:ext cx="3448279" cy="1938710"/>
-          </a:xfrm>
-          <a:prstGeom prst="roundRect">
-            <a:avLst>
-              <a:gd name="adj" fmla="val 2368"/>
-            </a:avLst>
-          </a:prstGeom>
-          <a:solidFill>
-            <a:srgbClr val="FFFFFF">
-              <a:shade val="85000"/>
-            </a:srgbClr>
-          </a:solidFill>
-          <a:ln>
-            <a:noFill/>
-          </a:ln>
-          <a:effectLst>
-            <a:reflection blurRad="12700" stA="38000" endPos="28000" dist="5000" dir="5400000" sy="-100000" algn="bl" rotWithShape="0"/>
-          </a:effectLst>
-        </p:spPr>
-      </p:pic>
-      <p:pic>
-        <p:nvPicPr>
-          <p:cNvPr id="4" name="图片 3"/>
-          <p:cNvPicPr>
-            <a:picLocks noChangeAspect="1"/>
-          </p:cNvPicPr>
-          <p:nvPr/>
-        </p:nvPicPr>
-        <p:blipFill>
-          <a:blip r:embed="rId2"/>
-          <a:stretch>
-            <a:fillRect/>
-          </a:stretch>
-        </p:blipFill>
-        <p:spPr>
-          <a:xfrm>
-            <a:off x="7473547" y="2123407"/>
-            <a:ext cx="3448279" cy="1938710"/>
-          </a:xfrm>
-          <a:prstGeom prst="roundRect">
-            <a:avLst>
-              <a:gd name="adj" fmla="val 2368"/>
-            </a:avLst>
-          </a:prstGeom>
-          <a:solidFill>
-            <a:srgbClr val="FFFFFF">
-              <a:shade val="85000"/>
-            </a:srgbClr>
-          </a:solidFill>
-          <a:ln>
-            <a:noFill/>
-          </a:ln>
-          <a:effectLst>
-            <a:reflection blurRad="12700" stA="38000" endPos="28000" dist="5000" dir="5400000" sy="-100000" algn="bl" rotWithShape="0"/>
-          </a:effectLst>
-        </p:spPr>
-      </p:pic>
-      <p:pic>
-        <p:nvPicPr>
-          <p:cNvPr id="5" name="图片 4"/>
-          <p:cNvPicPr>
-            <a:picLocks noChangeAspect="1"/>
-          </p:cNvPicPr>
-          <p:nvPr/>
-        </p:nvPicPr>
-        <p:blipFill>
-          <a:blip r:embed="rId2"/>
-          <a:stretch>
-            <a:fillRect/>
-          </a:stretch>
-        </p:blipFill>
-        <p:spPr>
-          <a:xfrm>
-            <a:off x="2994315" y="800380"/>
-            <a:ext cx="6203371" cy="3487693"/>
-          </a:xfrm>
-          <a:prstGeom prst="roundRect">
-            <a:avLst>
-              <a:gd name="adj" fmla="val 2368"/>
-            </a:avLst>
-          </a:prstGeom>
-          <a:solidFill>
-            <a:srgbClr val="FFFFFF">
-              <a:shade val="85000"/>
-            </a:srgbClr>
-          </a:solidFill>
-          <a:ln>
-            <a:noFill/>
-          </a:ln>
-          <a:effectLst>
-            <a:reflection blurRad="12700" stA="38000" endPos="28000" dist="5000" dir="5400000" sy="-100000" algn="bl" rotWithShape="0"/>
-          </a:effectLst>
-        </p:spPr>
-      </p:pic>
-      <p:sp>
-        <p:nvSpPr>
-          <p:cNvPr id="6" name="文本框 8"/>
-          <p:cNvSpPr txBox="1"/>
-          <p:nvPr/>
-        </p:nvSpPr>
-        <p:spPr>
-          <a:xfrm>
-            <a:off x="1716059" y="5206432"/>
-            <a:ext cx="8759883" cy="812530"/>
-          </a:xfrm>
-          <a:prstGeom prst="rect">
-            <a:avLst/>
-          </a:prstGeom>
-          <a:noFill/>
-        </p:spPr>
-        <p:txBody>
-          <a:bodyPr wrap="square" rtlCol="0">
-            <a:spAutoFit/>
-          </a:bodyPr>
-          <a:lstStyle>
-            <a:defPPr>
-              <a:defRPr lang="zh-CN"/>
-            </a:defPPr>
-            <a:lvl1pPr marL="0" algn="l" defTabSz="914400" rtl="0" eaLnBrk="1" latinLnBrk="0" hangingPunct="1">
-              <a:defRPr sz="1800" kern="1200">
-                <a:solidFill>
-                  <a:schemeClr val="tx1"/>
-                </a:solidFill>
-                <a:latin typeface="+mn-lt"/>
-                <a:ea typeface="+mn-ea"/>
-                <a:cs typeface="+mn-cs"/>
-              </a:defRPr>
-            </a:lvl1pPr>
-            <a:lvl2pPr marL="457200" algn="l" defTabSz="914400" rtl="0" eaLnBrk="1" latinLnBrk="0" hangingPunct="1">
-              <a:defRPr sz="1800" kern="1200">
-                <a:solidFill>
-                  <a:schemeClr val="tx1"/>
-                </a:solidFill>
-                <a:latin typeface="+mn-lt"/>
-                <a:ea typeface="+mn-ea"/>
-                <a:cs typeface="+mn-cs"/>
-              </a:defRPr>
-            </a:lvl2pPr>
-            <a:lvl3pPr marL="914400" algn="l" defTabSz="914400" rtl="0" eaLnBrk="1" latinLnBrk="0" hangingPunct="1">
-              <a:defRPr sz="1800" kern="1200">
-                <a:solidFill>
-                  <a:schemeClr val="tx1"/>
-                </a:solidFill>
-                <a:latin typeface="+mn-lt"/>
-                <a:ea typeface="+mn-ea"/>
-                <a:cs typeface="+mn-cs"/>
-              </a:defRPr>
-            </a:lvl3pPr>
-            <a:lvl4pPr marL="1371600" algn="l" defTabSz="914400" rtl="0" eaLnBrk="1" latinLnBrk="0" hangingPunct="1">
-              <a:defRPr sz="1800" kern="1200">
-                <a:solidFill>
-                  <a:schemeClr val="tx1"/>
-                </a:solidFill>
-                <a:latin typeface="+mn-lt"/>
-                <a:ea typeface="+mn-ea"/>
-                <a:cs typeface="+mn-cs"/>
-              </a:defRPr>
-            </a:lvl4pPr>
-            <a:lvl5pPr marL="1828800" algn="l" defTabSz="914400" rtl="0" eaLnBrk="1" latinLnBrk="0" hangingPunct="1">
-              <a:defRPr sz="1800" kern="1200">
-                <a:solidFill>
-                  <a:schemeClr val="tx1"/>
-                </a:solidFill>
-                <a:latin typeface="+mn-lt"/>
-                <a:ea typeface="+mn-ea"/>
-                <a:cs typeface="+mn-cs"/>
-              </a:defRPr>
-            </a:lvl5pPr>
-            <a:lvl6pPr marL="2286000" algn="l" defTabSz="914400" rtl="0" eaLnBrk="1" latinLnBrk="0" hangingPunct="1">
-              <a:defRPr sz="1800" kern="1200">
-                <a:solidFill>
-                  <a:schemeClr val="tx1"/>
-                </a:solidFill>
-                <a:latin typeface="+mn-lt"/>
-                <a:ea typeface="+mn-ea"/>
-                <a:cs typeface="+mn-cs"/>
-              </a:defRPr>
-            </a:lvl6pPr>
-            <a:lvl7pPr marL="2743200" algn="l" defTabSz="914400" rtl="0" eaLnBrk="1" latinLnBrk="0" hangingPunct="1">
-              <a:defRPr sz="1800" kern="1200">
-                <a:solidFill>
-                  <a:schemeClr val="tx1"/>
-                </a:solidFill>
-                <a:latin typeface="+mn-lt"/>
-                <a:ea typeface="+mn-ea"/>
-                <a:cs typeface="+mn-cs"/>
-              </a:defRPr>
-            </a:lvl7pPr>
-            <a:lvl8pPr marL="3200400" algn="l" defTabSz="914400" rtl="0" eaLnBrk="1" latinLnBrk="0" hangingPunct="1">
-              <a:defRPr sz="1800" kern="1200">
-                <a:solidFill>
-                  <a:schemeClr val="tx1"/>
-                </a:solidFill>
-                <a:latin typeface="+mn-lt"/>
-                <a:ea typeface="+mn-ea"/>
-                <a:cs typeface="+mn-cs"/>
-              </a:defRPr>
-            </a:lvl8pPr>
-            <a:lvl9pPr marL="3657600" algn="l" defTabSz="914400" rtl="0" eaLnBrk="1" latinLnBrk="0" hangingPunct="1">
-              <a:defRPr sz="1800" kern="1200">
-                <a:solidFill>
-                  <a:schemeClr val="tx1"/>
-                </a:solidFill>
-                <a:latin typeface="+mn-lt"/>
-                <a:ea typeface="+mn-ea"/>
-                <a:cs typeface="+mn-cs"/>
-              </a:defRPr>
-            </a:lvl9pPr>
-          </a:lstStyle>
-          <a:p>
-            <a:pPr lvl="0">
-              <a:lnSpc>
-                <a:spcPct val="130000"/>
-              </a:lnSpc>
-            </a:pPr>
-            <a:r>
-              <a:rPr lang="zh-CN" altLang="en-US" sz="1200" u="sng">
-                <a:solidFill>
-                  <a:srgbClr val="000000"/>
-                </a:solidFill>
-                <a:latin typeface="+mn-ea"/>
-              </a:rPr>
-              <a:t>更换图片方法：点击图片后右键，选择“更改图片”即可。</a:t>
-            </a:r>
-            <a:r>
-              <a:rPr lang="zh-CN" altLang="en-US" sz="1200">
-                <a:solidFill>
-                  <a:srgbClr val="000000"/>
-                </a:solidFill>
-                <a:latin typeface="+mn-ea"/>
-              </a:rPr>
-              <a:t>标题</a:t>
-            </a:r>
-            <a:r>
-              <a:rPr lang="zh-CN" altLang="en-US" sz="1200" dirty="0">
-                <a:solidFill>
-                  <a:srgbClr val="000000"/>
-                </a:solidFill>
-                <a:latin typeface="+mn-ea"/>
-              </a:rPr>
-              <a:t>数字等都可以通过点击和重新输入进行更改，顶部“开始”面板中可以对字体、字号、颜色、行距等进行修改。建议正文</a:t>
-            </a:r>
-            <a:r>
-              <a:rPr lang="en-US" altLang="zh-CN" sz="1200" dirty="0">
-                <a:solidFill>
-                  <a:srgbClr val="000000"/>
-                </a:solidFill>
-                <a:latin typeface="+mn-ea"/>
-              </a:rPr>
-              <a:t>8-14</a:t>
-            </a:r>
-            <a:r>
-              <a:rPr lang="zh-CN" altLang="en-US" sz="1200" dirty="0">
-                <a:solidFill>
-                  <a:srgbClr val="000000"/>
-                </a:solidFill>
-                <a:latin typeface="+mn-ea"/>
-              </a:rPr>
-              <a:t>号字，</a:t>
-            </a:r>
-            <a:r>
-              <a:rPr lang="en-US" altLang="zh-CN" sz="1200" dirty="0">
-                <a:solidFill>
-                  <a:srgbClr val="000000"/>
-                </a:solidFill>
-                <a:latin typeface="+mn-ea"/>
-              </a:rPr>
-              <a:t>1.3</a:t>
-            </a:r>
-            <a:r>
-              <a:rPr lang="zh-CN" altLang="en-US" sz="1200" dirty="0">
-                <a:solidFill>
-                  <a:srgbClr val="000000"/>
-                </a:solidFill>
-                <a:latin typeface="+mn-ea"/>
-              </a:rPr>
-              <a:t>倍字间距。标题数字等都可以通过点击和重新输入进行更改，顶部“开始”面板中可以对字体、字号、颜色、行距等进行修改。建议正文</a:t>
-            </a:r>
-            <a:r>
-              <a:rPr lang="en-US" altLang="zh-CN" sz="1200" dirty="0">
-                <a:solidFill>
-                  <a:srgbClr val="000000"/>
-                </a:solidFill>
-                <a:latin typeface="+mn-ea"/>
-              </a:rPr>
-              <a:t>8-14</a:t>
-            </a:r>
-            <a:r>
-              <a:rPr lang="zh-CN" altLang="en-US" sz="1200" dirty="0">
-                <a:solidFill>
-                  <a:srgbClr val="000000"/>
-                </a:solidFill>
-                <a:latin typeface="+mn-ea"/>
-              </a:rPr>
-              <a:t>号字，</a:t>
-            </a:r>
-            <a:r>
-              <a:rPr lang="en-US" altLang="zh-CN" sz="1200" dirty="0">
-                <a:solidFill>
-                  <a:srgbClr val="000000"/>
-                </a:solidFill>
-                <a:latin typeface="+mn-ea"/>
-              </a:rPr>
-              <a:t>1.3</a:t>
-            </a:r>
-            <a:r>
-              <a:rPr lang="zh-CN" altLang="en-US" sz="1200" dirty="0">
-                <a:solidFill>
-                  <a:srgbClr val="000000"/>
-                </a:solidFill>
-                <a:latin typeface="+mn-ea"/>
-              </a:rPr>
-              <a:t>倍字间距。</a:t>
-            </a:r>
-          </a:p>
-        </p:txBody>
-      </p:sp>
-      <p:pic>
-        <p:nvPicPr>
-          <p:cNvPr id="7" name="图片 6">
-            <a:hlinkClick r:id="rId3"/>
-          </p:cNvPr>
-          <p:cNvPicPr>
-            <a:picLocks noChangeAspect="1"/>
-          </p:cNvPicPr>
-          <p:nvPr/>
-        </p:nvPicPr>
-        <p:blipFill>
-          <a:blip r:embed="rId4">
-            <a:extLst>
-              <a:ext uri="{28A0092B-C50C-407E-A947-70E740481C1C}">
-                <a14:useLocalDpi xmlns:a14="http://schemas.microsoft.com/office/drawing/2010/main" val="0"/>
-              </a:ext>
-            </a:extLst>
-          </a:blip>
-          <a:stretch>
-            <a:fillRect/>
-          </a:stretch>
-        </p:blipFill>
-        <p:spPr>
-          <a:xfrm>
-            <a:off x="9920574" y="450314"/>
-            <a:ext cx="1828800" cy="243840"/>
-          </a:xfrm>
-          <a:prstGeom prst="rect">
-            <a:avLst/>
-          </a:prstGeom>
-        </p:spPr>
-      </p:pic>
-    </p:spTree>
-    <p:extLst>
-      <p:ext uri="{BB962C8B-B14F-4D97-AF65-F5344CB8AC3E}">
-        <p14:creationId xmlns:p14="http://schemas.microsoft.com/office/powerpoint/2010/main" val="1616757669"/>
       </p:ext>
     </p:extLst>
   </p:cSld>

--- a/MSDNHome.pptx
+++ b/MSDNHome.pptx
@@ -11,27 +11,28 @@
     <p:sldId id="259" r:id="rId5"/>
     <p:sldId id="260" r:id="rId6"/>
     <p:sldId id="286" r:id="rId7"/>
-    <p:sldId id="287" r:id="rId8"/>
-    <p:sldId id="265" r:id="rId9"/>
-    <p:sldId id="266" r:id="rId10"/>
-    <p:sldId id="267" r:id="rId11"/>
-    <p:sldId id="268" r:id="rId12"/>
-    <p:sldId id="269" r:id="rId13"/>
-    <p:sldId id="270" r:id="rId14"/>
-    <p:sldId id="271" r:id="rId15"/>
-    <p:sldId id="274" r:id="rId16"/>
-    <p:sldId id="272" r:id="rId17"/>
-    <p:sldId id="273" r:id="rId18"/>
-    <p:sldId id="275" r:id="rId19"/>
-    <p:sldId id="276" r:id="rId20"/>
-    <p:sldId id="277" r:id="rId21"/>
-    <p:sldId id="279" r:id="rId22"/>
-    <p:sldId id="280" r:id="rId23"/>
-    <p:sldId id="281" r:id="rId24"/>
-    <p:sldId id="282" r:id="rId25"/>
-    <p:sldId id="283" r:id="rId26"/>
-    <p:sldId id="284" r:id="rId27"/>
-    <p:sldId id="285" r:id="rId28"/>
+    <p:sldId id="288" r:id="rId8"/>
+    <p:sldId id="287" r:id="rId9"/>
+    <p:sldId id="265" r:id="rId10"/>
+    <p:sldId id="266" r:id="rId11"/>
+    <p:sldId id="267" r:id="rId12"/>
+    <p:sldId id="268" r:id="rId13"/>
+    <p:sldId id="269" r:id="rId14"/>
+    <p:sldId id="270" r:id="rId15"/>
+    <p:sldId id="271" r:id="rId16"/>
+    <p:sldId id="274" r:id="rId17"/>
+    <p:sldId id="272" r:id="rId18"/>
+    <p:sldId id="273" r:id="rId19"/>
+    <p:sldId id="275" r:id="rId20"/>
+    <p:sldId id="276" r:id="rId21"/>
+    <p:sldId id="277" r:id="rId22"/>
+    <p:sldId id="279" r:id="rId23"/>
+    <p:sldId id="280" r:id="rId24"/>
+    <p:sldId id="281" r:id="rId25"/>
+    <p:sldId id="282" r:id="rId26"/>
+    <p:sldId id="283" r:id="rId27"/>
+    <p:sldId id="284" r:id="rId28"/>
+    <p:sldId id="285" r:id="rId29"/>
   </p:sldIdLst>
   <p:sldSz cx="12192000" cy="6858000"/>
   <p:notesSz cx="6858000" cy="9144000"/>
@@ -19539,6 +19540,776 @@
           </a:p>
         </p:txBody>
       </p:sp>
+      <p:sp>
+        <p:nvSpPr>
+          <p:cNvPr id="9" name="矩形 8"/>
+          <p:cNvSpPr/>
+          <p:nvPr/>
+        </p:nvSpPr>
+        <p:spPr>
+          <a:xfrm flipV="1">
+            <a:off x="7060855" y="1759156"/>
+            <a:ext cx="765739" cy="45719"/>
+          </a:xfrm>
+          <a:prstGeom prst="rect">
+            <a:avLst/>
+          </a:prstGeom>
+          <a:solidFill>
+            <a:schemeClr val="accent2">
+              <a:lumMod val="75000"/>
+            </a:schemeClr>
+          </a:solidFill>
+          <a:ln>
+            <a:noFill/>
+          </a:ln>
+        </p:spPr>
+        <p:style>
+          <a:lnRef idx="2">
+            <a:schemeClr val="accent1">
+              <a:shade val="50000"/>
+            </a:schemeClr>
+          </a:lnRef>
+          <a:fillRef idx="1">
+            <a:schemeClr val="accent1"/>
+          </a:fillRef>
+          <a:effectRef idx="0">
+            <a:schemeClr val="accent1"/>
+          </a:effectRef>
+          <a:fontRef idx="minor">
+            <a:schemeClr val="lt1"/>
+          </a:fontRef>
+        </p:style>
+        <p:txBody>
+          <a:bodyPr rtlCol="0" anchor="ctr"/>
+          <a:lstStyle/>
+          <a:p>
+            <a:pPr algn="ctr"/>
+            <a:endParaRPr kumimoji="1" lang="zh-CN" altLang="en-US"/>
+          </a:p>
+        </p:txBody>
+      </p:sp>
+      <p:sp>
+        <p:nvSpPr>
+          <p:cNvPr id="10" name="文本框 8"/>
+          <p:cNvSpPr txBox="1"/>
+          <p:nvPr/>
+        </p:nvSpPr>
+        <p:spPr>
+          <a:xfrm>
+            <a:off x="7816697" y="2251599"/>
+            <a:ext cx="2517668" cy="1292662"/>
+          </a:xfrm>
+          <a:prstGeom prst="rect">
+            <a:avLst/>
+          </a:prstGeom>
+          <a:noFill/>
+        </p:spPr>
+        <p:txBody>
+          <a:bodyPr wrap="square" rtlCol="0">
+            <a:spAutoFit/>
+          </a:bodyPr>
+          <a:lstStyle>
+            <a:defPPr>
+              <a:defRPr lang="zh-CN"/>
+            </a:defPPr>
+            <a:lvl1pPr marL="0" algn="l" defTabSz="914400" rtl="0" eaLnBrk="1" latinLnBrk="0" hangingPunct="1">
+              <a:defRPr sz="1800" kern="1200">
+                <a:solidFill>
+                  <a:schemeClr val="tx1"/>
+                </a:solidFill>
+                <a:latin typeface="+mn-lt"/>
+                <a:ea typeface="+mn-ea"/>
+                <a:cs typeface="+mn-cs"/>
+              </a:defRPr>
+            </a:lvl1pPr>
+            <a:lvl2pPr marL="457200" algn="l" defTabSz="914400" rtl="0" eaLnBrk="1" latinLnBrk="0" hangingPunct="1">
+              <a:defRPr sz="1800" kern="1200">
+                <a:solidFill>
+                  <a:schemeClr val="tx1"/>
+                </a:solidFill>
+                <a:latin typeface="+mn-lt"/>
+                <a:ea typeface="+mn-ea"/>
+                <a:cs typeface="+mn-cs"/>
+              </a:defRPr>
+            </a:lvl2pPr>
+            <a:lvl3pPr marL="914400" algn="l" defTabSz="914400" rtl="0" eaLnBrk="1" latinLnBrk="0" hangingPunct="1">
+              <a:defRPr sz="1800" kern="1200">
+                <a:solidFill>
+                  <a:schemeClr val="tx1"/>
+                </a:solidFill>
+                <a:latin typeface="+mn-lt"/>
+                <a:ea typeface="+mn-ea"/>
+                <a:cs typeface="+mn-cs"/>
+              </a:defRPr>
+            </a:lvl3pPr>
+            <a:lvl4pPr marL="1371600" algn="l" defTabSz="914400" rtl="0" eaLnBrk="1" latinLnBrk="0" hangingPunct="1">
+              <a:defRPr sz="1800" kern="1200">
+                <a:solidFill>
+                  <a:schemeClr val="tx1"/>
+                </a:solidFill>
+                <a:latin typeface="+mn-lt"/>
+                <a:ea typeface="+mn-ea"/>
+                <a:cs typeface="+mn-cs"/>
+              </a:defRPr>
+            </a:lvl4pPr>
+            <a:lvl5pPr marL="1828800" algn="l" defTabSz="914400" rtl="0" eaLnBrk="1" latinLnBrk="0" hangingPunct="1">
+              <a:defRPr sz="1800" kern="1200">
+                <a:solidFill>
+                  <a:schemeClr val="tx1"/>
+                </a:solidFill>
+                <a:latin typeface="+mn-lt"/>
+                <a:ea typeface="+mn-ea"/>
+                <a:cs typeface="+mn-cs"/>
+              </a:defRPr>
+            </a:lvl5pPr>
+            <a:lvl6pPr marL="2286000" algn="l" defTabSz="914400" rtl="0" eaLnBrk="1" latinLnBrk="0" hangingPunct="1">
+              <a:defRPr sz="1800" kern="1200">
+                <a:solidFill>
+                  <a:schemeClr val="tx1"/>
+                </a:solidFill>
+                <a:latin typeface="+mn-lt"/>
+                <a:ea typeface="+mn-ea"/>
+                <a:cs typeface="+mn-cs"/>
+              </a:defRPr>
+            </a:lvl6pPr>
+            <a:lvl7pPr marL="2743200" algn="l" defTabSz="914400" rtl="0" eaLnBrk="1" latinLnBrk="0" hangingPunct="1">
+              <a:defRPr sz="1800" kern="1200">
+                <a:solidFill>
+                  <a:schemeClr val="tx1"/>
+                </a:solidFill>
+                <a:latin typeface="+mn-lt"/>
+                <a:ea typeface="+mn-ea"/>
+                <a:cs typeface="+mn-cs"/>
+              </a:defRPr>
+            </a:lvl7pPr>
+            <a:lvl8pPr marL="3200400" algn="l" defTabSz="914400" rtl="0" eaLnBrk="1" latinLnBrk="0" hangingPunct="1">
+              <a:defRPr sz="1800" kern="1200">
+                <a:solidFill>
+                  <a:schemeClr val="tx1"/>
+                </a:solidFill>
+                <a:latin typeface="+mn-lt"/>
+                <a:ea typeface="+mn-ea"/>
+                <a:cs typeface="+mn-cs"/>
+              </a:defRPr>
+            </a:lvl8pPr>
+            <a:lvl9pPr marL="3657600" algn="l" defTabSz="914400" rtl="0" eaLnBrk="1" latinLnBrk="0" hangingPunct="1">
+              <a:defRPr sz="1800" kern="1200">
+                <a:solidFill>
+                  <a:schemeClr val="tx1"/>
+                </a:solidFill>
+                <a:latin typeface="+mn-lt"/>
+                <a:ea typeface="+mn-ea"/>
+                <a:cs typeface="+mn-cs"/>
+              </a:defRPr>
+            </a:lvl9pPr>
+          </a:lstStyle>
+          <a:p>
+            <a:pPr>
+              <a:lnSpc>
+                <a:spcPct val="130000"/>
+              </a:lnSpc>
+            </a:pPr>
+            <a:r>
+              <a:rPr lang="zh-CN" altLang="en-US" sz="1200" dirty="0">
+                <a:solidFill>
+                  <a:schemeClr val="tx1">
+                    <a:lumMod val="75000"/>
+                    <a:lumOff val="25000"/>
+                  </a:schemeClr>
+                </a:solidFill>
+                <a:latin typeface="+mn-ea"/>
+              </a:rPr>
+              <a:t>标题数字等都可以通过点击和重新输入进行更改，顶部“开始”面板中可以对字体、字号、颜色、行距等进行修改。建议正文</a:t>
+            </a:r>
+            <a:r>
+              <a:rPr lang="en-US" altLang="zh-CN" sz="1200" dirty="0">
+                <a:solidFill>
+                  <a:schemeClr val="tx1">
+                    <a:lumMod val="75000"/>
+                    <a:lumOff val="25000"/>
+                  </a:schemeClr>
+                </a:solidFill>
+                <a:latin typeface="+mn-ea"/>
+              </a:rPr>
+              <a:t>8-14</a:t>
+            </a:r>
+            <a:r>
+              <a:rPr lang="zh-CN" altLang="en-US" sz="1200" dirty="0">
+                <a:solidFill>
+                  <a:schemeClr val="tx1">
+                    <a:lumMod val="75000"/>
+                    <a:lumOff val="25000"/>
+                  </a:schemeClr>
+                </a:solidFill>
+                <a:latin typeface="+mn-ea"/>
+              </a:rPr>
+              <a:t>号字，</a:t>
+            </a:r>
+            <a:r>
+              <a:rPr lang="en-US" altLang="zh-CN" sz="1200" dirty="0">
+                <a:solidFill>
+                  <a:schemeClr val="tx1">
+                    <a:lumMod val="75000"/>
+                    <a:lumOff val="25000"/>
+                  </a:schemeClr>
+                </a:solidFill>
+                <a:latin typeface="+mn-ea"/>
+              </a:rPr>
+              <a:t>1.3</a:t>
+            </a:r>
+            <a:r>
+              <a:rPr lang="zh-CN" altLang="en-US" sz="1200" dirty="0">
+                <a:solidFill>
+                  <a:schemeClr val="tx1">
+                    <a:lumMod val="75000"/>
+                    <a:lumOff val="25000"/>
+                  </a:schemeClr>
+                </a:solidFill>
+                <a:latin typeface="+mn-ea"/>
+              </a:rPr>
+              <a:t>倍字间距。</a:t>
+            </a:r>
+          </a:p>
+        </p:txBody>
+      </p:sp>
+      <p:sp>
+        <p:nvSpPr>
+          <p:cNvPr id="11" name="矩形 10"/>
+          <p:cNvSpPr/>
+          <p:nvPr/>
+        </p:nvSpPr>
+        <p:spPr>
+          <a:xfrm>
+            <a:off x="7872924" y="1804317"/>
+            <a:ext cx="2236510" cy="492443"/>
+          </a:xfrm>
+          <a:prstGeom prst="rect">
+            <a:avLst/>
+          </a:prstGeom>
+        </p:spPr>
+        <p:txBody>
+          <a:bodyPr wrap="none">
+            <a:spAutoFit/>
+          </a:bodyPr>
+          <a:lstStyle/>
+          <a:p>
+            <a:pPr lvl="0">
+              <a:lnSpc>
+                <a:spcPct val="130000"/>
+              </a:lnSpc>
+            </a:pPr>
+            <a:r>
+              <a:rPr lang="zh-CN" altLang="en-US" sz="2000" b="1" dirty="0">
+                <a:solidFill>
+                  <a:schemeClr val="accent2">
+                    <a:lumMod val="75000"/>
+                  </a:schemeClr>
+                </a:solidFill>
+              </a:rPr>
+              <a:t>点击此处添加标题</a:t>
+            </a:r>
+            <a:endParaRPr lang="en-US" altLang="zh-CN" sz="2000" b="1" dirty="0">
+              <a:solidFill>
+                <a:schemeClr val="accent2">
+                  <a:lumMod val="75000"/>
+                </a:schemeClr>
+              </a:solidFill>
+            </a:endParaRPr>
+          </a:p>
+        </p:txBody>
+      </p:sp>
+      <p:sp>
+        <p:nvSpPr>
+          <p:cNvPr id="12" name="矩形 11"/>
+          <p:cNvSpPr/>
+          <p:nvPr/>
+        </p:nvSpPr>
+        <p:spPr>
+          <a:xfrm>
+            <a:off x="7000448" y="1759156"/>
+            <a:ext cx="816249" cy="892552"/>
+          </a:xfrm>
+          <a:prstGeom prst="rect">
+            <a:avLst/>
+          </a:prstGeom>
+        </p:spPr>
+        <p:txBody>
+          <a:bodyPr wrap="none">
+            <a:spAutoFit/>
+          </a:bodyPr>
+          <a:lstStyle/>
+          <a:p>
+            <a:pPr lvl="0">
+              <a:lnSpc>
+                <a:spcPct val="130000"/>
+              </a:lnSpc>
+            </a:pPr>
+            <a:r>
+              <a:rPr lang="en-US" altLang="zh-CN" sz="4000" b="1">
+                <a:solidFill>
+                  <a:schemeClr val="accent2">
+                    <a:lumMod val="75000"/>
+                  </a:schemeClr>
+                </a:solidFill>
+              </a:rPr>
+              <a:t>01</a:t>
+            </a:r>
+            <a:endParaRPr lang="en-US" altLang="zh-CN" sz="4000" b="1" dirty="0">
+              <a:solidFill>
+                <a:schemeClr val="accent2">
+                  <a:lumMod val="75000"/>
+                </a:schemeClr>
+              </a:solidFill>
+            </a:endParaRPr>
+          </a:p>
+        </p:txBody>
+      </p:sp>
+      <p:sp>
+        <p:nvSpPr>
+          <p:cNvPr id="13" name="矩形 12"/>
+          <p:cNvSpPr/>
+          <p:nvPr/>
+        </p:nvSpPr>
+        <p:spPr>
+          <a:xfrm flipV="1">
+            <a:off x="7117082" y="3990985"/>
+            <a:ext cx="765739" cy="45719"/>
+          </a:xfrm>
+          <a:prstGeom prst="rect">
+            <a:avLst/>
+          </a:prstGeom>
+          <a:solidFill>
+            <a:schemeClr val="accent2"/>
+          </a:solidFill>
+          <a:ln>
+            <a:noFill/>
+          </a:ln>
+        </p:spPr>
+        <p:style>
+          <a:lnRef idx="2">
+            <a:schemeClr val="accent1">
+              <a:shade val="50000"/>
+            </a:schemeClr>
+          </a:lnRef>
+          <a:fillRef idx="1">
+            <a:schemeClr val="accent1"/>
+          </a:fillRef>
+          <a:effectRef idx="0">
+            <a:schemeClr val="accent1"/>
+          </a:effectRef>
+          <a:fontRef idx="minor">
+            <a:schemeClr val="lt1"/>
+          </a:fontRef>
+        </p:style>
+        <p:txBody>
+          <a:bodyPr rtlCol="0" anchor="ctr"/>
+          <a:lstStyle/>
+          <a:p>
+            <a:pPr algn="ctr"/>
+            <a:endParaRPr kumimoji="1" lang="zh-CN" altLang="en-US"/>
+          </a:p>
+        </p:txBody>
+      </p:sp>
+      <p:sp>
+        <p:nvSpPr>
+          <p:cNvPr id="14" name="文本框 8"/>
+          <p:cNvSpPr txBox="1"/>
+          <p:nvPr/>
+        </p:nvSpPr>
+        <p:spPr>
+          <a:xfrm>
+            <a:off x="7872924" y="4483428"/>
+            <a:ext cx="2517668" cy="1292662"/>
+          </a:xfrm>
+          <a:prstGeom prst="rect">
+            <a:avLst/>
+          </a:prstGeom>
+          <a:noFill/>
+        </p:spPr>
+        <p:txBody>
+          <a:bodyPr wrap="square" rtlCol="0">
+            <a:spAutoFit/>
+          </a:bodyPr>
+          <a:lstStyle>
+            <a:defPPr>
+              <a:defRPr lang="zh-CN"/>
+            </a:defPPr>
+            <a:lvl1pPr marL="0" algn="l" defTabSz="914400" rtl="0" eaLnBrk="1" latinLnBrk="0" hangingPunct="1">
+              <a:defRPr sz="1800" kern="1200">
+                <a:solidFill>
+                  <a:schemeClr val="tx1"/>
+                </a:solidFill>
+                <a:latin typeface="+mn-lt"/>
+                <a:ea typeface="+mn-ea"/>
+                <a:cs typeface="+mn-cs"/>
+              </a:defRPr>
+            </a:lvl1pPr>
+            <a:lvl2pPr marL="457200" algn="l" defTabSz="914400" rtl="0" eaLnBrk="1" latinLnBrk="0" hangingPunct="1">
+              <a:defRPr sz="1800" kern="1200">
+                <a:solidFill>
+                  <a:schemeClr val="tx1"/>
+                </a:solidFill>
+                <a:latin typeface="+mn-lt"/>
+                <a:ea typeface="+mn-ea"/>
+                <a:cs typeface="+mn-cs"/>
+              </a:defRPr>
+            </a:lvl2pPr>
+            <a:lvl3pPr marL="914400" algn="l" defTabSz="914400" rtl="0" eaLnBrk="1" latinLnBrk="0" hangingPunct="1">
+              <a:defRPr sz="1800" kern="1200">
+                <a:solidFill>
+                  <a:schemeClr val="tx1"/>
+                </a:solidFill>
+                <a:latin typeface="+mn-lt"/>
+                <a:ea typeface="+mn-ea"/>
+                <a:cs typeface="+mn-cs"/>
+              </a:defRPr>
+            </a:lvl3pPr>
+            <a:lvl4pPr marL="1371600" algn="l" defTabSz="914400" rtl="0" eaLnBrk="1" latinLnBrk="0" hangingPunct="1">
+              <a:defRPr sz="1800" kern="1200">
+                <a:solidFill>
+                  <a:schemeClr val="tx1"/>
+                </a:solidFill>
+                <a:latin typeface="+mn-lt"/>
+                <a:ea typeface="+mn-ea"/>
+                <a:cs typeface="+mn-cs"/>
+              </a:defRPr>
+            </a:lvl4pPr>
+            <a:lvl5pPr marL="1828800" algn="l" defTabSz="914400" rtl="0" eaLnBrk="1" latinLnBrk="0" hangingPunct="1">
+              <a:defRPr sz="1800" kern="1200">
+                <a:solidFill>
+                  <a:schemeClr val="tx1"/>
+                </a:solidFill>
+                <a:latin typeface="+mn-lt"/>
+                <a:ea typeface="+mn-ea"/>
+                <a:cs typeface="+mn-cs"/>
+              </a:defRPr>
+            </a:lvl5pPr>
+            <a:lvl6pPr marL="2286000" algn="l" defTabSz="914400" rtl="0" eaLnBrk="1" latinLnBrk="0" hangingPunct="1">
+              <a:defRPr sz="1800" kern="1200">
+                <a:solidFill>
+                  <a:schemeClr val="tx1"/>
+                </a:solidFill>
+                <a:latin typeface="+mn-lt"/>
+                <a:ea typeface="+mn-ea"/>
+                <a:cs typeface="+mn-cs"/>
+              </a:defRPr>
+            </a:lvl6pPr>
+            <a:lvl7pPr marL="2743200" algn="l" defTabSz="914400" rtl="0" eaLnBrk="1" latinLnBrk="0" hangingPunct="1">
+              <a:defRPr sz="1800" kern="1200">
+                <a:solidFill>
+                  <a:schemeClr val="tx1"/>
+                </a:solidFill>
+                <a:latin typeface="+mn-lt"/>
+                <a:ea typeface="+mn-ea"/>
+                <a:cs typeface="+mn-cs"/>
+              </a:defRPr>
+            </a:lvl7pPr>
+            <a:lvl8pPr marL="3200400" algn="l" defTabSz="914400" rtl="0" eaLnBrk="1" latinLnBrk="0" hangingPunct="1">
+              <a:defRPr sz="1800" kern="1200">
+                <a:solidFill>
+                  <a:schemeClr val="tx1"/>
+                </a:solidFill>
+                <a:latin typeface="+mn-lt"/>
+                <a:ea typeface="+mn-ea"/>
+                <a:cs typeface="+mn-cs"/>
+              </a:defRPr>
+            </a:lvl8pPr>
+            <a:lvl9pPr marL="3657600" algn="l" defTabSz="914400" rtl="0" eaLnBrk="1" latinLnBrk="0" hangingPunct="1">
+              <a:defRPr sz="1800" kern="1200">
+                <a:solidFill>
+                  <a:schemeClr val="tx1"/>
+                </a:solidFill>
+                <a:latin typeface="+mn-lt"/>
+                <a:ea typeface="+mn-ea"/>
+                <a:cs typeface="+mn-cs"/>
+              </a:defRPr>
+            </a:lvl9pPr>
+          </a:lstStyle>
+          <a:p>
+            <a:pPr>
+              <a:lnSpc>
+                <a:spcPct val="130000"/>
+              </a:lnSpc>
+            </a:pPr>
+            <a:r>
+              <a:rPr lang="zh-CN" altLang="en-US" sz="1200" dirty="0">
+                <a:solidFill>
+                  <a:schemeClr val="tx1">
+                    <a:lumMod val="75000"/>
+                    <a:lumOff val="25000"/>
+                  </a:schemeClr>
+                </a:solidFill>
+                <a:latin typeface="+mn-ea"/>
+              </a:rPr>
+              <a:t>标题数字等都可以通过点击和重新输入进行更改，顶部“开始”面板中可以对字体、字号、颜色、行距等进行修改。建议正文</a:t>
+            </a:r>
+            <a:r>
+              <a:rPr lang="en-US" altLang="zh-CN" sz="1200" dirty="0">
+                <a:solidFill>
+                  <a:schemeClr val="tx1">
+                    <a:lumMod val="75000"/>
+                    <a:lumOff val="25000"/>
+                  </a:schemeClr>
+                </a:solidFill>
+                <a:latin typeface="+mn-ea"/>
+              </a:rPr>
+              <a:t>8-14</a:t>
+            </a:r>
+            <a:r>
+              <a:rPr lang="zh-CN" altLang="en-US" sz="1200" dirty="0">
+                <a:solidFill>
+                  <a:schemeClr val="tx1">
+                    <a:lumMod val="75000"/>
+                    <a:lumOff val="25000"/>
+                  </a:schemeClr>
+                </a:solidFill>
+                <a:latin typeface="+mn-ea"/>
+              </a:rPr>
+              <a:t>号字，</a:t>
+            </a:r>
+            <a:r>
+              <a:rPr lang="en-US" altLang="zh-CN" sz="1200" dirty="0">
+                <a:solidFill>
+                  <a:schemeClr val="tx1">
+                    <a:lumMod val="75000"/>
+                    <a:lumOff val="25000"/>
+                  </a:schemeClr>
+                </a:solidFill>
+                <a:latin typeface="+mn-ea"/>
+              </a:rPr>
+              <a:t>1.3</a:t>
+            </a:r>
+            <a:r>
+              <a:rPr lang="zh-CN" altLang="en-US" sz="1200" dirty="0">
+                <a:solidFill>
+                  <a:schemeClr val="tx1">
+                    <a:lumMod val="75000"/>
+                    <a:lumOff val="25000"/>
+                  </a:schemeClr>
+                </a:solidFill>
+                <a:latin typeface="+mn-ea"/>
+              </a:rPr>
+              <a:t>倍字间距。</a:t>
+            </a:r>
+          </a:p>
+        </p:txBody>
+      </p:sp>
+      <p:sp>
+        <p:nvSpPr>
+          <p:cNvPr id="15" name="矩形 14"/>
+          <p:cNvSpPr/>
+          <p:nvPr/>
+        </p:nvSpPr>
+        <p:spPr>
+          <a:xfrm>
+            <a:off x="7929151" y="4036146"/>
+            <a:ext cx="2236510" cy="492443"/>
+          </a:xfrm>
+          <a:prstGeom prst="rect">
+            <a:avLst/>
+          </a:prstGeom>
+        </p:spPr>
+        <p:txBody>
+          <a:bodyPr wrap="none">
+            <a:spAutoFit/>
+          </a:bodyPr>
+          <a:lstStyle/>
+          <a:p>
+            <a:pPr lvl="0">
+              <a:lnSpc>
+                <a:spcPct val="130000"/>
+              </a:lnSpc>
+            </a:pPr>
+            <a:r>
+              <a:rPr lang="zh-CN" altLang="en-US" sz="2000" b="1" dirty="0">
+                <a:solidFill>
+                  <a:schemeClr val="accent2"/>
+                </a:solidFill>
+              </a:rPr>
+              <a:t>点击此处添加标题</a:t>
+            </a:r>
+            <a:endParaRPr lang="en-US" altLang="zh-CN" sz="2000" b="1" dirty="0">
+              <a:solidFill>
+                <a:schemeClr val="accent2"/>
+              </a:solidFill>
+            </a:endParaRPr>
+          </a:p>
+        </p:txBody>
+      </p:sp>
+      <p:sp>
+        <p:nvSpPr>
+          <p:cNvPr id="16" name="矩形 15"/>
+          <p:cNvSpPr/>
+          <p:nvPr/>
+        </p:nvSpPr>
+        <p:spPr>
+          <a:xfrm>
+            <a:off x="7056675" y="3990985"/>
+            <a:ext cx="816249" cy="892552"/>
+          </a:xfrm>
+          <a:prstGeom prst="rect">
+            <a:avLst/>
+          </a:prstGeom>
+        </p:spPr>
+        <p:txBody>
+          <a:bodyPr wrap="none">
+            <a:spAutoFit/>
+          </a:bodyPr>
+          <a:lstStyle/>
+          <a:p>
+            <a:pPr lvl="0">
+              <a:lnSpc>
+                <a:spcPct val="130000"/>
+              </a:lnSpc>
+            </a:pPr>
+            <a:r>
+              <a:rPr lang="en-US" altLang="zh-CN" sz="4000" b="1" dirty="0">
+                <a:solidFill>
+                  <a:schemeClr val="accent2"/>
+                </a:solidFill>
+              </a:rPr>
+              <a:t>02</a:t>
+            </a:r>
+          </a:p>
+        </p:txBody>
+      </p:sp>
+      <p:pic>
+        <p:nvPicPr>
+          <p:cNvPr id="17" name="图片 16"/>
+          <p:cNvPicPr>
+            <a:picLocks noChangeAspect="1"/>
+          </p:cNvPicPr>
+          <p:nvPr/>
+        </p:nvPicPr>
+        <p:blipFill>
+          <a:blip r:embed="rId2"/>
+          <a:stretch>
+            <a:fillRect/>
+          </a:stretch>
+        </p:blipFill>
+        <p:spPr>
+          <a:xfrm>
+            <a:off x="947792" y="1759156"/>
+            <a:ext cx="5232670" cy="2941940"/>
+          </a:xfrm>
+          <a:prstGeom prst="roundRect">
+            <a:avLst>
+              <a:gd name="adj" fmla="val 2368"/>
+            </a:avLst>
+          </a:prstGeom>
+          <a:solidFill>
+            <a:srgbClr val="FFFFFF">
+              <a:shade val="85000"/>
+            </a:srgbClr>
+          </a:solidFill>
+          <a:ln>
+            <a:noFill/>
+          </a:ln>
+          <a:effectLst>
+            <a:reflection blurRad="12700" stA="38000" endPos="28000" dist="5000" dir="5400000" sy="-100000" algn="bl" rotWithShape="0"/>
+          </a:effectLst>
+        </p:spPr>
+      </p:pic>
+      <p:pic>
+        <p:nvPicPr>
+          <p:cNvPr id="18" name="图片 17">
+            <a:hlinkClick r:id="rId3"/>
+          </p:cNvPr>
+          <p:cNvPicPr>
+            <a:picLocks noChangeAspect="1"/>
+          </p:cNvPicPr>
+          <p:nvPr/>
+        </p:nvPicPr>
+        <p:blipFill>
+          <a:blip r:embed="rId4">
+            <a:extLst>
+              <a:ext uri="{28A0092B-C50C-407E-A947-70E740481C1C}">
+                <a14:useLocalDpi xmlns:a14="http://schemas.microsoft.com/office/drawing/2010/main" val="0"/>
+              </a:ext>
+            </a:extLst>
+          </a:blip>
+          <a:stretch>
+            <a:fillRect/>
+          </a:stretch>
+        </p:blipFill>
+        <p:spPr>
+          <a:xfrm>
+            <a:off x="9920574" y="450314"/>
+            <a:ext cx="1828800" cy="243840"/>
+          </a:xfrm>
+          <a:prstGeom prst="rect">
+            <a:avLst/>
+          </a:prstGeom>
+        </p:spPr>
+      </p:pic>
+    </p:spTree>
+    <p:extLst>
+      <p:ext uri="{BB962C8B-B14F-4D97-AF65-F5344CB8AC3E}">
+        <p14:creationId xmlns:p14="http://schemas.microsoft.com/office/powerpoint/2010/main" val="1206266994"/>
+      </p:ext>
+    </p:extLst>
+  </p:cSld>
+  <p:clrMapOvr>
+    <a:masterClrMapping/>
+  </p:clrMapOvr>
+  <mc:AlternateContent xmlns:mc="http://schemas.openxmlformats.org/markup-compatibility/2006" xmlns:p14="http://schemas.microsoft.com/office/powerpoint/2010/main">
+    <mc:Choice Requires="p14">
+      <p:transition spd="med" p14:dur="700">
+        <p:fade/>
+      </p:transition>
+    </mc:Choice>
+    <mc:Fallback xmlns="">
+      <p:transition spd="med">
+        <p:fade/>
+      </p:transition>
+    </mc:Fallback>
+  </mc:AlternateContent>
+</p:sld>
+</file>
+
+<file path=ppt/slides/slide11.xml><?xml version="1.0" encoding="utf-8"?>
+<p:sld xmlns:a="http://schemas.openxmlformats.org/drawingml/2006/main" xmlns:r="http://schemas.openxmlformats.org/officeDocument/2006/relationships" xmlns:p="http://schemas.openxmlformats.org/presentationml/2006/main">
+  <p:cSld>
+    <p:spTree>
+      <p:nvGrpSpPr>
+        <p:cNvPr id="1" name=""/>
+        <p:cNvGrpSpPr/>
+        <p:nvPr/>
+      </p:nvGrpSpPr>
+      <p:grpSpPr>
+        <a:xfrm>
+          <a:off x="0" y="0"/>
+          <a:ext cx="0" cy="0"/>
+          <a:chOff x="0" y="0"/>
+          <a:chExt cx="0" cy="0"/>
+        </a:xfrm>
+      </p:grpSpPr>
+      <p:sp>
+        <p:nvSpPr>
+          <p:cNvPr id="2" name="文本占位符 1"/>
+          <p:cNvSpPr>
+            <a:spLocks noGrp="1"/>
+          </p:cNvSpPr>
+          <p:nvPr>
+            <p:ph type="body" sz="quarter" idx="10"/>
+          </p:nvPr>
+        </p:nvSpPr>
+        <p:spPr/>
+        <p:txBody>
+          <a:bodyPr/>
+          <a:lstStyle/>
+          <a:p>
+            <a:r>
+              <a:rPr kumimoji="1" lang="en-US" altLang="zh-CN" dirty="0"/>
+              <a:t>02</a:t>
+            </a:r>
+            <a:r>
+              <a:rPr kumimoji="1" lang="zh-CN" altLang="en-US" dirty="0"/>
+              <a:t> 作品概述</a:t>
+            </a:r>
+          </a:p>
+        </p:txBody>
+      </p:sp>
       <p:pic>
         <p:nvPicPr>
           <p:cNvPr id="3" name="图片 2"/>
@@ -19930,7 +20701,7 @@
 </p:sld>
 </file>
 
-<file path=ppt/slides/slide11.xml><?xml version="1.0" encoding="utf-8"?>
+<file path=ppt/slides/slide12.xml><?xml version="1.0" encoding="utf-8"?>
 <p:sld xmlns:a="http://schemas.openxmlformats.org/drawingml/2006/main" xmlns:r="http://schemas.openxmlformats.org/officeDocument/2006/relationships" xmlns:p="http://schemas.openxmlformats.org/presentationml/2006/main">
   <p:cSld>
     <p:spTree>
@@ -20049,7 +20820,7 @@
 </p:sld>
 </file>
 
-<file path=ppt/slides/slide12.xml><?xml version="1.0" encoding="utf-8"?>
+<file path=ppt/slides/slide13.xml><?xml version="1.0" encoding="utf-8"?>
 <p:sld xmlns:a="http://schemas.openxmlformats.org/drawingml/2006/main" xmlns:r="http://schemas.openxmlformats.org/officeDocument/2006/relationships" xmlns:p="http://schemas.openxmlformats.org/presentationml/2006/main">
   <p:cSld>
     <p:spTree>
@@ -21747,7 +22518,7 @@
 </p:sld>
 </file>
 
-<file path=ppt/slides/slide13.xml><?xml version="1.0" encoding="utf-8"?>
+<file path=ppt/slides/slide14.xml><?xml version="1.0" encoding="utf-8"?>
 <p:sld xmlns:a="http://schemas.openxmlformats.org/drawingml/2006/main" xmlns:r="http://schemas.openxmlformats.org/officeDocument/2006/relationships" xmlns:p="http://schemas.openxmlformats.org/presentationml/2006/main">
   <p:cSld>
     <p:spTree>
@@ -28639,7 +29410,7 @@
 </p:sld>
 </file>
 
-<file path=ppt/slides/slide14.xml><?xml version="1.0" encoding="utf-8"?>
+<file path=ppt/slides/slide15.xml><?xml version="1.0" encoding="utf-8"?>
 <p:sld xmlns:a="http://schemas.openxmlformats.org/drawingml/2006/main" xmlns:r="http://schemas.openxmlformats.org/officeDocument/2006/relationships" xmlns:p="http://schemas.openxmlformats.org/presentationml/2006/main">
   <p:cSld>
     <p:spTree>
@@ -35103,7 +35874,7 @@
 </p:sld>
 </file>
 
-<file path=ppt/slides/slide15.xml><?xml version="1.0" encoding="utf-8"?>
+<file path=ppt/slides/slide16.xml><?xml version="1.0" encoding="utf-8"?>
 <p:sld xmlns:a="http://schemas.openxmlformats.org/drawingml/2006/main" xmlns:r="http://schemas.openxmlformats.org/officeDocument/2006/relationships" xmlns:p="http://schemas.openxmlformats.org/presentationml/2006/main">
   <p:cSld>
     <p:spTree>
@@ -35222,7 +35993,7 @@
 </p:sld>
 </file>
 
-<file path=ppt/slides/slide16.xml><?xml version="1.0" encoding="utf-8"?>
+<file path=ppt/slides/slide17.xml><?xml version="1.0" encoding="utf-8"?>
 <p:sld xmlns:a="http://schemas.openxmlformats.org/drawingml/2006/main" xmlns:r="http://schemas.openxmlformats.org/officeDocument/2006/relationships" xmlns:p="http://schemas.openxmlformats.org/presentationml/2006/main">
   <p:cSld>
     <p:spTree>
@@ -36292,7 +37063,7 @@
 </p:sld>
 </file>
 
-<file path=ppt/slides/slide17.xml><?xml version="1.0" encoding="utf-8"?>
+<file path=ppt/slides/slide18.xml><?xml version="1.0" encoding="utf-8"?>
 <p:sld xmlns:a="http://schemas.openxmlformats.org/drawingml/2006/main" xmlns:r="http://schemas.openxmlformats.org/officeDocument/2006/relationships" xmlns:p="http://schemas.openxmlformats.org/presentationml/2006/main">
   <p:cSld>
     <p:spTree>
@@ -36641,7 +37412,7 @@
 </p:sld>
 </file>
 
-<file path=ppt/slides/slide18.xml><?xml version="1.0" encoding="utf-8"?>
+<file path=ppt/slides/slide19.xml><?xml version="1.0" encoding="utf-8"?>
 <p:sld xmlns:a="http://schemas.openxmlformats.org/drawingml/2006/main" xmlns:r="http://schemas.openxmlformats.org/officeDocument/2006/relationships" xmlns:p="http://schemas.openxmlformats.org/presentationml/2006/main">
   <p:cSld>
     <p:spTree>
@@ -37085,125 +37856,6 @@
     <mc:Fallback xmlns="">
       <p:transition spd="med">
         <p:fade/>
-      </p:transition>
-    </mc:Fallback>
-  </mc:AlternateContent>
-</p:sld>
-</file>
-
-<file path=ppt/slides/slide19.xml><?xml version="1.0" encoding="utf-8"?>
-<p:sld xmlns:a="http://schemas.openxmlformats.org/drawingml/2006/main" xmlns:r="http://schemas.openxmlformats.org/officeDocument/2006/relationships" xmlns:p="http://schemas.openxmlformats.org/presentationml/2006/main">
-  <p:cSld>
-    <p:spTree>
-      <p:nvGrpSpPr>
-        <p:cNvPr id="1" name=""/>
-        <p:cNvGrpSpPr/>
-        <p:nvPr/>
-      </p:nvGrpSpPr>
-      <p:grpSpPr>
-        <a:xfrm>
-          <a:off x="0" y="0"/>
-          <a:ext cx="0" cy="0"/>
-          <a:chOff x="0" y="0"/>
-          <a:chExt cx="0" cy="0"/>
-        </a:xfrm>
-      </p:grpSpPr>
-      <p:sp>
-        <p:nvSpPr>
-          <p:cNvPr id="2" name="文本占位符 1"/>
-          <p:cNvSpPr>
-            <a:spLocks noGrp="1"/>
-          </p:cNvSpPr>
-          <p:nvPr>
-            <p:ph type="body" sz="quarter" idx="15"/>
-          </p:nvPr>
-        </p:nvSpPr>
-        <p:spPr/>
-        <p:txBody>
-          <a:bodyPr/>
-          <a:lstStyle/>
-          <a:p>
-            <a:r>
-              <a:rPr kumimoji="1" lang="en-US" altLang="zh-CN" dirty="0"/>
-              <a:t>05</a:t>
-            </a:r>
-            <a:endParaRPr kumimoji="1" lang="zh-CN" altLang="en-US" dirty="0"/>
-          </a:p>
-        </p:txBody>
-      </p:sp>
-      <p:sp>
-        <p:nvSpPr>
-          <p:cNvPr id="3" name="文本占位符 2"/>
-          <p:cNvSpPr>
-            <a:spLocks noGrp="1"/>
-          </p:cNvSpPr>
-          <p:nvPr>
-            <p:ph type="body" sz="quarter" idx="16"/>
-          </p:nvPr>
-        </p:nvSpPr>
-        <p:spPr/>
-        <p:txBody>
-          <a:bodyPr/>
-          <a:lstStyle/>
-          <a:p>
-            <a:r>
-              <a:rPr kumimoji="1" lang="zh-CN" altLang="en-US" dirty="0"/>
-              <a:t>总结回顾</a:t>
-            </a:r>
-          </a:p>
-        </p:txBody>
-      </p:sp>
-      <p:pic>
-        <p:nvPicPr>
-          <p:cNvPr id="4" name="图片 3">
-            <a:hlinkClick r:id="rId2"/>
-          </p:cNvPr>
-          <p:cNvPicPr>
-            <a:picLocks noChangeAspect="1"/>
-          </p:cNvPicPr>
-          <p:nvPr/>
-        </p:nvPicPr>
-        <p:blipFill>
-          <a:blip r:embed="rId3">
-            <a:extLst>
-              <a:ext uri="{28A0092B-C50C-407E-A947-70E740481C1C}">
-                <a14:useLocalDpi xmlns:a14="http://schemas.microsoft.com/office/drawing/2010/main" val="0"/>
-              </a:ext>
-            </a:extLst>
-          </a:blip>
-          <a:stretch>
-            <a:fillRect/>
-          </a:stretch>
-        </p:blipFill>
-        <p:spPr>
-          <a:xfrm>
-            <a:off x="5181600" y="6250656"/>
-            <a:ext cx="1828800" cy="243840"/>
-          </a:xfrm>
-          <a:prstGeom prst="rect">
-            <a:avLst/>
-          </a:prstGeom>
-        </p:spPr>
-      </p:pic>
-    </p:spTree>
-    <p:extLst>
-      <p:ext uri="{BB962C8B-B14F-4D97-AF65-F5344CB8AC3E}">
-        <p14:creationId xmlns:p14="http://schemas.microsoft.com/office/powerpoint/2010/main" val="1543755629"/>
-      </p:ext>
-    </p:extLst>
-  </p:cSld>
-  <p:clrMapOvr>
-    <a:masterClrMapping/>
-  </p:clrMapOvr>
-  <mc:AlternateContent xmlns:mc="http://schemas.openxmlformats.org/markup-compatibility/2006" xmlns:p14="http://schemas.microsoft.com/office/powerpoint/2010/main">
-    <mc:Choice Requires="p14">
-      <p:transition spd="slow" p14:dur="800">
-        <p:circle/>
-      </p:transition>
-    </mc:Choice>
-    <mc:Fallback xmlns="">
-      <p:transition spd="slow">
-        <p:circle/>
       </p:transition>
     </mc:Fallback>
   </mc:AlternateContent>
@@ -37626,6 +38278,125 @@
 </file>
 
 <file path=ppt/slides/slide20.xml><?xml version="1.0" encoding="utf-8"?>
+<p:sld xmlns:a="http://schemas.openxmlformats.org/drawingml/2006/main" xmlns:r="http://schemas.openxmlformats.org/officeDocument/2006/relationships" xmlns:p="http://schemas.openxmlformats.org/presentationml/2006/main">
+  <p:cSld>
+    <p:spTree>
+      <p:nvGrpSpPr>
+        <p:cNvPr id="1" name=""/>
+        <p:cNvGrpSpPr/>
+        <p:nvPr/>
+      </p:nvGrpSpPr>
+      <p:grpSpPr>
+        <a:xfrm>
+          <a:off x="0" y="0"/>
+          <a:ext cx="0" cy="0"/>
+          <a:chOff x="0" y="0"/>
+          <a:chExt cx="0" cy="0"/>
+        </a:xfrm>
+      </p:grpSpPr>
+      <p:sp>
+        <p:nvSpPr>
+          <p:cNvPr id="2" name="文本占位符 1"/>
+          <p:cNvSpPr>
+            <a:spLocks noGrp="1"/>
+          </p:cNvSpPr>
+          <p:nvPr>
+            <p:ph type="body" sz="quarter" idx="15"/>
+          </p:nvPr>
+        </p:nvSpPr>
+        <p:spPr/>
+        <p:txBody>
+          <a:bodyPr/>
+          <a:lstStyle/>
+          <a:p>
+            <a:r>
+              <a:rPr kumimoji="1" lang="en-US" altLang="zh-CN" dirty="0"/>
+              <a:t>05</a:t>
+            </a:r>
+            <a:endParaRPr kumimoji="1" lang="zh-CN" altLang="en-US" dirty="0"/>
+          </a:p>
+        </p:txBody>
+      </p:sp>
+      <p:sp>
+        <p:nvSpPr>
+          <p:cNvPr id="3" name="文本占位符 2"/>
+          <p:cNvSpPr>
+            <a:spLocks noGrp="1"/>
+          </p:cNvSpPr>
+          <p:nvPr>
+            <p:ph type="body" sz="quarter" idx="16"/>
+          </p:nvPr>
+        </p:nvSpPr>
+        <p:spPr/>
+        <p:txBody>
+          <a:bodyPr/>
+          <a:lstStyle/>
+          <a:p>
+            <a:r>
+              <a:rPr kumimoji="1" lang="zh-CN" altLang="en-US" dirty="0"/>
+              <a:t>总结回顾</a:t>
+            </a:r>
+          </a:p>
+        </p:txBody>
+      </p:sp>
+      <p:pic>
+        <p:nvPicPr>
+          <p:cNvPr id="4" name="图片 3">
+            <a:hlinkClick r:id="rId2"/>
+          </p:cNvPr>
+          <p:cNvPicPr>
+            <a:picLocks noChangeAspect="1"/>
+          </p:cNvPicPr>
+          <p:nvPr/>
+        </p:nvPicPr>
+        <p:blipFill>
+          <a:blip r:embed="rId3">
+            <a:extLst>
+              <a:ext uri="{28A0092B-C50C-407E-A947-70E740481C1C}">
+                <a14:useLocalDpi xmlns:a14="http://schemas.microsoft.com/office/drawing/2010/main" val="0"/>
+              </a:ext>
+            </a:extLst>
+          </a:blip>
+          <a:stretch>
+            <a:fillRect/>
+          </a:stretch>
+        </p:blipFill>
+        <p:spPr>
+          <a:xfrm>
+            <a:off x="5181600" y="6250656"/>
+            <a:ext cx="1828800" cy="243840"/>
+          </a:xfrm>
+          <a:prstGeom prst="rect">
+            <a:avLst/>
+          </a:prstGeom>
+        </p:spPr>
+      </p:pic>
+    </p:spTree>
+    <p:extLst>
+      <p:ext uri="{BB962C8B-B14F-4D97-AF65-F5344CB8AC3E}">
+        <p14:creationId xmlns:p14="http://schemas.microsoft.com/office/powerpoint/2010/main" val="1543755629"/>
+      </p:ext>
+    </p:extLst>
+  </p:cSld>
+  <p:clrMapOvr>
+    <a:masterClrMapping/>
+  </p:clrMapOvr>
+  <mc:AlternateContent xmlns:mc="http://schemas.openxmlformats.org/markup-compatibility/2006" xmlns:p14="http://schemas.microsoft.com/office/powerpoint/2010/main">
+    <mc:Choice Requires="p14">
+      <p:transition spd="slow" p14:dur="800">
+        <p:circle/>
+      </p:transition>
+    </mc:Choice>
+    <mc:Fallback xmlns="">
+      <p:transition spd="slow">
+        <p:circle/>
+      </p:transition>
+    </mc:Fallback>
+  </mc:AlternateContent>
+</p:sld>
+</file>
+
+<file path=ppt/slides/slide21.xml><?xml version="1.0" encoding="utf-8"?>
 <p:sld xmlns:a="http://schemas.openxmlformats.org/drawingml/2006/main" xmlns:r="http://schemas.openxmlformats.org/officeDocument/2006/relationships" xmlns:p="http://schemas.openxmlformats.org/presentationml/2006/main">
   <p:cSld>
     <p:spTree>
@@ -38819,7 +39590,7 @@
 </p:sld>
 </file>
 
-<file path=ppt/slides/slide21.xml><?xml version="1.0" encoding="utf-8"?>
+<file path=ppt/slides/slide22.xml><?xml version="1.0" encoding="utf-8"?>
 <p:sld xmlns:a="http://schemas.openxmlformats.org/drawingml/2006/main" xmlns:r="http://schemas.openxmlformats.org/officeDocument/2006/relationships" xmlns:p="http://schemas.openxmlformats.org/presentationml/2006/main">
   <p:cSld>
     <p:spTree>
@@ -39639,7 +40410,7 @@
 </p:sld>
 </file>
 
-<file path=ppt/slides/slide22.xml><?xml version="1.0" encoding="utf-8"?>
+<file path=ppt/slides/slide23.xml><?xml version="1.0" encoding="utf-8"?>
 <p:sld xmlns:a="http://schemas.openxmlformats.org/drawingml/2006/main" xmlns:r="http://schemas.openxmlformats.org/officeDocument/2006/relationships" xmlns:p="http://schemas.openxmlformats.org/presentationml/2006/main">
   <p:cSld>
     <p:spTree>
@@ -44713,7 +45484,7 @@
 </p:sld>
 </file>
 
-<file path=ppt/slides/slide23.xml><?xml version="1.0" encoding="utf-8"?>
+<file path=ppt/slides/slide24.xml><?xml version="1.0" encoding="utf-8"?>
 <p:sld xmlns:a="http://schemas.openxmlformats.org/drawingml/2006/main" xmlns:r="http://schemas.openxmlformats.org/officeDocument/2006/relationships" xmlns:p="http://schemas.openxmlformats.org/presentationml/2006/main">
   <p:cSld>
     <p:spTree>
@@ -44922,7 +45693,7 @@
 </p:sld>
 </file>
 
-<file path=ppt/slides/slide24.xml><?xml version="1.0" encoding="utf-8"?>
+<file path=ppt/slides/slide25.xml><?xml version="1.0" encoding="utf-8"?>
 <p:sld xmlns:a="http://schemas.openxmlformats.org/drawingml/2006/main" xmlns:r="http://schemas.openxmlformats.org/officeDocument/2006/relationships" xmlns:p="http://schemas.openxmlformats.org/presentationml/2006/main">
   <p:cSld>
     <p:spTree>
@@ -44952,7 +45723,7 @@
 </p:sld>
 </file>
 
-<file path=ppt/slides/slide25.xml><?xml version="1.0" encoding="utf-8"?>
+<file path=ppt/slides/slide26.xml><?xml version="1.0" encoding="utf-8"?>
 <p:sld xmlns:a="http://schemas.openxmlformats.org/drawingml/2006/main" xmlns:r="http://schemas.openxmlformats.org/officeDocument/2006/relationships" xmlns:p="http://schemas.openxmlformats.org/presentationml/2006/main">
   <p:cSld>
     <p:spTree>
@@ -45086,7 +45857,7 @@
 </p:sld>
 </file>
 
-<file path=ppt/slides/slide26.xml><?xml version="1.0" encoding="utf-8"?>
+<file path=ppt/slides/slide27.xml><?xml version="1.0" encoding="utf-8"?>
 <p:sld xmlns:a="http://schemas.openxmlformats.org/drawingml/2006/main" xmlns:r="http://schemas.openxmlformats.org/officeDocument/2006/relationships" xmlns:p="http://schemas.openxmlformats.org/presentationml/2006/main">
   <p:cSld>
     <p:spTree>
@@ -46095,6 +46866,212 @@
           </p:txBody>
         </p:sp>
       </p:grpSp>
+      <p:sp>
+        <p:nvSpPr>
+          <p:cNvPr id="18" name="文本占位符 2">
+            <a:extLst>
+              <a:ext uri="{FF2B5EF4-FFF2-40B4-BE49-F238E27FC236}">
+                <a16:creationId xmlns:a16="http://schemas.microsoft.com/office/drawing/2014/main" id="{0C7B91C2-B78C-402B-8581-B99F0B31130C}"/>
+              </a:ext>
+            </a:extLst>
+          </p:cNvPr>
+          <p:cNvSpPr txBox="1">
+            <a:spLocks/>
+          </p:cNvSpPr>
+          <p:nvPr/>
+        </p:nvSpPr>
+        <p:spPr>
+          <a:xfrm>
+            <a:off x="3122511" y="2408664"/>
+            <a:ext cx="4742986" cy="825190"/>
+          </a:xfrm>
+          <a:prstGeom prst="rect">
+            <a:avLst/>
+          </a:prstGeom>
+        </p:spPr>
+        <p:txBody>
+          <a:bodyPr/>
+          <a:lstStyle>
+            <a:lvl1pPr marL="228600" indent="-228600" algn="l" defTabSz="914400" rtl="0" eaLnBrk="1" latinLnBrk="0" hangingPunct="1">
+              <a:lnSpc>
+                <a:spcPct val="90000"/>
+              </a:lnSpc>
+              <a:spcBef>
+                <a:spcPts val="1000"/>
+              </a:spcBef>
+              <a:buFont typeface="Arial" panose="020B0604020202020204" pitchFamily="34" charset="0"/>
+              <a:buChar char="•"/>
+              <a:defRPr sz="2800" kern="1200">
+                <a:solidFill>
+                  <a:schemeClr val="tx1"/>
+                </a:solidFill>
+                <a:latin typeface="+mn-lt"/>
+                <a:ea typeface="+mn-ea"/>
+                <a:cs typeface="+mn-cs"/>
+              </a:defRPr>
+            </a:lvl1pPr>
+            <a:lvl2pPr marL="685800" indent="-228600" algn="l" defTabSz="914400" rtl="0" eaLnBrk="1" latinLnBrk="0" hangingPunct="1">
+              <a:lnSpc>
+                <a:spcPct val="90000"/>
+              </a:lnSpc>
+              <a:spcBef>
+                <a:spcPts val="500"/>
+              </a:spcBef>
+              <a:buFont typeface="Arial" panose="020B0604020202020204" pitchFamily="34" charset="0"/>
+              <a:buChar char="•"/>
+              <a:defRPr sz="2400" kern="1200">
+                <a:solidFill>
+                  <a:schemeClr val="tx1"/>
+                </a:solidFill>
+                <a:latin typeface="+mn-lt"/>
+                <a:ea typeface="+mn-ea"/>
+                <a:cs typeface="+mn-cs"/>
+              </a:defRPr>
+            </a:lvl2pPr>
+            <a:lvl3pPr marL="1143000" indent="-228600" algn="l" defTabSz="914400" rtl="0" eaLnBrk="1" latinLnBrk="0" hangingPunct="1">
+              <a:lnSpc>
+                <a:spcPct val="90000"/>
+              </a:lnSpc>
+              <a:spcBef>
+                <a:spcPts val="500"/>
+              </a:spcBef>
+              <a:buFont typeface="Arial" panose="020B0604020202020204" pitchFamily="34" charset="0"/>
+              <a:buChar char="•"/>
+              <a:defRPr sz="2000" kern="1200">
+                <a:solidFill>
+                  <a:schemeClr val="tx1"/>
+                </a:solidFill>
+                <a:latin typeface="+mn-lt"/>
+                <a:ea typeface="+mn-ea"/>
+                <a:cs typeface="+mn-cs"/>
+              </a:defRPr>
+            </a:lvl3pPr>
+            <a:lvl4pPr marL="1600200" indent="-228600" algn="l" defTabSz="914400" rtl="0" eaLnBrk="1" latinLnBrk="0" hangingPunct="1">
+              <a:lnSpc>
+                <a:spcPct val="90000"/>
+              </a:lnSpc>
+              <a:spcBef>
+                <a:spcPts val="500"/>
+              </a:spcBef>
+              <a:buFont typeface="Arial" panose="020B0604020202020204" pitchFamily="34" charset="0"/>
+              <a:buChar char="•"/>
+              <a:defRPr sz="1800" kern="1200">
+                <a:solidFill>
+                  <a:schemeClr val="tx1"/>
+                </a:solidFill>
+                <a:latin typeface="+mn-lt"/>
+                <a:ea typeface="+mn-ea"/>
+                <a:cs typeface="+mn-cs"/>
+              </a:defRPr>
+            </a:lvl4pPr>
+            <a:lvl5pPr marL="2057400" indent="-228600" algn="l" defTabSz="914400" rtl="0" eaLnBrk="1" latinLnBrk="0" hangingPunct="1">
+              <a:lnSpc>
+                <a:spcPct val="90000"/>
+              </a:lnSpc>
+              <a:spcBef>
+                <a:spcPts val="500"/>
+              </a:spcBef>
+              <a:buFont typeface="Arial" panose="020B0604020202020204" pitchFamily="34" charset="0"/>
+              <a:buChar char="•"/>
+              <a:defRPr sz="1800" kern="1200">
+                <a:solidFill>
+                  <a:schemeClr val="tx1"/>
+                </a:solidFill>
+                <a:latin typeface="+mn-lt"/>
+                <a:ea typeface="+mn-ea"/>
+                <a:cs typeface="+mn-cs"/>
+              </a:defRPr>
+            </a:lvl5pPr>
+            <a:lvl6pPr marL="2514600" indent="-228600" algn="l" defTabSz="914400" rtl="0" eaLnBrk="1" latinLnBrk="0" hangingPunct="1">
+              <a:lnSpc>
+                <a:spcPct val="90000"/>
+              </a:lnSpc>
+              <a:spcBef>
+                <a:spcPts val="500"/>
+              </a:spcBef>
+              <a:buFont typeface="Arial" panose="020B0604020202020204" pitchFamily="34" charset="0"/>
+              <a:buChar char="•"/>
+              <a:defRPr sz="1800" kern="1200">
+                <a:solidFill>
+                  <a:schemeClr val="tx1"/>
+                </a:solidFill>
+                <a:latin typeface="+mn-lt"/>
+                <a:ea typeface="+mn-ea"/>
+                <a:cs typeface="+mn-cs"/>
+              </a:defRPr>
+            </a:lvl6pPr>
+            <a:lvl7pPr marL="2971800" indent="-228600" algn="l" defTabSz="914400" rtl="0" eaLnBrk="1" latinLnBrk="0" hangingPunct="1">
+              <a:lnSpc>
+                <a:spcPct val="90000"/>
+              </a:lnSpc>
+              <a:spcBef>
+                <a:spcPts val="500"/>
+              </a:spcBef>
+              <a:buFont typeface="Arial" panose="020B0604020202020204" pitchFamily="34" charset="0"/>
+              <a:buChar char="•"/>
+              <a:defRPr sz="1800" kern="1200">
+                <a:solidFill>
+                  <a:schemeClr val="tx1"/>
+                </a:solidFill>
+                <a:latin typeface="+mn-lt"/>
+                <a:ea typeface="+mn-ea"/>
+                <a:cs typeface="+mn-cs"/>
+              </a:defRPr>
+            </a:lvl7pPr>
+            <a:lvl8pPr marL="3429000" indent="-228600" algn="l" defTabSz="914400" rtl="0" eaLnBrk="1" latinLnBrk="0" hangingPunct="1">
+              <a:lnSpc>
+                <a:spcPct val="90000"/>
+              </a:lnSpc>
+              <a:spcBef>
+                <a:spcPts val="500"/>
+              </a:spcBef>
+              <a:buFont typeface="Arial" panose="020B0604020202020204" pitchFamily="34" charset="0"/>
+              <a:buChar char="•"/>
+              <a:defRPr sz="1800" kern="1200">
+                <a:solidFill>
+                  <a:schemeClr val="tx1"/>
+                </a:solidFill>
+                <a:latin typeface="+mn-lt"/>
+                <a:ea typeface="+mn-ea"/>
+                <a:cs typeface="+mn-cs"/>
+              </a:defRPr>
+            </a:lvl8pPr>
+            <a:lvl9pPr marL="3886200" indent="-228600" algn="l" defTabSz="914400" rtl="0" eaLnBrk="1" latinLnBrk="0" hangingPunct="1">
+              <a:lnSpc>
+                <a:spcPct val="90000"/>
+              </a:lnSpc>
+              <a:spcBef>
+                <a:spcPts val="500"/>
+              </a:spcBef>
+              <a:buFont typeface="Arial" panose="020B0604020202020204" pitchFamily="34" charset="0"/>
+              <a:buChar char="•"/>
+              <a:defRPr sz="1800" kern="1200">
+                <a:solidFill>
+                  <a:schemeClr val="tx1"/>
+                </a:solidFill>
+                <a:latin typeface="+mn-lt"/>
+                <a:ea typeface="+mn-ea"/>
+                <a:cs typeface="+mn-cs"/>
+              </a:defRPr>
+            </a:lvl9pPr>
+          </a:lstStyle>
+          <a:p>
+            <a:pPr marL="0" indent="0">
+              <a:buNone/>
+            </a:pPr>
+            <a:r>
+              <a:rPr kumimoji="1" lang="zh-CN" altLang="en-US" b="1" dirty="0">
+                <a:solidFill>
+                  <a:schemeClr val="accent1">
+                    <a:lumMod val="75000"/>
+                  </a:schemeClr>
+                </a:solidFill>
+              </a:rPr>
+              <a:t>开放、协作：</a:t>
+            </a:r>
+          </a:p>
+        </p:txBody>
+      </p:sp>
     </p:spTree>
     <p:extLst>
       <p:ext uri="{BB962C8B-B14F-4D97-AF65-F5344CB8AC3E}">
@@ -46177,6 +47154,928 @@
       </p:grpSpPr>
       <p:sp>
         <p:nvSpPr>
+          <p:cNvPr id="2" name="文本占位符 1"/>
+          <p:cNvSpPr>
+            <a:spLocks noGrp="1"/>
+          </p:cNvSpPr>
+          <p:nvPr>
+            <p:ph type="body" sz="quarter" idx="10"/>
+          </p:nvPr>
+        </p:nvSpPr>
+        <p:spPr/>
+        <p:txBody>
+          <a:bodyPr/>
+          <a:lstStyle/>
+          <a:p>
+            <a:r>
+              <a:rPr kumimoji="1" lang="en-US" altLang="zh-CN" dirty="0"/>
+              <a:t>01</a:t>
+            </a:r>
+            <a:r>
+              <a:rPr kumimoji="1" lang="zh-CN" altLang="en-US" dirty="0"/>
+              <a:t> 做的什么？</a:t>
+            </a:r>
+          </a:p>
+        </p:txBody>
+      </p:sp>
+      <p:sp>
+        <p:nvSpPr>
+          <p:cNvPr id="3" name="矩形 2"/>
+          <p:cNvSpPr/>
+          <p:nvPr/>
+        </p:nvSpPr>
+        <p:spPr>
+          <a:xfrm flipV="1">
+            <a:off x="3182918" y="3233854"/>
+            <a:ext cx="765739" cy="45719"/>
+          </a:xfrm>
+          <a:prstGeom prst="rect">
+            <a:avLst/>
+          </a:prstGeom>
+          <a:ln>
+            <a:noFill/>
+          </a:ln>
+        </p:spPr>
+        <p:style>
+          <a:lnRef idx="2">
+            <a:schemeClr val="accent1">
+              <a:shade val="50000"/>
+            </a:schemeClr>
+          </a:lnRef>
+          <a:fillRef idx="1">
+            <a:schemeClr val="accent1"/>
+          </a:fillRef>
+          <a:effectRef idx="0">
+            <a:schemeClr val="accent1"/>
+          </a:effectRef>
+          <a:fontRef idx="minor">
+            <a:schemeClr val="lt1"/>
+          </a:fontRef>
+        </p:style>
+        <p:txBody>
+          <a:bodyPr rtlCol="0" anchor="ctr"/>
+          <a:lstStyle/>
+          <a:p>
+            <a:pPr algn="ctr"/>
+            <a:endParaRPr kumimoji="1" lang="zh-CN" altLang="en-US"/>
+          </a:p>
+        </p:txBody>
+      </p:sp>
+      <p:sp>
+        <p:nvSpPr>
+          <p:cNvPr id="4" name="文本框 8"/>
+          <p:cNvSpPr txBox="1"/>
+          <p:nvPr/>
+        </p:nvSpPr>
+        <p:spPr>
+          <a:xfrm>
+            <a:off x="3938760" y="3726297"/>
+            <a:ext cx="2517668" cy="905248"/>
+          </a:xfrm>
+          <a:prstGeom prst="rect">
+            <a:avLst/>
+          </a:prstGeom>
+          <a:noFill/>
+        </p:spPr>
+        <p:txBody>
+          <a:bodyPr wrap="square" rtlCol="0">
+            <a:spAutoFit/>
+          </a:bodyPr>
+          <a:lstStyle>
+            <a:defPPr>
+              <a:defRPr lang="zh-CN"/>
+            </a:defPPr>
+            <a:lvl1pPr marL="0" algn="l" defTabSz="914400" rtl="0" eaLnBrk="1" latinLnBrk="0" hangingPunct="1">
+              <a:defRPr sz="1800" kern="1200">
+                <a:solidFill>
+                  <a:schemeClr val="tx1"/>
+                </a:solidFill>
+                <a:latin typeface="+mn-lt"/>
+                <a:ea typeface="+mn-ea"/>
+                <a:cs typeface="+mn-cs"/>
+              </a:defRPr>
+            </a:lvl1pPr>
+            <a:lvl2pPr marL="457200" algn="l" defTabSz="914400" rtl="0" eaLnBrk="1" latinLnBrk="0" hangingPunct="1">
+              <a:defRPr sz="1800" kern="1200">
+                <a:solidFill>
+                  <a:schemeClr val="tx1"/>
+                </a:solidFill>
+                <a:latin typeface="+mn-lt"/>
+                <a:ea typeface="+mn-ea"/>
+                <a:cs typeface="+mn-cs"/>
+              </a:defRPr>
+            </a:lvl2pPr>
+            <a:lvl3pPr marL="914400" algn="l" defTabSz="914400" rtl="0" eaLnBrk="1" latinLnBrk="0" hangingPunct="1">
+              <a:defRPr sz="1800" kern="1200">
+                <a:solidFill>
+                  <a:schemeClr val="tx1"/>
+                </a:solidFill>
+                <a:latin typeface="+mn-lt"/>
+                <a:ea typeface="+mn-ea"/>
+                <a:cs typeface="+mn-cs"/>
+              </a:defRPr>
+            </a:lvl3pPr>
+            <a:lvl4pPr marL="1371600" algn="l" defTabSz="914400" rtl="0" eaLnBrk="1" latinLnBrk="0" hangingPunct="1">
+              <a:defRPr sz="1800" kern="1200">
+                <a:solidFill>
+                  <a:schemeClr val="tx1"/>
+                </a:solidFill>
+                <a:latin typeface="+mn-lt"/>
+                <a:ea typeface="+mn-ea"/>
+                <a:cs typeface="+mn-cs"/>
+              </a:defRPr>
+            </a:lvl4pPr>
+            <a:lvl5pPr marL="1828800" algn="l" defTabSz="914400" rtl="0" eaLnBrk="1" latinLnBrk="0" hangingPunct="1">
+              <a:defRPr sz="1800" kern="1200">
+                <a:solidFill>
+                  <a:schemeClr val="tx1"/>
+                </a:solidFill>
+                <a:latin typeface="+mn-lt"/>
+                <a:ea typeface="+mn-ea"/>
+                <a:cs typeface="+mn-cs"/>
+              </a:defRPr>
+            </a:lvl5pPr>
+            <a:lvl6pPr marL="2286000" algn="l" defTabSz="914400" rtl="0" eaLnBrk="1" latinLnBrk="0" hangingPunct="1">
+              <a:defRPr sz="1800" kern="1200">
+                <a:solidFill>
+                  <a:schemeClr val="tx1"/>
+                </a:solidFill>
+                <a:latin typeface="+mn-lt"/>
+                <a:ea typeface="+mn-ea"/>
+                <a:cs typeface="+mn-cs"/>
+              </a:defRPr>
+            </a:lvl6pPr>
+            <a:lvl7pPr marL="2743200" algn="l" defTabSz="914400" rtl="0" eaLnBrk="1" latinLnBrk="0" hangingPunct="1">
+              <a:defRPr sz="1800" kern="1200">
+                <a:solidFill>
+                  <a:schemeClr val="tx1"/>
+                </a:solidFill>
+                <a:latin typeface="+mn-lt"/>
+                <a:ea typeface="+mn-ea"/>
+                <a:cs typeface="+mn-cs"/>
+              </a:defRPr>
+            </a:lvl7pPr>
+            <a:lvl8pPr marL="3200400" algn="l" defTabSz="914400" rtl="0" eaLnBrk="1" latinLnBrk="0" hangingPunct="1">
+              <a:defRPr sz="1800" kern="1200">
+                <a:solidFill>
+                  <a:schemeClr val="tx1"/>
+                </a:solidFill>
+                <a:latin typeface="+mn-lt"/>
+                <a:ea typeface="+mn-ea"/>
+                <a:cs typeface="+mn-cs"/>
+              </a:defRPr>
+            </a:lvl8pPr>
+            <a:lvl9pPr marL="3657600" algn="l" defTabSz="914400" rtl="0" eaLnBrk="1" latinLnBrk="0" hangingPunct="1">
+              <a:defRPr sz="1800" kern="1200">
+                <a:solidFill>
+                  <a:schemeClr val="tx1"/>
+                </a:solidFill>
+                <a:latin typeface="+mn-lt"/>
+                <a:ea typeface="+mn-ea"/>
+                <a:cs typeface="+mn-cs"/>
+              </a:defRPr>
+            </a:lvl9pPr>
+          </a:lstStyle>
+          <a:p>
+            <a:pPr>
+              <a:lnSpc>
+                <a:spcPct val="130000"/>
+              </a:lnSpc>
+            </a:pPr>
+            <a:r>
+              <a:rPr lang="zh-CN" altLang="en-US" sz="1400" dirty="0">
+                <a:solidFill>
+                  <a:schemeClr val="tx1">
+                    <a:lumMod val="75000"/>
+                    <a:lumOff val="25000"/>
+                  </a:schemeClr>
+                </a:solidFill>
+                <a:latin typeface="+mn-ea"/>
+              </a:rPr>
+              <a:t>所有物品由计算机视觉进行识别并整理，再也不怕找不到东西，屋子一团糟了</a:t>
+            </a:r>
+          </a:p>
+        </p:txBody>
+      </p:sp>
+      <p:sp>
+        <p:nvSpPr>
+          <p:cNvPr id="5" name="矩形 4"/>
+          <p:cNvSpPr/>
+          <p:nvPr/>
+        </p:nvSpPr>
+        <p:spPr>
+          <a:xfrm>
+            <a:off x="3994987" y="3279015"/>
+            <a:ext cx="2492990" cy="453457"/>
+          </a:xfrm>
+          <a:prstGeom prst="rect">
+            <a:avLst/>
+          </a:prstGeom>
+        </p:spPr>
+        <p:txBody>
+          <a:bodyPr wrap="none">
+            <a:spAutoFit/>
+          </a:bodyPr>
+          <a:lstStyle/>
+          <a:p>
+            <a:pPr lvl="0">
+              <a:lnSpc>
+                <a:spcPct val="130000"/>
+              </a:lnSpc>
+            </a:pPr>
+            <a:r>
+              <a:rPr lang="zh-CN" altLang="en-US" sz="2000" b="1" dirty="0">
+                <a:solidFill>
+                  <a:schemeClr val="accent1"/>
+                </a:solidFill>
+              </a:rPr>
+              <a:t>计算机视觉识别物品</a:t>
+            </a:r>
+            <a:endParaRPr lang="en-US" altLang="zh-CN" sz="2000" b="1" dirty="0">
+              <a:solidFill>
+                <a:schemeClr val="accent1"/>
+              </a:solidFill>
+            </a:endParaRPr>
+          </a:p>
+        </p:txBody>
+      </p:sp>
+      <p:sp>
+        <p:nvSpPr>
+          <p:cNvPr id="6" name="矩形 5"/>
+          <p:cNvSpPr/>
+          <p:nvPr/>
+        </p:nvSpPr>
+        <p:spPr>
+          <a:xfrm>
+            <a:off x="3122511" y="3233854"/>
+            <a:ext cx="816249" cy="814582"/>
+          </a:xfrm>
+          <a:prstGeom prst="rect">
+            <a:avLst/>
+          </a:prstGeom>
+        </p:spPr>
+        <p:txBody>
+          <a:bodyPr wrap="none">
+            <a:spAutoFit/>
+          </a:bodyPr>
+          <a:lstStyle/>
+          <a:p>
+            <a:pPr lvl="0">
+              <a:lnSpc>
+                <a:spcPct val="130000"/>
+              </a:lnSpc>
+            </a:pPr>
+            <a:r>
+              <a:rPr lang="en-US" altLang="zh-CN" sz="4000" b="1" dirty="0">
+                <a:solidFill>
+                  <a:schemeClr val="accent1"/>
+                </a:solidFill>
+              </a:rPr>
+              <a:t>03</a:t>
+            </a:r>
+          </a:p>
+        </p:txBody>
+      </p:sp>
+      <p:sp>
+        <p:nvSpPr>
+          <p:cNvPr id="9" name="矩形 8"/>
+          <p:cNvSpPr/>
+          <p:nvPr/>
+        </p:nvSpPr>
+        <p:spPr>
+          <a:xfrm flipV="1">
+            <a:off x="7222273" y="3233854"/>
+            <a:ext cx="765739" cy="45719"/>
+          </a:xfrm>
+          <a:prstGeom prst="rect">
+            <a:avLst/>
+          </a:prstGeom>
+          <a:solidFill>
+            <a:schemeClr val="accent1">
+              <a:lumMod val="75000"/>
+            </a:schemeClr>
+          </a:solidFill>
+          <a:ln>
+            <a:noFill/>
+          </a:ln>
+        </p:spPr>
+        <p:style>
+          <a:lnRef idx="2">
+            <a:schemeClr val="accent1">
+              <a:shade val="50000"/>
+            </a:schemeClr>
+          </a:lnRef>
+          <a:fillRef idx="1">
+            <a:schemeClr val="accent1"/>
+          </a:fillRef>
+          <a:effectRef idx="0">
+            <a:schemeClr val="accent1"/>
+          </a:effectRef>
+          <a:fontRef idx="minor">
+            <a:schemeClr val="lt1"/>
+          </a:fontRef>
+        </p:style>
+        <p:txBody>
+          <a:bodyPr rtlCol="0" anchor="ctr"/>
+          <a:lstStyle/>
+          <a:p>
+            <a:pPr algn="ctr"/>
+            <a:endParaRPr kumimoji="1" lang="zh-CN" altLang="en-US"/>
+          </a:p>
+        </p:txBody>
+      </p:sp>
+      <p:sp>
+        <p:nvSpPr>
+          <p:cNvPr id="10" name="文本框 8"/>
+          <p:cNvSpPr txBox="1"/>
+          <p:nvPr/>
+        </p:nvSpPr>
+        <p:spPr>
+          <a:xfrm>
+            <a:off x="7978115" y="3726297"/>
+            <a:ext cx="2517668" cy="625171"/>
+          </a:xfrm>
+          <a:prstGeom prst="rect">
+            <a:avLst/>
+          </a:prstGeom>
+          <a:noFill/>
+        </p:spPr>
+        <p:txBody>
+          <a:bodyPr wrap="square" rtlCol="0">
+            <a:spAutoFit/>
+          </a:bodyPr>
+          <a:lstStyle>
+            <a:defPPr>
+              <a:defRPr lang="zh-CN"/>
+            </a:defPPr>
+            <a:lvl1pPr marL="0" algn="l" defTabSz="914400" rtl="0" eaLnBrk="1" latinLnBrk="0" hangingPunct="1">
+              <a:defRPr sz="1800" kern="1200">
+                <a:solidFill>
+                  <a:schemeClr val="tx1"/>
+                </a:solidFill>
+                <a:latin typeface="+mn-lt"/>
+                <a:ea typeface="+mn-ea"/>
+                <a:cs typeface="+mn-cs"/>
+              </a:defRPr>
+            </a:lvl1pPr>
+            <a:lvl2pPr marL="457200" algn="l" defTabSz="914400" rtl="0" eaLnBrk="1" latinLnBrk="0" hangingPunct="1">
+              <a:defRPr sz="1800" kern="1200">
+                <a:solidFill>
+                  <a:schemeClr val="tx1"/>
+                </a:solidFill>
+                <a:latin typeface="+mn-lt"/>
+                <a:ea typeface="+mn-ea"/>
+                <a:cs typeface="+mn-cs"/>
+              </a:defRPr>
+            </a:lvl2pPr>
+            <a:lvl3pPr marL="914400" algn="l" defTabSz="914400" rtl="0" eaLnBrk="1" latinLnBrk="0" hangingPunct="1">
+              <a:defRPr sz="1800" kern="1200">
+                <a:solidFill>
+                  <a:schemeClr val="tx1"/>
+                </a:solidFill>
+                <a:latin typeface="+mn-lt"/>
+                <a:ea typeface="+mn-ea"/>
+                <a:cs typeface="+mn-cs"/>
+              </a:defRPr>
+            </a:lvl3pPr>
+            <a:lvl4pPr marL="1371600" algn="l" defTabSz="914400" rtl="0" eaLnBrk="1" latinLnBrk="0" hangingPunct="1">
+              <a:defRPr sz="1800" kern="1200">
+                <a:solidFill>
+                  <a:schemeClr val="tx1"/>
+                </a:solidFill>
+                <a:latin typeface="+mn-lt"/>
+                <a:ea typeface="+mn-ea"/>
+                <a:cs typeface="+mn-cs"/>
+              </a:defRPr>
+            </a:lvl4pPr>
+            <a:lvl5pPr marL="1828800" algn="l" defTabSz="914400" rtl="0" eaLnBrk="1" latinLnBrk="0" hangingPunct="1">
+              <a:defRPr sz="1800" kern="1200">
+                <a:solidFill>
+                  <a:schemeClr val="tx1"/>
+                </a:solidFill>
+                <a:latin typeface="+mn-lt"/>
+                <a:ea typeface="+mn-ea"/>
+                <a:cs typeface="+mn-cs"/>
+              </a:defRPr>
+            </a:lvl5pPr>
+            <a:lvl6pPr marL="2286000" algn="l" defTabSz="914400" rtl="0" eaLnBrk="1" latinLnBrk="0" hangingPunct="1">
+              <a:defRPr sz="1800" kern="1200">
+                <a:solidFill>
+                  <a:schemeClr val="tx1"/>
+                </a:solidFill>
+                <a:latin typeface="+mn-lt"/>
+                <a:ea typeface="+mn-ea"/>
+                <a:cs typeface="+mn-cs"/>
+              </a:defRPr>
+            </a:lvl6pPr>
+            <a:lvl7pPr marL="2743200" algn="l" defTabSz="914400" rtl="0" eaLnBrk="1" latinLnBrk="0" hangingPunct="1">
+              <a:defRPr sz="1800" kern="1200">
+                <a:solidFill>
+                  <a:schemeClr val="tx1"/>
+                </a:solidFill>
+                <a:latin typeface="+mn-lt"/>
+                <a:ea typeface="+mn-ea"/>
+                <a:cs typeface="+mn-cs"/>
+              </a:defRPr>
+            </a:lvl7pPr>
+            <a:lvl8pPr marL="3200400" algn="l" defTabSz="914400" rtl="0" eaLnBrk="1" latinLnBrk="0" hangingPunct="1">
+              <a:defRPr sz="1800" kern="1200">
+                <a:solidFill>
+                  <a:schemeClr val="tx1"/>
+                </a:solidFill>
+                <a:latin typeface="+mn-lt"/>
+                <a:ea typeface="+mn-ea"/>
+                <a:cs typeface="+mn-cs"/>
+              </a:defRPr>
+            </a:lvl8pPr>
+            <a:lvl9pPr marL="3657600" algn="l" defTabSz="914400" rtl="0" eaLnBrk="1" latinLnBrk="0" hangingPunct="1">
+              <a:defRPr sz="1800" kern="1200">
+                <a:solidFill>
+                  <a:schemeClr val="tx1"/>
+                </a:solidFill>
+                <a:latin typeface="+mn-lt"/>
+                <a:ea typeface="+mn-ea"/>
+                <a:cs typeface="+mn-cs"/>
+              </a:defRPr>
+            </a:lvl9pPr>
+          </a:lstStyle>
+          <a:p>
+            <a:pPr>
+              <a:lnSpc>
+                <a:spcPct val="130000"/>
+              </a:lnSpc>
+            </a:pPr>
+            <a:r>
+              <a:rPr lang="zh-CN" altLang="en-US" sz="1400" dirty="0">
+                <a:solidFill>
+                  <a:schemeClr val="tx1">
+                    <a:lumMod val="75000"/>
+                    <a:lumOff val="25000"/>
+                  </a:schemeClr>
+                </a:solidFill>
+                <a:latin typeface="+mn-ea"/>
+              </a:rPr>
+              <a:t>使用微信更新每天的生活习惯，查询、控制家中环境</a:t>
+            </a:r>
+            <a:endParaRPr lang="en-US" altLang="zh-CN" sz="1400" dirty="0">
+              <a:solidFill>
+                <a:schemeClr val="tx1">
+                  <a:lumMod val="75000"/>
+                  <a:lumOff val="25000"/>
+                </a:schemeClr>
+              </a:solidFill>
+              <a:latin typeface="+mn-ea"/>
+            </a:endParaRPr>
+          </a:p>
+        </p:txBody>
+      </p:sp>
+      <p:sp>
+        <p:nvSpPr>
+          <p:cNvPr id="11" name="矩形 10"/>
+          <p:cNvSpPr/>
+          <p:nvPr/>
+        </p:nvSpPr>
+        <p:spPr>
+          <a:xfrm>
+            <a:off x="8034342" y="3279015"/>
+            <a:ext cx="1210588" cy="453457"/>
+          </a:xfrm>
+          <a:prstGeom prst="rect">
+            <a:avLst/>
+          </a:prstGeom>
+        </p:spPr>
+        <p:txBody>
+          <a:bodyPr wrap="none">
+            <a:spAutoFit/>
+          </a:bodyPr>
+          <a:lstStyle/>
+          <a:p>
+            <a:pPr lvl="0">
+              <a:lnSpc>
+                <a:spcPct val="130000"/>
+              </a:lnSpc>
+            </a:pPr>
+            <a:r>
+              <a:rPr lang="zh-CN" altLang="en-US" sz="2000" b="1" dirty="0">
+                <a:solidFill>
+                  <a:schemeClr val="accent1">
+                    <a:lumMod val="75000"/>
+                  </a:schemeClr>
+                </a:solidFill>
+              </a:rPr>
+              <a:t>微信查询</a:t>
+            </a:r>
+            <a:endParaRPr lang="en-US" altLang="zh-CN" sz="2000" b="1" dirty="0">
+              <a:solidFill>
+                <a:schemeClr val="accent1">
+                  <a:lumMod val="75000"/>
+                </a:schemeClr>
+              </a:solidFill>
+            </a:endParaRPr>
+          </a:p>
+        </p:txBody>
+      </p:sp>
+      <p:sp>
+        <p:nvSpPr>
+          <p:cNvPr id="12" name="矩形 11"/>
+          <p:cNvSpPr/>
+          <p:nvPr/>
+        </p:nvSpPr>
+        <p:spPr>
+          <a:xfrm>
+            <a:off x="7161866" y="3233854"/>
+            <a:ext cx="816249" cy="892552"/>
+          </a:xfrm>
+          <a:prstGeom prst="rect">
+            <a:avLst/>
+          </a:prstGeom>
+        </p:spPr>
+        <p:txBody>
+          <a:bodyPr wrap="none">
+            <a:spAutoFit/>
+          </a:bodyPr>
+          <a:lstStyle/>
+          <a:p>
+            <a:pPr lvl="0">
+              <a:lnSpc>
+                <a:spcPct val="130000"/>
+              </a:lnSpc>
+            </a:pPr>
+            <a:r>
+              <a:rPr lang="en-US" altLang="zh-CN" sz="4000" b="1" dirty="0">
+                <a:solidFill>
+                  <a:schemeClr val="accent1">
+                    <a:lumMod val="75000"/>
+                  </a:schemeClr>
+                </a:solidFill>
+              </a:rPr>
+              <a:t>02</a:t>
+            </a:r>
+          </a:p>
+        </p:txBody>
+      </p:sp>
+      <p:grpSp>
+        <p:nvGrpSpPr>
+          <p:cNvPr id="14" name="组合 13">
+            <a:extLst>
+              <a:ext uri="{FF2B5EF4-FFF2-40B4-BE49-F238E27FC236}">
+                <a16:creationId xmlns:a16="http://schemas.microsoft.com/office/drawing/2014/main" id="{18CB5BC6-C0E7-4C6F-8986-3B0CC3FAA8E2}"/>
+              </a:ext>
+            </a:extLst>
+          </p:cNvPr>
+          <p:cNvGrpSpPr/>
+          <p:nvPr/>
+        </p:nvGrpSpPr>
+        <p:grpSpPr>
+          <a:xfrm>
+            <a:off x="10270852" y="258233"/>
+            <a:ext cx="3130945" cy="521095"/>
+            <a:chOff x="9280130" y="5862008"/>
+            <a:chExt cx="3130945" cy="521095"/>
+          </a:xfrm>
+        </p:grpSpPr>
+        <p:pic>
+          <p:nvPicPr>
+            <p:cNvPr id="15" name="图片 14">
+              <a:extLst>
+                <a:ext uri="{FF2B5EF4-FFF2-40B4-BE49-F238E27FC236}">
+                  <a16:creationId xmlns:a16="http://schemas.microsoft.com/office/drawing/2014/main" id="{5BC2C6ED-1465-4233-A328-E910B3FAA10C}"/>
+                </a:ext>
+              </a:extLst>
+            </p:cNvPr>
+            <p:cNvPicPr>
+              <a:picLocks noChangeAspect="1"/>
+            </p:cNvPicPr>
+            <p:nvPr/>
+          </p:nvPicPr>
+          <p:blipFill>
+            <a:blip r:embed="rId2">
+              <a:extLst>
+                <a:ext uri="{28A0092B-C50C-407E-A947-70E740481C1C}">
+                  <a14:useLocalDpi xmlns:a14="http://schemas.microsoft.com/office/drawing/2010/main" val="0"/>
+                </a:ext>
+              </a:extLst>
+            </a:blip>
+            <a:stretch>
+              <a:fillRect/>
+            </a:stretch>
+          </p:blipFill>
+          <p:spPr>
+            <a:xfrm>
+              <a:off x="9280130" y="5862008"/>
+              <a:ext cx="521095" cy="521095"/>
+            </a:xfrm>
+            <a:prstGeom prst="rect">
+              <a:avLst/>
+            </a:prstGeom>
+          </p:spPr>
+        </p:pic>
+        <p:sp>
+          <p:nvSpPr>
+            <p:cNvPr id="16" name="文本框 15">
+              <a:extLst>
+                <a:ext uri="{FF2B5EF4-FFF2-40B4-BE49-F238E27FC236}">
+                  <a16:creationId xmlns:a16="http://schemas.microsoft.com/office/drawing/2014/main" id="{9FD4D139-5831-42A9-860B-868E30CCFBC2}"/>
+                </a:ext>
+              </a:extLst>
+            </p:cNvPr>
+            <p:cNvSpPr txBox="1"/>
+            <p:nvPr/>
+          </p:nvSpPr>
+          <p:spPr>
+            <a:xfrm>
+              <a:off x="9713471" y="5922501"/>
+              <a:ext cx="2697604" cy="400110"/>
+            </a:xfrm>
+            <a:prstGeom prst="rect">
+              <a:avLst/>
+            </a:prstGeom>
+            <a:noFill/>
+          </p:spPr>
+          <p:txBody>
+            <a:bodyPr wrap="square" lIns="72000" rtlCol="0">
+              <a:spAutoFit/>
+            </a:bodyPr>
+            <a:lstStyle/>
+            <a:p>
+              <a:r>
+                <a:rPr lang="en-US" altLang="zh-CN" sz="2000" dirty="0">
+                  <a:solidFill>
+                    <a:schemeClr val="bg1">
+                      <a:lumMod val="85000"/>
+                    </a:schemeClr>
+                  </a:solidFill>
+                  <a:latin typeface="微软雅黑 Light" panose="020B0502040204020203" pitchFamily="34" charset="-122"/>
+                  <a:ea typeface="微软雅黑 Light" panose="020B0502040204020203" pitchFamily="34" charset="-122"/>
+                </a:rPr>
+                <a:t>MSP</a:t>
+              </a:r>
+              <a:r>
+                <a:rPr lang="zh-CN" altLang="en-US" sz="2000" dirty="0">
+                  <a:solidFill>
+                    <a:schemeClr val="bg1">
+                      <a:lumMod val="85000"/>
+                    </a:schemeClr>
+                  </a:solidFill>
+                  <a:latin typeface="微软雅黑 Light" panose="020B0502040204020203" pitchFamily="34" charset="-122"/>
+                  <a:ea typeface="微软雅黑 Light" panose="020B0502040204020203" pitchFamily="34" charset="-122"/>
+                </a:rPr>
+                <a:t>观光团</a:t>
+              </a:r>
+            </a:p>
+          </p:txBody>
+        </p:sp>
+      </p:grpSp>
+      <p:sp>
+        <p:nvSpPr>
+          <p:cNvPr id="17" name="文本占位符 2">
+            <a:extLst>
+              <a:ext uri="{FF2B5EF4-FFF2-40B4-BE49-F238E27FC236}">
+                <a16:creationId xmlns:a16="http://schemas.microsoft.com/office/drawing/2014/main" id="{73573AD8-B3BF-4502-A5E2-C0E8D6BDFACE}"/>
+              </a:ext>
+            </a:extLst>
+          </p:cNvPr>
+          <p:cNvSpPr txBox="1">
+            <a:spLocks/>
+          </p:cNvSpPr>
+          <p:nvPr/>
+        </p:nvSpPr>
+        <p:spPr>
+          <a:xfrm>
+            <a:off x="3182918" y="2337329"/>
+            <a:ext cx="4742986" cy="825190"/>
+          </a:xfrm>
+          <a:prstGeom prst="rect">
+            <a:avLst/>
+          </a:prstGeom>
+        </p:spPr>
+        <p:txBody>
+          <a:bodyPr/>
+          <a:lstStyle>
+            <a:lvl1pPr marL="228600" indent="-228600" algn="l" defTabSz="914400" rtl="0" eaLnBrk="1" latinLnBrk="0" hangingPunct="1">
+              <a:lnSpc>
+                <a:spcPct val="90000"/>
+              </a:lnSpc>
+              <a:spcBef>
+                <a:spcPts val="1000"/>
+              </a:spcBef>
+              <a:buFont typeface="Arial" panose="020B0604020202020204" pitchFamily="34" charset="0"/>
+              <a:buChar char="•"/>
+              <a:defRPr sz="2800" kern="1200">
+                <a:solidFill>
+                  <a:schemeClr val="tx1"/>
+                </a:solidFill>
+                <a:latin typeface="+mn-lt"/>
+                <a:ea typeface="+mn-ea"/>
+                <a:cs typeface="+mn-cs"/>
+              </a:defRPr>
+            </a:lvl1pPr>
+            <a:lvl2pPr marL="685800" indent="-228600" algn="l" defTabSz="914400" rtl="0" eaLnBrk="1" latinLnBrk="0" hangingPunct="1">
+              <a:lnSpc>
+                <a:spcPct val="90000"/>
+              </a:lnSpc>
+              <a:spcBef>
+                <a:spcPts val="500"/>
+              </a:spcBef>
+              <a:buFont typeface="Arial" panose="020B0604020202020204" pitchFamily="34" charset="0"/>
+              <a:buChar char="•"/>
+              <a:defRPr sz="2400" kern="1200">
+                <a:solidFill>
+                  <a:schemeClr val="tx1"/>
+                </a:solidFill>
+                <a:latin typeface="+mn-lt"/>
+                <a:ea typeface="+mn-ea"/>
+                <a:cs typeface="+mn-cs"/>
+              </a:defRPr>
+            </a:lvl2pPr>
+            <a:lvl3pPr marL="1143000" indent="-228600" algn="l" defTabSz="914400" rtl="0" eaLnBrk="1" latinLnBrk="0" hangingPunct="1">
+              <a:lnSpc>
+                <a:spcPct val="90000"/>
+              </a:lnSpc>
+              <a:spcBef>
+                <a:spcPts val="500"/>
+              </a:spcBef>
+              <a:buFont typeface="Arial" panose="020B0604020202020204" pitchFamily="34" charset="0"/>
+              <a:buChar char="•"/>
+              <a:defRPr sz="2000" kern="1200">
+                <a:solidFill>
+                  <a:schemeClr val="tx1"/>
+                </a:solidFill>
+                <a:latin typeface="+mn-lt"/>
+                <a:ea typeface="+mn-ea"/>
+                <a:cs typeface="+mn-cs"/>
+              </a:defRPr>
+            </a:lvl3pPr>
+            <a:lvl4pPr marL="1600200" indent="-228600" algn="l" defTabSz="914400" rtl="0" eaLnBrk="1" latinLnBrk="0" hangingPunct="1">
+              <a:lnSpc>
+                <a:spcPct val="90000"/>
+              </a:lnSpc>
+              <a:spcBef>
+                <a:spcPts val="500"/>
+              </a:spcBef>
+              <a:buFont typeface="Arial" panose="020B0604020202020204" pitchFamily="34" charset="0"/>
+              <a:buChar char="•"/>
+              <a:defRPr sz="1800" kern="1200">
+                <a:solidFill>
+                  <a:schemeClr val="tx1"/>
+                </a:solidFill>
+                <a:latin typeface="+mn-lt"/>
+                <a:ea typeface="+mn-ea"/>
+                <a:cs typeface="+mn-cs"/>
+              </a:defRPr>
+            </a:lvl4pPr>
+            <a:lvl5pPr marL="2057400" indent="-228600" algn="l" defTabSz="914400" rtl="0" eaLnBrk="1" latinLnBrk="0" hangingPunct="1">
+              <a:lnSpc>
+                <a:spcPct val="90000"/>
+              </a:lnSpc>
+              <a:spcBef>
+                <a:spcPts val="500"/>
+              </a:spcBef>
+              <a:buFont typeface="Arial" panose="020B0604020202020204" pitchFamily="34" charset="0"/>
+              <a:buChar char="•"/>
+              <a:defRPr sz="1800" kern="1200">
+                <a:solidFill>
+                  <a:schemeClr val="tx1"/>
+                </a:solidFill>
+                <a:latin typeface="+mn-lt"/>
+                <a:ea typeface="+mn-ea"/>
+                <a:cs typeface="+mn-cs"/>
+              </a:defRPr>
+            </a:lvl5pPr>
+            <a:lvl6pPr marL="2514600" indent="-228600" algn="l" defTabSz="914400" rtl="0" eaLnBrk="1" latinLnBrk="0" hangingPunct="1">
+              <a:lnSpc>
+                <a:spcPct val="90000"/>
+              </a:lnSpc>
+              <a:spcBef>
+                <a:spcPts val="500"/>
+              </a:spcBef>
+              <a:buFont typeface="Arial" panose="020B0604020202020204" pitchFamily="34" charset="0"/>
+              <a:buChar char="•"/>
+              <a:defRPr sz="1800" kern="1200">
+                <a:solidFill>
+                  <a:schemeClr val="tx1"/>
+                </a:solidFill>
+                <a:latin typeface="+mn-lt"/>
+                <a:ea typeface="+mn-ea"/>
+                <a:cs typeface="+mn-cs"/>
+              </a:defRPr>
+            </a:lvl6pPr>
+            <a:lvl7pPr marL="2971800" indent="-228600" algn="l" defTabSz="914400" rtl="0" eaLnBrk="1" latinLnBrk="0" hangingPunct="1">
+              <a:lnSpc>
+                <a:spcPct val="90000"/>
+              </a:lnSpc>
+              <a:spcBef>
+                <a:spcPts val="500"/>
+              </a:spcBef>
+              <a:buFont typeface="Arial" panose="020B0604020202020204" pitchFamily="34" charset="0"/>
+              <a:buChar char="•"/>
+              <a:defRPr sz="1800" kern="1200">
+                <a:solidFill>
+                  <a:schemeClr val="tx1"/>
+                </a:solidFill>
+                <a:latin typeface="+mn-lt"/>
+                <a:ea typeface="+mn-ea"/>
+                <a:cs typeface="+mn-cs"/>
+              </a:defRPr>
+            </a:lvl7pPr>
+            <a:lvl8pPr marL="3429000" indent="-228600" algn="l" defTabSz="914400" rtl="0" eaLnBrk="1" latinLnBrk="0" hangingPunct="1">
+              <a:lnSpc>
+                <a:spcPct val="90000"/>
+              </a:lnSpc>
+              <a:spcBef>
+                <a:spcPts val="500"/>
+              </a:spcBef>
+              <a:buFont typeface="Arial" panose="020B0604020202020204" pitchFamily="34" charset="0"/>
+              <a:buChar char="•"/>
+              <a:defRPr sz="1800" kern="1200">
+                <a:solidFill>
+                  <a:schemeClr val="tx1"/>
+                </a:solidFill>
+                <a:latin typeface="+mn-lt"/>
+                <a:ea typeface="+mn-ea"/>
+                <a:cs typeface="+mn-cs"/>
+              </a:defRPr>
+            </a:lvl8pPr>
+            <a:lvl9pPr marL="3886200" indent="-228600" algn="l" defTabSz="914400" rtl="0" eaLnBrk="1" latinLnBrk="0" hangingPunct="1">
+              <a:lnSpc>
+                <a:spcPct val="90000"/>
+              </a:lnSpc>
+              <a:spcBef>
+                <a:spcPts val="500"/>
+              </a:spcBef>
+              <a:buFont typeface="Arial" panose="020B0604020202020204" pitchFamily="34" charset="0"/>
+              <a:buChar char="•"/>
+              <a:defRPr sz="1800" kern="1200">
+                <a:solidFill>
+                  <a:schemeClr val="tx1"/>
+                </a:solidFill>
+                <a:latin typeface="+mn-lt"/>
+                <a:ea typeface="+mn-ea"/>
+                <a:cs typeface="+mn-cs"/>
+              </a:defRPr>
+            </a:lvl9pPr>
+          </a:lstStyle>
+          <a:p>
+            <a:pPr marL="0" indent="0">
+              <a:buNone/>
+            </a:pPr>
+            <a:r>
+              <a:rPr kumimoji="1" lang="zh-CN" altLang="en-US" b="1" dirty="0">
+                <a:solidFill>
+                  <a:schemeClr val="accent1">
+                    <a:lumMod val="75000"/>
+                  </a:schemeClr>
+                </a:solidFill>
+              </a:rPr>
+              <a:t>面向生活</a:t>
+            </a:r>
+          </a:p>
+        </p:txBody>
+      </p:sp>
+    </p:spTree>
+    <p:extLst>
+      <p:ext uri="{BB962C8B-B14F-4D97-AF65-F5344CB8AC3E}">
+        <p14:creationId xmlns:p14="http://schemas.microsoft.com/office/powerpoint/2010/main" val="2796870988"/>
+      </p:ext>
+    </p:extLst>
+  </p:cSld>
+  <p:clrMapOvr>
+    <a:masterClrMapping/>
+  </p:clrMapOvr>
+  <mc:AlternateContent xmlns:mc="http://schemas.openxmlformats.org/markup-compatibility/2006" xmlns:p14="http://schemas.microsoft.com/office/powerpoint/2010/main">
+    <mc:Choice Requires="p14">
+      <p:transition spd="med" p14:dur="700">
+        <p:fade/>
+      </p:transition>
+    </mc:Choice>
+    <mc:Fallback xmlns="">
+      <p:transition spd="med">
+        <p:fade/>
+      </p:transition>
+    </mc:Fallback>
+  </mc:AlternateContent>
+</p:sld>
+</file>
+
+<file path=ppt/slides/slide7.xml><?xml version="1.0" encoding="utf-8"?>
+<p:sld xmlns:a="http://schemas.openxmlformats.org/drawingml/2006/main" xmlns:r="http://schemas.openxmlformats.org/officeDocument/2006/relationships" xmlns:p="http://schemas.openxmlformats.org/presentationml/2006/main">
+  <p:cSld>
+    <p:spTree>
+      <p:nvGrpSpPr>
+        <p:cNvPr id="1" name=""/>
+        <p:cNvGrpSpPr/>
+        <p:nvPr/>
+      </p:nvGrpSpPr>
+      <p:grpSpPr>
+        <a:xfrm>
+          <a:off x="0" y="0"/>
+          <a:ext cx="0" cy="0"/>
+          <a:chOff x="0" y="0"/>
+          <a:chExt cx="0" cy="0"/>
+        </a:xfrm>
+      </p:grpSpPr>
+      <p:sp>
+        <p:nvSpPr>
           <p:cNvPr id="2" name="文本占位符 1">
             <a:extLst>
               <a:ext uri="{FF2B5EF4-FFF2-40B4-BE49-F238E27FC236}">
@@ -46216,7 +48115,7 @@
 </p:sld>
 </file>
 
-<file path=ppt/slides/slide7.xml><?xml version="1.0" encoding="utf-8"?>
+<file path=ppt/slides/slide8.xml><?xml version="1.0" encoding="utf-8"?>
 <p:sld xmlns:a="http://schemas.openxmlformats.org/drawingml/2006/main" xmlns:r="http://schemas.openxmlformats.org/officeDocument/2006/relationships" xmlns:p="http://schemas.openxmlformats.org/presentationml/2006/main">
   <p:cSld>
     <p:spTree>
@@ -46335,7 +48234,7 @@
 </p:sld>
 </file>
 
-<file path=ppt/slides/slide8.xml><?xml version="1.0" encoding="utf-8"?>
+<file path=ppt/slides/slide9.xml><?xml version="1.0" encoding="utf-8"?>
 <p:sld xmlns:a="http://schemas.openxmlformats.org/drawingml/2006/main" xmlns:r="http://schemas.openxmlformats.org/officeDocument/2006/relationships" xmlns:p="http://schemas.openxmlformats.org/presentationml/2006/main">
   <p:cSld>
     <p:spTree>
@@ -47352,776 +49251,6 @@
     <p:extLst>
       <p:ext uri="{BB962C8B-B14F-4D97-AF65-F5344CB8AC3E}">
         <p14:creationId xmlns:p14="http://schemas.microsoft.com/office/powerpoint/2010/main" val="861798817"/>
-      </p:ext>
-    </p:extLst>
-  </p:cSld>
-  <p:clrMapOvr>
-    <a:masterClrMapping/>
-  </p:clrMapOvr>
-  <mc:AlternateContent xmlns:mc="http://schemas.openxmlformats.org/markup-compatibility/2006" xmlns:p14="http://schemas.microsoft.com/office/powerpoint/2010/main">
-    <mc:Choice Requires="p14">
-      <p:transition spd="med" p14:dur="700">
-        <p:fade/>
-      </p:transition>
-    </mc:Choice>
-    <mc:Fallback xmlns="">
-      <p:transition spd="med">
-        <p:fade/>
-      </p:transition>
-    </mc:Fallback>
-  </mc:AlternateContent>
-</p:sld>
-</file>
-
-<file path=ppt/slides/slide9.xml><?xml version="1.0" encoding="utf-8"?>
-<p:sld xmlns:a="http://schemas.openxmlformats.org/drawingml/2006/main" xmlns:r="http://schemas.openxmlformats.org/officeDocument/2006/relationships" xmlns:p="http://schemas.openxmlformats.org/presentationml/2006/main">
-  <p:cSld>
-    <p:spTree>
-      <p:nvGrpSpPr>
-        <p:cNvPr id="1" name=""/>
-        <p:cNvGrpSpPr/>
-        <p:nvPr/>
-      </p:nvGrpSpPr>
-      <p:grpSpPr>
-        <a:xfrm>
-          <a:off x="0" y="0"/>
-          <a:ext cx="0" cy="0"/>
-          <a:chOff x="0" y="0"/>
-          <a:chExt cx="0" cy="0"/>
-        </a:xfrm>
-      </p:grpSpPr>
-      <p:sp>
-        <p:nvSpPr>
-          <p:cNvPr id="2" name="文本占位符 1"/>
-          <p:cNvSpPr>
-            <a:spLocks noGrp="1"/>
-          </p:cNvSpPr>
-          <p:nvPr>
-            <p:ph type="body" sz="quarter" idx="10"/>
-          </p:nvPr>
-        </p:nvSpPr>
-        <p:spPr/>
-        <p:txBody>
-          <a:bodyPr/>
-          <a:lstStyle/>
-          <a:p>
-            <a:r>
-              <a:rPr kumimoji="1" lang="en-US" altLang="zh-CN" dirty="0"/>
-              <a:t>02</a:t>
-            </a:r>
-            <a:r>
-              <a:rPr kumimoji="1" lang="zh-CN" altLang="en-US" dirty="0"/>
-              <a:t> 作品概述</a:t>
-            </a:r>
-          </a:p>
-        </p:txBody>
-      </p:sp>
-      <p:sp>
-        <p:nvSpPr>
-          <p:cNvPr id="9" name="矩形 8"/>
-          <p:cNvSpPr/>
-          <p:nvPr/>
-        </p:nvSpPr>
-        <p:spPr>
-          <a:xfrm flipV="1">
-            <a:off x="7060855" y="1759156"/>
-            <a:ext cx="765739" cy="45719"/>
-          </a:xfrm>
-          <a:prstGeom prst="rect">
-            <a:avLst/>
-          </a:prstGeom>
-          <a:solidFill>
-            <a:schemeClr val="accent2">
-              <a:lumMod val="75000"/>
-            </a:schemeClr>
-          </a:solidFill>
-          <a:ln>
-            <a:noFill/>
-          </a:ln>
-        </p:spPr>
-        <p:style>
-          <a:lnRef idx="2">
-            <a:schemeClr val="accent1">
-              <a:shade val="50000"/>
-            </a:schemeClr>
-          </a:lnRef>
-          <a:fillRef idx="1">
-            <a:schemeClr val="accent1"/>
-          </a:fillRef>
-          <a:effectRef idx="0">
-            <a:schemeClr val="accent1"/>
-          </a:effectRef>
-          <a:fontRef idx="minor">
-            <a:schemeClr val="lt1"/>
-          </a:fontRef>
-        </p:style>
-        <p:txBody>
-          <a:bodyPr rtlCol="0" anchor="ctr"/>
-          <a:lstStyle/>
-          <a:p>
-            <a:pPr algn="ctr"/>
-            <a:endParaRPr kumimoji="1" lang="zh-CN" altLang="en-US"/>
-          </a:p>
-        </p:txBody>
-      </p:sp>
-      <p:sp>
-        <p:nvSpPr>
-          <p:cNvPr id="10" name="文本框 8"/>
-          <p:cNvSpPr txBox="1"/>
-          <p:nvPr/>
-        </p:nvSpPr>
-        <p:spPr>
-          <a:xfrm>
-            <a:off x="7816697" y="2251599"/>
-            <a:ext cx="2517668" cy="1292662"/>
-          </a:xfrm>
-          <a:prstGeom prst="rect">
-            <a:avLst/>
-          </a:prstGeom>
-          <a:noFill/>
-        </p:spPr>
-        <p:txBody>
-          <a:bodyPr wrap="square" rtlCol="0">
-            <a:spAutoFit/>
-          </a:bodyPr>
-          <a:lstStyle>
-            <a:defPPr>
-              <a:defRPr lang="zh-CN"/>
-            </a:defPPr>
-            <a:lvl1pPr marL="0" algn="l" defTabSz="914400" rtl="0" eaLnBrk="1" latinLnBrk="0" hangingPunct="1">
-              <a:defRPr sz="1800" kern="1200">
-                <a:solidFill>
-                  <a:schemeClr val="tx1"/>
-                </a:solidFill>
-                <a:latin typeface="+mn-lt"/>
-                <a:ea typeface="+mn-ea"/>
-                <a:cs typeface="+mn-cs"/>
-              </a:defRPr>
-            </a:lvl1pPr>
-            <a:lvl2pPr marL="457200" algn="l" defTabSz="914400" rtl="0" eaLnBrk="1" latinLnBrk="0" hangingPunct="1">
-              <a:defRPr sz="1800" kern="1200">
-                <a:solidFill>
-                  <a:schemeClr val="tx1"/>
-                </a:solidFill>
-                <a:latin typeface="+mn-lt"/>
-                <a:ea typeface="+mn-ea"/>
-                <a:cs typeface="+mn-cs"/>
-              </a:defRPr>
-            </a:lvl2pPr>
-            <a:lvl3pPr marL="914400" algn="l" defTabSz="914400" rtl="0" eaLnBrk="1" latinLnBrk="0" hangingPunct="1">
-              <a:defRPr sz="1800" kern="1200">
-                <a:solidFill>
-                  <a:schemeClr val="tx1"/>
-                </a:solidFill>
-                <a:latin typeface="+mn-lt"/>
-                <a:ea typeface="+mn-ea"/>
-                <a:cs typeface="+mn-cs"/>
-              </a:defRPr>
-            </a:lvl3pPr>
-            <a:lvl4pPr marL="1371600" algn="l" defTabSz="914400" rtl="0" eaLnBrk="1" latinLnBrk="0" hangingPunct="1">
-              <a:defRPr sz="1800" kern="1200">
-                <a:solidFill>
-                  <a:schemeClr val="tx1"/>
-                </a:solidFill>
-                <a:latin typeface="+mn-lt"/>
-                <a:ea typeface="+mn-ea"/>
-                <a:cs typeface="+mn-cs"/>
-              </a:defRPr>
-            </a:lvl4pPr>
-            <a:lvl5pPr marL="1828800" algn="l" defTabSz="914400" rtl="0" eaLnBrk="1" latinLnBrk="0" hangingPunct="1">
-              <a:defRPr sz="1800" kern="1200">
-                <a:solidFill>
-                  <a:schemeClr val="tx1"/>
-                </a:solidFill>
-                <a:latin typeface="+mn-lt"/>
-                <a:ea typeface="+mn-ea"/>
-                <a:cs typeface="+mn-cs"/>
-              </a:defRPr>
-            </a:lvl5pPr>
-            <a:lvl6pPr marL="2286000" algn="l" defTabSz="914400" rtl="0" eaLnBrk="1" latinLnBrk="0" hangingPunct="1">
-              <a:defRPr sz="1800" kern="1200">
-                <a:solidFill>
-                  <a:schemeClr val="tx1"/>
-                </a:solidFill>
-                <a:latin typeface="+mn-lt"/>
-                <a:ea typeface="+mn-ea"/>
-                <a:cs typeface="+mn-cs"/>
-              </a:defRPr>
-            </a:lvl6pPr>
-            <a:lvl7pPr marL="2743200" algn="l" defTabSz="914400" rtl="0" eaLnBrk="1" latinLnBrk="0" hangingPunct="1">
-              <a:defRPr sz="1800" kern="1200">
-                <a:solidFill>
-                  <a:schemeClr val="tx1"/>
-                </a:solidFill>
-                <a:latin typeface="+mn-lt"/>
-                <a:ea typeface="+mn-ea"/>
-                <a:cs typeface="+mn-cs"/>
-              </a:defRPr>
-            </a:lvl7pPr>
-            <a:lvl8pPr marL="3200400" algn="l" defTabSz="914400" rtl="0" eaLnBrk="1" latinLnBrk="0" hangingPunct="1">
-              <a:defRPr sz="1800" kern="1200">
-                <a:solidFill>
-                  <a:schemeClr val="tx1"/>
-                </a:solidFill>
-                <a:latin typeface="+mn-lt"/>
-                <a:ea typeface="+mn-ea"/>
-                <a:cs typeface="+mn-cs"/>
-              </a:defRPr>
-            </a:lvl8pPr>
-            <a:lvl9pPr marL="3657600" algn="l" defTabSz="914400" rtl="0" eaLnBrk="1" latinLnBrk="0" hangingPunct="1">
-              <a:defRPr sz="1800" kern="1200">
-                <a:solidFill>
-                  <a:schemeClr val="tx1"/>
-                </a:solidFill>
-                <a:latin typeface="+mn-lt"/>
-                <a:ea typeface="+mn-ea"/>
-                <a:cs typeface="+mn-cs"/>
-              </a:defRPr>
-            </a:lvl9pPr>
-          </a:lstStyle>
-          <a:p>
-            <a:pPr>
-              <a:lnSpc>
-                <a:spcPct val="130000"/>
-              </a:lnSpc>
-            </a:pPr>
-            <a:r>
-              <a:rPr lang="zh-CN" altLang="en-US" sz="1200" dirty="0">
-                <a:solidFill>
-                  <a:schemeClr val="tx1">
-                    <a:lumMod val="75000"/>
-                    <a:lumOff val="25000"/>
-                  </a:schemeClr>
-                </a:solidFill>
-                <a:latin typeface="+mn-ea"/>
-              </a:rPr>
-              <a:t>标题数字等都可以通过点击和重新输入进行更改，顶部“开始”面板中可以对字体、字号、颜色、行距等进行修改。建议正文</a:t>
-            </a:r>
-            <a:r>
-              <a:rPr lang="en-US" altLang="zh-CN" sz="1200" dirty="0">
-                <a:solidFill>
-                  <a:schemeClr val="tx1">
-                    <a:lumMod val="75000"/>
-                    <a:lumOff val="25000"/>
-                  </a:schemeClr>
-                </a:solidFill>
-                <a:latin typeface="+mn-ea"/>
-              </a:rPr>
-              <a:t>8-14</a:t>
-            </a:r>
-            <a:r>
-              <a:rPr lang="zh-CN" altLang="en-US" sz="1200" dirty="0">
-                <a:solidFill>
-                  <a:schemeClr val="tx1">
-                    <a:lumMod val="75000"/>
-                    <a:lumOff val="25000"/>
-                  </a:schemeClr>
-                </a:solidFill>
-                <a:latin typeface="+mn-ea"/>
-              </a:rPr>
-              <a:t>号字，</a:t>
-            </a:r>
-            <a:r>
-              <a:rPr lang="en-US" altLang="zh-CN" sz="1200" dirty="0">
-                <a:solidFill>
-                  <a:schemeClr val="tx1">
-                    <a:lumMod val="75000"/>
-                    <a:lumOff val="25000"/>
-                  </a:schemeClr>
-                </a:solidFill>
-                <a:latin typeface="+mn-ea"/>
-              </a:rPr>
-              <a:t>1.3</a:t>
-            </a:r>
-            <a:r>
-              <a:rPr lang="zh-CN" altLang="en-US" sz="1200" dirty="0">
-                <a:solidFill>
-                  <a:schemeClr val="tx1">
-                    <a:lumMod val="75000"/>
-                    <a:lumOff val="25000"/>
-                  </a:schemeClr>
-                </a:solidFill>
-                <a:latin typeface="+mn-ea"/>
-              </a:rPr>
-              <a:t>倍字间距。</a:t>
-            </a:r>
-          </a:p>
-        </p:txBody>
-      </p:sp>
-      <p:sp>
-        <p:nvSpPr>
-          <p:cNvPr id="11" name="矩形 10"/>
-          <p:cNvSpPr/>
-          <p:nvPr/>
-        </p:nvSpPr>
-        <p:spPr>
-          <a:xfrm>
-            <a:off x="7872924" y="1804317"/>
-            <a:ext cx="2236510" cy="492443"/>
-          </a:xfrm>
-          <a:prstGeom prst="rect">
-            <a:avLst/>
-          </a:prstGeom>
-        </p:spPr>
-        <p:txBody>
-          <a:bodyPr wrap="none">
-            <a:spAutoFit/>
-          </a:bodyPr>
-          <a:lstStyle/>
-          <a:p>
-            <a:pPr lvl="0">
-              <a:lnSpc>
-                <a:spcPct val="130000"/>
-              </a:lnSpc>
-            </a:pPr>
-            <a:r>
-              <a:rPr lang="zh-CN" altLang="en-US" sz="2000" b="1" dirty="0">
-                <a:solidFill>
-                  <a:schemeClr val="accent2">
-                    <a:lumMod val="75000"/>
-                  </a:schemeClr>
-                </a:solidFill>
-              </a:rPr>
-              <a:t>点击此处添加标题</a:t>
-            </a:r>
-            <a:endParaRPr lang="en-US" altLang="zh-CN" sz="2000" b="1" dirty="0">
-              <a:solidFill>
-                <a:schemeClr val="accent2">
-                  <a:lumMod val="75000"/>
-                </a:schemeClr>
-              </a:solidFill>
-            </a:endParaRPr>
-          </a:p>
-        </p:txBody>
-      </p:sp>
-      <p:sp>
-        <p:nvSpPr>
-          <p:cNvPr id="12" name="矩形 11"/>
-          <p:cNvSpPr/>
-          <p:nvPr/>
-        </p:nvSpPr>
-        <p:spPr>
-          <a:xfrm>
-            <a:off x="7000448" y="1759156"/>
-            <a:ext cx="816249" cy="892552"/>
-          </a:xfrm>
-          <a:prstGeom prst="rect">
-            <a:avLst/>
-          </a:prstGeom>
-        </p:spPr>
-        <p:txBody>
-          <a:bodyPr wrap="none">
-            <a:spAutoFit/>
-          </a:bodyPr>
-          <a:lstStyle/>
-          <a:p>
-            <a:pPr lvl="0">
-              <a:lnSpc>
-                <a:spcPct val="130000"/>
-              </a:lnSpc>
-            </a:pPr>
-            <a:r>
-              <a:rPr lang="en-US" altLang="zh-CN" sz="4000" b="1">
-                <a:solidFill>
-                  <a:schemeClr val="accent2">
-                    <a:lumMod val="75000"/>
-                  </a:schemeClr>
-                </a:solidFill>
-              </a:rPr>
-              <a:t>01</a:t>
-            </a:r>
-            <a:endParaRPr lang="en-US" altLang="zh-CN" sz="4000" b="1" dirty="0">
-              <a:solidFill>
-                <a:schemeClr val="accent2">
-                  <a:lumMod val="75000"/>
-                </a:schemeClr>
-              </a:solidFill>
-            </a:endParaRPr>
-          </a:p>
-        </p:txBody>
-      </p:sp>
-      <p:sp>
-        <p:nvSpPr>
-          <p:cNvPr id="13" name="矩形 12"/>
-          <p:cNvSpPr/>
-          <p:nvPr/>
-        </p:nvSpPr>
-        <p:spPr>
-          <a:xfrm flipV="1">
-            <a:off x="7117082" y="3990985"/>
-            <a:ext cx="765739" cy="45719"/>
-          </a:xfrm>
-          <a:prstGeom prst="rect">
-            <a:avLst/>
-          </a:prstGeom>
-          <a:solidFill>
-            <a:schemeClr val="accent2"/>
-          </a:solidFill>
-          <a:ln>
-            <a:noFill/>
-          </a:ln>
-        </p:spPr>
-        <p:style>
-          <a:lnRef idx="2">
-            <a:schemeClr val="accent1">
-              <a:shade val="50000"/>
-            </a:schemeClr>
-          </a:lnRef>
-          <a:fillRef idx="1">
-            <a:schemeClr val="accent1"/>
-          </a:fillRef>
-          <a:effectRef idx="0">
-            <a:schemeClr val="accent1"/>
-          </a:effectRef>
-          <a:fontRef idx="minor">
-            <a:schemeClr val="lt1"/>
-          </a:fontRef>
-        </p:style>
-        <p:txBody>
-          <a:bodyPr rtlCol="0" anchor="ctr"/>
-          <a:lstStyle/>
-          <a:p>
-            <a:pPr algn="ctr"/>
-            <a:endParaRPr kumimoji="1" lang="zh-CN" altLang="en-US"/>
-          </a:p>
-        </p:txBody>
-      </p:sp>
-      <p:sp>
-        <p:nvSpPr>
-          <p:cNvPr id="14" name="文本框 8"/>
-          <p:cNvSpPr txBox="1"/>
-          <p:nvPr/>
-        </p:nvSpPr>
-        <p:spPr>
-          <a:xfrm>
-            <a:off x="7872924" y="4483428"/>
-            <a:ext cx="2517668" cy="1292662"/>
-          </a:xfrm>
-          <a:prstGeom prst="rect">
-            <a:avLst/>
-          </a:prstGeom>
-          <a:noFill/>
-        </p:spPr>
-        <p:txBody>
-          <a:bodyPr wrap="square" rtlCol="0">
-            <a:spAutoFit/>
-          </a:bodyPr>
-          <a:lstStyle>
-            <a:defPPr>
-              <a:defRPr lang="zh-CN"/>
-            </a:defPPr>
-            <a:lvl1pPr marL="0" algn="l" defTabSz="914400" rtl="0" eaLnBrk="1" latinLnBrk="0" hangingPunct="1">
-              <a:defRPr sz="1800" kern="1200">
-                <a:solidFill>
-                  <a:schemeClr val="tx1"/>
-                </a:solidFill>
-                <a:latin typeface="+mn-lt"/>
-                <a:ea typeface="+mn-ea"/>
-                <a:cs typeface="+mn-cs"/>
-              </a:defRPr>
-            </a:lvl1pPr>
-            <a:lvl2pPr marL="457200" algn="l" defTabSz="914400" rtl="0" eaLnBrk="1" latinLnBrk="0" hangingPunct="1">
-              <a:defRPr sz="1800" kern="1200">
-                <a:solidFill>
-                  <a:schemeClr val="tx1"/>
-                </a:solidFill>
-                <a:latin typeface="+mn-lt"/>
-                <a:ea typeface="+mn-ea"/>
-                <a:cs typeface="+mn-cs"/>
-              </a:defRPr>
-            </a:lvl2pPr>
-            <a:lvl3pPr marL="914400" algn="l" defTabSz="914400" rtl="0" eaLnBrk="1" latinLnBrk="0" hangingPunct="1">
-              <a:defRPr sz="1800" kern="1200">
-                <a:solidFill>
-                  <a:schemeClr val="tx1"/>
-                </a:solidFill>
-                <a:latin typeface="+mn-lt"/>
-                <a:ea typeface="+mn-ea"/>
-                <a:cs typeface="+mn-cs"/>
-              </a:defRPr>
-            </a:lvl3pPr>
-            <a:lvl4pPr marL="1371600" algn="l" defTabSz="914400" rtl="0" eaLnBrk="1" latinLnBrk="0" hangingPunct="1">
-              <a:defRPr sz="1800" kern="1200">
-                <a:solidFill>
-                  <a:schemeClr val="tx1"/>
-                </a:solidFill>
-                <a:latin typeface="+mn-lt"/>
-                <a:ea typeface="+mn-ea"/>
-                <a:cs typeface="+mn-cs"/>
-              </a:defRPr>
-            </a:lvl4pPr>
-            <a:lvl5pPr marL="1828800" algn="l" defTabSz="914400" rtl="0" eaLnBrk="1" latinLnBrk="0" hangingPunct="1">
-              <a:defRPr sz="1800" kern="1200">
-                <a:solidFill>
-                  <a:schemeClr val="tx1"/>
-                </a:solidFill>
-                <a:latin typeface="+mn-lt"/>
-                <a:ea typeface="+mn-ea"/>
-                <a:cs typeface="+mn-cs"/>
-              </a:defRPr>
-            </a:lvl5pPr>
-            <a:lvl6pPr marL="2286000" algn="l" defTabSz="914400" rtl="0" eaLnBrk="1" latinLnBrk="0" hangingPunct="1">
-              <a:defRPr sz="1800" kern="1200">
-                <a:solidFill>
-                  <a:schemeClr val="tx1"/>
-                </a:solidFill>
-                <a:latin typeface="+mn-lt"/>
-                <a:ea typeface="+mn-ea"/>
-                <a:cs typeface="+mn-cs"/>
-              </a:defRPr>
-            </a:lvl6pPr>
-            <a:lvl7pPr marL="2743200" algn="l" defTabSz="914400" rtl="0" eaLnBrk="1" latinLnBrk="0" hangingPunct="1">
-              <a:defRPr sz="1800" kern="1200">
-                <a:solidFill>
-                  <a:schemeClr val="tx1"/>
-                </a:solidFill>
-                <a:latin typeface="+mn-lt"/>
-                <a:ea typeface="+mn-ea"/>
-                <a:cs typeface="+mn-cs"/>
-              </a:defRPr>
-            </a:lvl7pPr>
-            <a:lvl8pPr marL="3200400" algn="l" defTabSz="914400" rtl="0" eaLnBrk="1" latinLnBrk="0" hangingPunct="1">
-              <a:defRPr sz="1800" kern="1200">
-                <a:solidFill>
-                  <a:schemeClr val="tx1"/>
-                </a:solidFill>
-                <a:latin typeface="+mn-lt"/>
-                <a:ea typeface="+mn-ea"/>
-                <a:cs typeface="+mn-cs"/>
-              </a:defRPr>
-            </a:lvl8pPr>
-            <a:lvl9pPr marL="3657600" algn="l" defTabSz="914400" rtl="0" eaLnBrk="1" latinLnBrk="0" hangingPunct="1">
-              <a:defRPr sz="1800" kern="1200">
-                <a:solidFill>
-                  <a:schemeClr val="tx1"/>
-                </a:solidFill>
-                <a:latin typeface="+mn-lt"/>
-                <a:ea typeface="+mn-ea"/>
-                <a:cs typeface="+mn-cs"/>
-              </a:defRPr>
-            </a:lvl9pPr>
-          </a:lstStyle>
-          <a:p>
-            <a:pPr>
-              <a:lnSpc>
-                <a:spcPct val="130000"/>
-              </a:lnSpc>
-            </a:pPr>
-            <a:r>
-              <a:rPr lang="zh-CN" altLang="en-US" sz="1200" dirty="0">
-                <a:solidFill>
-                  <a:schemeClr val="tx1">
-                    <a:lumMod val="75000"/>
-                    <a:lumOff val="25000"/>
-                  </a:schemeClr>
-                </a:solidFill>
-                <a:latin typeface="+mn-ea"/>
-              </a:rPr>
-              <a:t>标题数字等都可以通过点击和重新输入进行更改，顶部“开始”面板中可以对字体、字号、颜色、行距等进行修改。建议正文</a:t>
-            </a:r>
-            <a:r>
-              <a:rPr lang="en-US" altLang="zh-CN" sz="1200" dirty="0">
-                <a:solidFill>
-                  <a:schemeClr val="tx1">
-                    <a:lumMod val="75000"/>
-                    <a:lumOff val="25000"/>
-                  </a:schemeClr>
-                </a:solidFill>
-                <a:latin typeface="+mn-ea"/>
-              </a:rPr>
-              <a:t>8-14</a:t>
-            </a:r>
-            <a:r>
-              <a:rPr lang="zh-CN" altLang="en-US" sz="1200" dirty="0">
-                <a:solidFill>
-                  <a:schemeClr val="tx1">
-                    <a:lumMod val="75000"/>
-                    <a:lumOff val="25000"/>
-                  </a:schemeClr>
-                </a:solidFill>
-                <a:latin typeface="+mn-ea"/>
-              </a:rPr>
-              <a:t>号字，</a:t>
-            </a:r>
-            <a:r>
-              <a:rPr lang="en-US" altLang="zh-CN" sz="1200" dirty="0">
-                <a:solidFill>
-                  <a:schemeClr val="tx1">
-                    <a:lumMod val="75000"/>
-                    <a:lumOff val="25000"/>
-                  </a:schemeClr>
-                </a:solidFill>
-                <a:latin typeface="+mn-ea"/>
-              </a:rPr>
-              <a:t>1.3</a:t>
-            </a:r>
-            <a:r>
-              <a:rPr lang="zh-CN" altLang="en-US" sz="1200" dirty="0">
-                <a:solidFill>
-                  <a:schemeClr val="tx1">
-                    <a:lumMod val="75000"/>
-                    <a:lumOff val="25000"/>
-                  </a:schemeClr>
-                </a:solidFill>
-                <a:latin typeface="+mn-ea"/>
-              </a:rPr>
-              <a:t>倍字间距。</a:t>
-            </a:r>
-          </a:p>
-        </p:txBody>
-      </p:sp>
-      <p:sp>
-        <p:nvSpPr>
-          <p:cNvPr id="15" name="矩形 14"/>
-          <p:cNvSpPr/>
-          <p:nvPr/>
-        </p:nvSpPr>
-        <p:spPr>
-          <a:xfrm>
-            <a:off x="7929151" y="4036146"/>
-            <a:ext cx="2236510" cy="492443"/>
-          </a:xfrm>
-          <a:prstGeom prst="rect">
-            <a:avLst/>
-          </a:prstGeom>
-        </p:spPr>
-        <p:txBody>
-          <a:bodyPr wrap="none">
-            <a:spAutoFit/>
-          </a:bodyPr>
-          <a:lstStyle/>
-          <a:p>
-            <a:pPr lvl="0">
-              <a:lnSpc>
-                <a:spcPct val="130000"/>
-              </a:lnSpc>
-            </a:pPr>
-            <a:r>
-              <a:rPr lang="zh-CN" altLang="en-US" sz="2000" b="1" dirty="0">
-                <a:solidFill>
-                  <a:schemeClr val="accent2"/>
-                </a:solidFill>
-              </a:rPr>
-              <a:t>点击此处添加标题</a:t>
-            </a:r>
-            <a:endParaRPr lang="en-US" altLang="zh-CN" sz="2000" b="1" dirty="0">
-              <a:solidFill>
-                <a:schemeClr val="accent2"/>
-              </a:solidFill>
-            </a:endParaRPr>
-          </a:p>
-        </p:txBody>
-      </p:sp>
-      <p:sp>
-        <p:nvSpPr>
-          <p:cNvPr id="16" name="矩形 15"/>
-          <p:cNvSpPr/>
-          <p:nvPr/>
-        </p:nvSpPr>
-        <p:spPr>
-          <a:xfrm>
-            <a:off x="7056675" y="3990985"/>
-            <a:ext cx="816249" cy="892552"/>
-          </a:xfrm>
-          <a:prstGeom prst="rect">
-            <a:avLst/>
-          </a:prstGeom>
-        </p:spPr>
-        <p:txBody>
-          <a:bodyPr wrap="none">
-            <a:spAutoFit/>
-          </a:bodyPr>
-          <a:lstStyle/>
-          <a:p>
-            <a:pPr lvl="0">
-              <a:lnSpc>
-                <a:spcPct val="130000"/>
-              </a:lnSpc>
-            </a:pPr>
-            <a:r>
-              <a:rPr lang="en-US" altLang="zh-CN" sz="4000" b="1" dirty="0">
-                <a:solidFill>
-                  <a:schemeClr val="accent2"/>
-                </a:solidFill>
-              </a:rPr>
-              <a:t>02</a:t>
-            </a:r>
-          </a:p>
-        </p:txBody>
-      </p:sp>
-      <p:pic>
-        <p:nvPicPr>
-          <p:cNvPr id="17" name="图片 16"/>
-          <p:cNvPicPr>
-            <a:picLocks noChangeAspect="1"/>
-          </p:cNvPicPr>
-          <p:nvPr/>
-        </p:nvPicPr>
-        <p:blipFill>
-          <a:blip r:embed="rId2"/>
-          <a:stretch>
-            <a:fillRect/>
-          </a:stretch>
-        </p:blipFill>
-        <p:spPr>
-          <a:xfrm>
-            <a:off x="947792" y="1759156"/>
-            <a:ext cx="5232670" cy="2941940"/>
-          </a:xfrm>
-          <a:prstGeom prst="roundRect">
-            <a:avLst>
-              <a:gd name="adj" fmla="val 2368"/>
-            </a:avLst>
-          </a:prstGeom>
-          <a:solidFill>
-            <a:srgbClr val="FFFFFF">
-              <a:shade val="85000"/>
-            </a:srgbClr>
-          </a:solidFill>
-          <a:ln>
-            <a:noFill/>
-          </a:ln>
-          <a:effectLst>
-            <a:reflection blurRad="12700" stA="38000" endPos="28000" dist="5000" dir="5400000" sy="-100000" algn="bl" rotWithShape="0"/>
-          </a:effectLst>
-        </p:spPr>
-      </p:pic>
-      <p:pic>
-        <p:nvPicPr>
-          <p:cNvPr id="18" name="图片 17">
-            <a:hlinkClick r:id="rId3"/>
-          </p:cNvPr>
-          <p:cNvPicPr>
-            <a:picLocks noChangeAspect="1"/>
-          </p:cNvPicPr>
-          <p:nvPr/>
-        </p:nvPicPr>
-        <p:blipFill>
-          <a:blip r:embed="rId4">
-            <a:extLst>
-              <a:ext uri="{28A0092B-C50C-407E-A947-70E740481C1C}">
-                <a14:useLocalDpi xmlns:a14="http://schemas.microsoft.com/office/drawing/2010/main" val="0"/>
-              </a:ext>
-            </a:extLst>
-          </a:blip>
-          <a:stretch>
-            <a:fillRect/>
-          </a:stretch>
-        </p:blipFill>
-        <p:spPr>
-          <a:xfrm>
-            <a:off x="9920574" y="450314"/>
-            <a:ext cx="1828800" cy="243840"/>
-          </a:xfrm>
-          <a:prstGeom prst="rect">
-            <a:avLst/>
-          </a:prstGeom>
-        </p:spPr>
-      </p:pic>
-    </p:spTree>
-    <p:extLst>
-      <p:ext uri="{BB962C8B-B14F-4D97-AF65-F5344CB8AC3E}">
-        <p14:creationId xmlns:p14="http://schemas.microsoft.com/office/powerpoint/2010/main" val="1206266994"/>
       </p:ext>
     </p:extLst>
   </p:cSld>

--- a/MSDNHome.pptx
+++ b/MSDNHome.pptx
@@ -11,8 +11,8 @@
     <p:sldId id="259" r:id="rId5"/>
     <p:sldId id="260" r:id="rId6"/>
     <p:sldId id="286" r:id="rId7"/>
-    <p:sldId id="288" r:id="rId8"/>
-    <p:sldId id="287" r:id="rId9"/>
+    <p:sldId id="287" r:id="rId8"/>
+    <p:sldId id="288" r:id="rId9"/>
     <p:sldId id="265" r:id="rId10"/>
     <p:sldId id="266" r:id="rId11"/>
     <p:sldId id="267" r:id="rId12"/>
@@ -137,6 +137,930 @@
     </p:ext>
   </p:extLst>
 </p:presentation>
+</file>
+
+<file path=ppt/charts/chart1.xml><?xml version="1.0" encoding="utf-8"?>
+<c:chartSpace xmlns:c="http://schemas.openxmlformats.org/drawingml/2006/chart" xmlns:a="http://schemas.openxmlformats.org/drawingml/2006/main" xmlns:r="http://schemas.openxmlformats.org/officeDocument/2006/relationships" xmlns:c16r2="http://schemas.microsoft.com/office/drawing/2015/06/chart">
+  <c:date1904 val="0"/>
+  <c:lang val="zh-CN"/>
+  <c:roundedCorners val="0"/>
+  <mc:AlternateContent xmlns:mc="http://schemas.openxmlformats.org/markup-compatibility/2006">
+    <mc:Choice xmlns:c14="http://schemas.microsoft.com/office/drawing/2007/8/2/chart" Requires="c14">
+      <c14:style val="102"/>
+    </mc:Choice>
+    <mc:Fallback>
+      <c:style val="2"/>
+    </mc:Fallback>
+  </mc:AlternateContent>
+  <c:chart>
+    <c:title>
+      <c:overlay val="0"/>
+      <c:spPr>
+        <a:noFill/>
+        <a:ln>
+          <a:noFill/>
+        </a:ln>
+        <a:effectLst/>
+      </c:spPr>
+      <c:txPr>
+        <a:bodyPr rot="0" spcFirstLastPara="1" vertOverflow="ellipsis" vert="horz" wrap="square" anchor="ctr" anchorCtr="1"/>
+        <a:lstStyle/>
+        <a:p>
+          <a:pPr>
+            <a:defRPr sz="1862" b="0" i="0" u="none" strike="noStrike" kern="1200" spc="0" baseline="0">
+              <a:solidFill>
+                <a:schemeClr val="tx1">
+                  <a:lumMod val="65000"/>
+                  <a:lumOff val="35000"/>
+                </a:schemeClr>
+              </a:solidFill>
+              <a:latin typeface="+mn-lt"/>
+              <a:ea typeface="+mn-ea"/>
+              <a:cs typeface="+mn-cs"/>
+            </a:defRPr>
+          </a:pPr>
+          <a:endParaRPr lang="zh-CN"/>
+        </a:p>
+      </c:txPr>
+    </c:title>
+    <c:autoTitleDeleted val="0"/>
+    <c:plotArea>
+      <c:layout/>
+      <c:lineChart>
+        <c:grouping val="standard"/>
+        <c:varyColors val="0"/>
+        <c:ser>
+          <c:idx val="0"/>
+          <c:order val="0"/>
+          <c:tx>
+            <c:strRef>
+              <c:f>Sheet1!$A$1</c:f>
+              <c:strCache>
+                <c:ptCount val="1"/>
+                <c:pt idx="0">
+                  <c:v>温度</c:v>
+                </c:pt>
+              </c:strCache>
+            </c:strRef>
+          </c:tx>
+          <c:spPr>
+            <a:ln w="28575" cap="rnd">
+              <a:solidFill>
+                <a:schemeClr val="accent1"/>
+              </a:solidFill>
+              <a:round/>
+            </a:ln>
+            <a:effectLst/>
+          </c:spPr>
+          <c:marker>
+            <c:symbol val="circle"/>
+            <c:size val="5"/>
+            <c:spPr>
+              <a:solidFill>
+                <a:schemeClr val="accent1"/>
+              </a:solidFill>
+              <a:ln w="9525">
+                <a:solidFill>
+                  <a:schemeClr val="accent1"/>
+                </a:solidFill>
+              </a:ln>
+              <a:effectLst/>
+            </c:spPr>
+          </c:marker>
+          <c:val>
+            <c:numRef>
+              <c:f>Sheet1!$A$2:$A$6</c:f>
+              <c:numCache>
+                <c:formatCode>General</c:formatCode>
+                <c:ptCount val="5"/>
+                <c:pt idx="0">
+                  <c:v>4.3</c:v>
+                </c:pt>
+                <c:pt idx="1">
+                  <c:v>2.5</c:v>
+                </c:pt>
+                <c:pt idx="2">
+                  <c:v>3.5</c:v>
+                </c:pt>
+                <c:pt idx="3">
+                  <c:v>4.5</c:v>
+                </c:pt>
+                <c:pt idx="4">
+                  <c:v>4.7</c:v>
+                </c:pt>
+              </c:numCache>
+            </c:numRef>
+          </c:val>
+          <c:smooth val="0"/>
+          <c:extLst>
+            <c:ext xmlns:c16="http://schemas.microsoft.com/office/drawing/2014/chart" uri="{C3380CC4-5D6E-409C-BE32-E72D297353CC}">
+              <c16:uniqueId val="{00000000-0D83-4977-ADC2-6447DA921B2D}"/>
+            </c:ext>
+          </c:extLst>
+        </c:ser>
+        <c:ser>
+          <c:idx val="1"/>
+          <c:order val="1"/>
+          <c:tx>
+            <c:strRef>
+              <c:f>Sheet1!$B$1</c:f>
+              <c:strCache>
+                <c:ptCount val="1"/>
+                <c:pt idx="0">
+                  <c:v>湿度</c:v>
+                </c:pt>
+              </c:strCache>
+            </c:strRef>
+          </c:tx>
+          <c:spPr>
+            <a:ln w="28575" cap="rnd">
+              <a:solidFill>
+                <a:schemeClr val="accent2"/>
+              </a:solidFill>
+              <a:round/>
+            </a:ln>
+            <a:effectLst/>
+          </c:spPr>
+          <c:marker>
+            <c:symbol val="circle"/>
+            <c:size val="5"/>
+            <c:spPr>
+              <a:solidFill>
+                <a:schemeClr val="accent2"/>
+              </a:solidFill>
+              <a:ln w="9525">
+                <a:solidFill>
+                  <a:schemeClr val="accent2"/>
+                </a:solidFill>
+              </a:ln>
+              <a:effectLst/>
+            </c:spPr>
+          </c:marker>
+          <c:val>
+            <c:numRef>
+              <c:f>Sheet1!$B$2:$B$6</c:f>
+              <c:numCache>
+                <c:formatCode>General</c:formatCode>
+                <c:ptCount val="5"/>
+                <c:pt idx="0">
+                  <c:v>2.4</c:v>
+                </c:pt>
+                <c:pt idx="1">
+                  <c:v>4.4000000000000004</c:v>
+                </c:pt>
+                <c:pt idx="2">
+                  <c:v>1.8</c:v>
+                </c:pt>
+                <c:pt idx="3">
+                  <c:v>2.8</c:v>
+                </c:pt>
+                <c:pt idx="4">
+                  <c:v>2.9</c:v>
+                </c:pt>
+              </c:numCache>
+            </c:numRef>
+          </c:val>
+          <c:smooth val="0"/>
+          <c:extLst>
+            <c:ext xmlns:c16="http://schemas.microsoft.com/office/drawing/2014/chart" uri="{C3380CC4-5D6E-409C-BE32-E72D297353CC}">
+              <c16:uniqueId val="{00000001-0D83-4977-ADC2-6447DA921B2D}"/>
+            </c:ext>
+          </c:extLst>
+        </c:ser>
+        <c:dLbls>
+          <c:showLegendKey val="0"/>
+          <c:showVal val="0"/>
+          <c:showCatName val="0"/>
+          <c:showSerName val="0"/>
+          <c:showPercent val="0"/>
+          <c:showBubbleSize val="0"/>
+        </c:dLbls>
+        <c:marker val="1"/>
+        <c:smooth val="0"/>
+        <c:axId val="1073120208"/>
+        <c:axId val="1143033408"/>
+      </c:lineChart>
+      <c:catAx>
+        <c:axId val="1073120208"/>
+        <c:scaling>
+          <c:orientation val="minMax"/>
+        </c:scaling>
+        <c:delete val="0"/>
+        <c:axPos val="b"/>
+        <c:numFmt formatCode="General" sourceLinked="1"/>
+        <c:majorTickMark val="none"/>
+        <c:minorTickMark val="none"/>
+        <c:tickLblPos val="nextTo"/>
+        <c:spPr>
+          <a:noFill/>
+          <a:ln w="9525" cap="flat" cmpd="sng" algn="ctr">
+            <a:solidFill>
+              <a:schemeClr val="tx1">
+                <a:lumMod val="15000"/>
+                <a:lumOff val="85000"/>
+              </a:schemeClr>
+            </a:solidFill>
+            <a:round/>
+          </a:ln>
+          <a:effectLst/>
+        </c:spPr>
+        <c:txPr>
+          <a:bodyPr rot="-60000000" spcFirstLastPara="1" vertOverflow="ellipsis" vert="horz" wrap="square" anchor="ctr" anchorCtr="1"/>
+          <a:lstStyle/>
+          <a:p>
+            <a:pPr>
+              <a:defRPr sz="1197" b="0" i="0" u="none" strike="noStrike" kern="1200" baseline="0">
+                <a:solidFill>
+                  <a:schemeClr val="tx1">
+                    <a:lumMod val="65000"/>
+                    <a:lumOff val="35000"/>
+                  </a:schemeClr>
+                </a:solidFill>
+                <a:latin typeface="+mn-lt"/>
+                <a:ea typeface="+mn-ea"/>
+                <a:cs typeface="+mn-cs"/>
+              </a:defRPr>
+            </a:pPr>
+            <a:endParaRPr lang="zh-CN"/>
+          </a:p>
+        </c:txPr>
+        <c:crossAx val="1143033408"/>
+        <c:crosses val="autoZero"/>
+        <c:auto val="1"/>
+        <c:lblAlgn val="ctr"/>
+        <c:lblOffset val="100"/>
+        <c:noMultiLvlLbl val="0"/>
+      </c:catAx>
+      <c:valAx>
+        <c:axId val="1143033408"/>
+        <c:scaling>
+          <c:orientation val="minMax"/>
+        </c:scaling>
+        <c:delete val="0"/>
+        <c:axPos val="l"/>
+        <c:majorGridlines>
+          <c:spPr>
+            <a:ln w="9525" cap="flat" cmpd="sng" algn="ctr">
+              <a:solidFill>
+                <a:schemeClr val="tx1">
+                  <a:lumMod val="15000"/>
+                  <a:lumOff val="85000"/>
+                </a:schemeClr>
+              </a:solidFill>
+              <a:round/>
+            </a:ln>
+            <a:effectLst/>
+          </c:spPr>
+        </c:majorGridlines>
+        <c:numFmt formatCode="General" sourceLinked="1"/>
+        <c:majorTickMark val="none"/>
+        <c:minorTickMark val="none"/>
+        <c:tickLblPos val="nextTo"/>
+        <c:spPr>
+          <a:noFill/>
+          <a:ln>
+            <a:noFill/>
+          </a:ln>
+          <a:effectLst/>
+        </c:spPr>
+        <c:txPr>
+          <a:bodyPr rot="-60000000" spcFirstLastPara="1" vertOverflow="ellipsis" vert="horz" wrap="square" anchor="ctr" anchorCtr="1"/>
+          <a:lstStyle/>
+          <a:p>
+            <a:pPr>
+              <a:defRPr sz="1197" b="0" i="0" u="none" strike="noStrike" kern="1200" baseline="0">
+                <a:solidFill>
+                  <a:schemeClr val="tx1">
+                    <a:lumMod val="65000"/>
+                    <a:lumOff val="35000"/>
+                  </a:schemeClr>
+                </a:solidFill>
+                <a:latin typeface="+mn-lt"/>
+                <a:ea typeface="+mn-ea"/>
+                <a:cs typeface="+mn-cs"/>
+              </a:defRPr>
+            </a:pPr>
+            <a:endParaRPr lang="zh-CN"/>
+          </a:p>
+        </c:txPr>
+        <c:crossAx val="1073120208"/>
+        <c:crosses val="autoZero"/>
+        <c:crossBetween val="between"/>
+      </c:valAx>
+      <c:spPr>
+        <a:noFill/>
+        <a:ln>
+          <a:noFill/>
+        </a:ln>
+        <a:effectLst/>
+      </c:spPr>
+    </c:plotArea>
+    <c:legend>
+      <c:legendPos val="b"/>
+      <c:overlay val="0"/>
+      <c:spPr>
+        <a:noFill/>
+        <a:ln>
+          <a:noFill/>
+        </a:ln>
+        <a:effectLst/>
+      </c:spPr>
+      <c:txPr>
+        <a:bodyPr rot="0" spcFirstLastPara="1" vertOverflow="ellipsis" vert="horz" wrap="square" anchor="ctr" anchorCtr="1"/>
+        <a:lstStyle/>
+        <a:p>
+          <a:pPr>
+            <a:defRPr sz="1197" b="0" i="0" u="none" strike="noStrike" kern="1200" baseline="0">
+              <a:solidFill>
+                <a:schemeClr val="tx1">
+                  <a:lumMod val="65000"/>
+                  <a:lumOff val="35000"/>
+                </a:schemeClr>
+              </a:solidFill>
+              <a:latin typeface="+mn-lt"/>
+              <a:ea typeface="+mn-ea"/>
+              <a:cs typeface="+mn-cs"/>
+            </a:defRPr>
+          </a:pPr>
+          <a:endParaRPr lang="zh-CN"/>
+        </a:p>
+      </c:txPr>
+    </c:legend>
+    <c:plotVisOnly val="1"/>
+    <c:dispBlanksAs val="gap"/>
+    <c:extLst>
+      <c:ext xmlns:c16r3="http://schemas.microsoft.com/office/drawing/2017/03/chart" uri="{56B9EC1D-385E-4148-901F-78D8002777C0}">
+        <c16r3:dataDisplayOptions16>
+          <c16r3:dispNaAsBlank val="1"/>
+        </c16r3:dataDisplayOptions16>
+      </c:ext>
+    </c:extLst>
+    <c:showDLblsOverMax val="0"/>
+  </c:chart>
+  <c:spPr>
+    <a:noFill/>
+    <a:ln>
+      <a:noFill/>
+    </a:ln>
+    <a:effectLst/>
+  </c:spPr>
+  <c:txPr>
+    <a:bodyPr/>
+    <a:lstStyle/>
+    <a:p>
+      <a:pPr>
+        <a:defRPr/>
+      </a:pPr>
+      <a:endParaRPr lang="zh-CN"/>
+    </a:p>
+  </c:txPr>
+  <c:externalData r:id="rId3">
+    <c:autoUpdate val="0"/>
+  </c:externalData>
+</c:chartSpace>
+</file>
+
+<file path=ppt/charts/colors1.xml><?xml version="1.0" encoding="utf-8"?>
+<cs:colorStyle xmlns:cs="http://schemas.microsoft.com/office/drawing/2012/chartStyle" xmlns:a="http://schemas.openxmlformats.org/drawingml/2006/main" meth="cycle" id="10">
+  <a:schemeClr val="accent1"/>
+  <a:schemeClr val="accent2"/>
+  <a:schemeClr val="accent3"/>
+  <a:schemeClr val="accent4"/>
+  <a:schemeClr val="accent5"/>
+  <a:schemeClr val="accent6"/>
+  <cs:variation/>
+  <cs:variation>
+    <a:lumMod val="60000"/>
+  </cs:variation>
+  <cs:variation>
+    <a:lumMod val="80000"/>
+    <a:lumOff val="20000"/>
+  </cs:variation>
+  <cs:variation>
+    <a:lumMod val="80000"/>
+  </cs:variation>
+  <cs:variation>
+    <a:lumMod val="60000"/>
+    <a:lumOff val="40000"/>
+  </cs:variation>
+  <cs:variation>
+    <a:lumMod val="50000"/>
+  </cs:variation>
+  <cs:variation>
+    <a:lumMod val="70000"/>
+    <a:lumOff val="30000"/>
+  </cs:variation>
+  <cs:variation>
+    <a:lumMod val="70000"/>
+  </cs:variation>
+  <cs:variation>
+    <a:lumMod val="50000"/>
+    <a:lumOff val="50000"/>
+  </cs:variation>
+</cs:colorStyle>
+</file>
+
+<file path=ppt/charts/style1.xml><?xml version="1.0" encoding="utf-8"?>
+<cs:chartStyle xmlns:cs="http://schemas.microsoft.com/office/drawing/2012/chartStyle" xmlns:a="http://schemas.openxmlformats.org/drawingml/2006/main" id="332">
+  <cs:axisTitle>
+    <cs:lnRef idx="0"/>
+    <cs:fillRef idx="0"/>
+    <cs:effectRef idx="0"/>
+    <cs:fontRef idx="minor">
+      <a:schemeClr val="tx1">
+        <a:lumMod val="65000"/>
+        <a:lumOff val="35000"/>
+      </a:schemeClr>
+    </cs:fontRef>
+    <cs:defRPr sz="1330" kern="1200"/>
+  </cs:axisTitle>
+  <cs:categoryAxis>
+    <cs:lnRef idx="0"/>
+    <cs:fillRef idx="0"/>
+    <cs:effectRef idx="0"/>
+    <cs:fontRef idx="minor">
+      <a:schemeClr val="tx1">
+        <a:lumMod val="65000"/>
+        <a:lumOff val="35000"/>
+      </a:schemeClr>
+    </cs:fontRef>
+    <cs:spPr>
+      <a:ln w="9525" cap="flat" cmpd="sng" algn="ctr">
+        <a:solidFill>
+          <a:schemeClr val="tx1">
+            <a:lumMod val="15000"/>
+            <a:lumOff val="85000"/>
+          </a:schemeClr>
+        </a:solidFill>
+        <a:round/>
+      </a:ln>
+    </cs:spPr>
+    <cs:defRPr sz="1197" kern="1200"/>
+  </cs:categoryAxis>
+  <cs:chartArea mods="allowNoFillOverride allowNoLineOverride">
+    <cs:lnRef idx="0"/>
+    <cs:fillRef idx="0"/>
+    <cs:effectRef idx="0"/>
+    <cs:fontRef idx="minor">
+      <a:schemeClr val="tx1"/>
+    </cs:fontRef>
+    <cs:spPr>
+      <a:solidFill>
+        <a:schemeClr val="bg1"/>
+      </a:solidFill>
+      <a:ln w="9525" cap="flat" cmpd="sng" algn="ctr">
+        <a:solidFill>
+          <a:schemeClr val="tx1">
+            <a:lumMod val="15000"/>
+            <a:lumOff val="85000"/>
+          </a:schemeClr>
+        </a:solidFill>
+        <a:round/>
+      </a:ln>
+    </cs:spPr>
+    <cs:defRPr sz="1330" kern="1200"/>
+  </cs:chartArea>
+  <cs:dataLabel>
+    <cs:lnRef idx="0"/>
+    <cs:fillRef idx="0"/>
+    <cs:effectRef idx="0"/>
+    <cs:fontRef idx="minor">
+      <a:schemeClr val="tx1">
+        <a:lumMod val="75000"/>
+        <a:lumOff val="25000"/>
+      </a:schemeClr>
+    </cs:fontRef>
+    <cs:defRPr sz="1197" kern="1200"/>
+  </cs:dataLabel>
+  <cs:dataLabelCallout>
+    <cs:lnRef idx="0"/>
+    <cs:fillRef idx="0"/>
+    <cs:effectRef idx="0"/>
+    <cs:fontRef idx="minor">
+      <a:schemeClr val="dk1">
+        <a:lumMod val="65000"/>
+        <a:lumOff val="35000"/>
+      </a:schemeClr>
+    </cs:fontRef>
+    <cs:spPr>
+      <a:solidFill>
+        <a:schemeClr val="lt1"/>
+      </a:solidFill>
+      <a:ln>
+        <a:solidFill>
+          <a:schemeClr val="dk1">
+            <a:lumMod val="25000"/>
+            <a:lumOff val="75000"/>
+          </a:schemeClr>
+        </a:solidFill>
+      </a:ln>
+    </cs:spPr>
+    <cs:defRPr sz="1197" kern="1200"/>
+    <cs:bodyPr rot="0" spcFirstLastPara="1" vertOverflow="clip" horzOverflow="clip" vert="horz" wrap="square" lIns="36576" tIns="18288" rIns="36576" bIns="18288" anchor="ctr" anchorCtr="1">
+      <a:spAutoFit/>
+    </cs:bodyPr>
+  </cs:dataLabelCallout>
+  <cs:dataPoint>
+    <cs:lnRef idx="0"/>
+    <cs:fillRef idx="1">
+      <cs:styleClr val="auto"/>
+    </cs:fillRef>
+    <cs:effectRef idx="0"/>
+    <cs:fontRef idx="minor">
+      <a:schemeClr val="tx1"/>
+    </cs:fontRef>
+  </cs:dataPoint>
+  <cs:dataPoint3D>
+    <cs:lnRef idx="0"/>
+    <cs:fillRef idx="1">
+      <cs:styleClr val="auto"/>
+    </cs:fillRef>
+    <cs:effectRef idx="0"/>
+    <cs:fontRef idx="minor">
+      <a:schemeClr val="tx1"/>
+    </cs:fontRef>
+  </cs:dataPoint3D>
+  <cs:dataPointLine>
+    <cs:lnRef idx="0">
+      <cs:styleClr val="auto"/>
+    </cs:lnRef>
+    <cs:fillRef idx="1"/>
+    <cs:effectRef idx="0"/>
+    <cs:fontRef idx="minor">
+      <a:schemeClr val="tx1"/>
+    </cs:fontRef>
+    <cs:spPr>
+      <a:ln w="28575" cap="rnd">
+        <a:solidFill>
+          <a:schemeClr val="phClr"/>
+        </a:solidFill>
+        <a:round/>
+      </a:ln>
+    </cs:spPr>
+  </cs:dataPointLine>
+  <cs:dataPointMarker>
+    <cs:lnRef idx="0">
+      <cs:styleClr val="auto"/>
+    </cs:lnRef>
+    <cs:fillRef idx="1">
+      <cs:styleClr val="auto"/>
+    </cs:fillRef>
+    <cs:effectRef idx="0"/>
+    <cs:fontRef idx="minor">
+      <a:schemeClr val="tx1"/>
+    </cs:fontRef>
+    <cs:spPr>
+      <a:ln w="9525">
+        <a:solidFill>
+          <a:schemeClr val="phClr"/>
+        </a:solidFill>
+      </a:ln>
+    </cs:spPr>
+  </cs:dataPointMarker>
+  <cs:dataPointMarkerLayout symbol="circle" size="5"/>
+  <cs:dataPointWireframe>
+    <cs:lnRef idx="0">
+      <cs:styleClr val="auto"/>
+    </cs:lnRef>
+    <cs:fillRef idx="1"/>
+    <cs:effectRef idx="0"/>
+    <cs:fontRef idx="minor">
+      <a:schemeClr val="tx1"/>
+    </cs:fontRef>
+    <cs:spPr>
+      <a:ln w="9525" cap="rnd">
+        <a:solidFill>
+          <a:schemeClr val="phClr"/>
+        </a:solidFill>
+        <a:round/>
+      </a:ln>
+    </cs:spPr>
+  </cs:dataPointWireframe>
+  <cs:dataTable>
+    <cs:lnRef idx="0"/>
+    <cs:fillRef idx="0"/>
+    <cs:effectRef idx="0"/>
+    <cs:fontRef idx="minor">
+      <a:schemeClr val="tx1">
+        <a:lumMod val="65000"/>
+        <a:lumOff val="35000"/>
+      </a:schemeClr>
+    </cs:fontRef>
+    <cs:spPr>
+      <a:noFill/>
+      <a:ln w="9525" cap="flat" cmpd="sng" algn="ctr">
+        <a:solidFill>
+          <a:schemeClr val="tx1">
+            <a:lumMod val="15000"/>
+            <a:lumOff val="85000"/>
+          </a:schemeClr>
+        </a:solidFill>
+        <a:round/>
+      </a:ln>
+    </cs:spPr>
+    <cs:defRPr sz="1197" kern="1200"/>
+  </cs:dataTable>
+  <cs:downBar>
+    <cs:lnRef idx="0"/>
+    <cs:fillRef idx="0"/>
+    <cs:effectRef idx="0"/>
+    <cs:fontRef idx="minor">
+      <a:schemeClr val="dk1"/>
+    </cs:fontRef>
+    <cs:spPr>
+      <a:solidFill>
+        <a:schemeClr val="dk1">
+          <a:lumMod val="65000"/>
+          <a:lumOff val="35000"/>
+        </a:schemeClr>
+      </a:solidFill>
+      <a:ln w="9525">
+        <a:solidFill>
+          <a:schemeClr val="tx1">
+            <a:lumMod val="65000"/>
+            <a:lumOff val="35000"/>
+          </a:schemeClr>
+        </a:solidFill>
+      </a:ln>
+    </cs:spPr>
+  </cs:downBar>
+  <cs:dropLine>
+    <cs:lnRef idx="0"/>
+    <cs:fillRef idx="0"/>
+    <cs:effectRef idx="0"/>
+    <cs:fontRef idx="minor">
+      <a:schemeClr val="tx1"/>
+    </cs:fontRef>
+    <cs:spPr>
+      <a:ln w="9525" cap="flat" cmpd="sng" algn="ctr">
+        <a:solidFill>
+          <a:schemeClr val="tx1">
+            <a:lumMod val="35000"/>
+            <a:lumOff val="65000"/>
+          </a:schemeClr>
+        </a:solidFill>
+        <a:round/>
+      </a:ln>
+    </cs:spPr>
+  </cs:dropLine>
+  <cs:errorBar>
+    <cs:lnRef idx="0"/>
+    <cs:fillRef idx="0"/>
+    <cs:effectRef idx="0"/>
+    <cs:fontRef idx="minor">
+      <a:schemeClr val="tx1"/>
+    </cs:fontRef>
+    <cs:spPr>
+      <a:ln w="9525" cap="flat" cmpd="sng" algn="ctr">
+        <a:solidFill>
+          <a:schemeClr val="tx1">
+            <a:lumMod val="65000"/>
+            <a:lumOff val="35000"/>
+          </a:schemeClr>
+        </a:solidFill>
+        <a:round/>
+      </a:ln>
+    </cs:spPr>
+  </cs:errorBar>
+  <cs:floor>
+    <cs:lnRef idx="0"/>
+    <cs:fillRef idx="0"/>
+    <cs:effectRef idx="0"/>
+    <cs:fontRef idx="minor">
+      <a:schemeClr val="tx1"/>
+    </cs:fontRef>
+    <cs:spPr>
+      <a:noFill/>
+      <a:ln>
+        <a:noFill/>
+      </a:ln>
+    </cs:spPr>
+  </cs:floor>
+  <cs:gridlineMajor>
+    <cs:lnRef idx="0"/>
+    <cs:fillRef idx="0"/>
+    <cs:effectRef idx="0"/>
+    <cs:fontRef idx="minor">
+      <a:schemeClr val="tx1"/>
+    </cs:fontRef>
+    <cs:spPr>
+      <a:ln w="9525" cap="flat" cmpd="sng" algn="ctr">
+        <a:solidFill>
+          <a:schemeClr val="tx1">
+            <a:lumMod val="15000"/>
+            <a:lumOff val="85000"/>
+          </a:schemeClr>
+        </a:solidFill>
+        <a:round/>
+      </a:ln>
+    </cs:spPr>
+  </cs:gridlineMajor>
+  <cs:gridlineMinor>
+    <cs:lnRef idx="0"/>
+    <cs:fillRef idx="0"/>
+    <cs:effectRef idx="0"/>
+    <cs:fontRef idx="minor">
+      <a:schemeClr val="tx1"/>
+    </cs:fontRef>
+    <cs:spPr>
+      <a:ln w="9525" cap="flat" cmpd="sng" algn="ctr">
+        <a:solidFill>
+          <a:schemeClr val="tx1">
+            <a:lumMod val="5000"/>
+            <a:lumOff val="95000"/>
+          </a:schemeClr>
+        </a:solidFill>
+        <a:round/>
+      </a:ln>
+    </cs:spPr>
+  </cs:gridlineMinor>
+  <cs:hiLoLine>
+    <cs:lnRef idx="0"/>
+    <cs:fillRef idx="0"/>
+    <cs:effectRef idx="0"/>
+    <cs:fontRef idx="minor">
+      <a:schemeClr val="tx1"/>
+    </cs:fontRef>
+    <cs:spPr>
+      <a:ln w="9525" cap="flat" cmpd="sng" algn="ctr">
+        <a:solidFill>
+          <a:schemeClr val="tx1">
+            <a:lumMod val="75000"/>
+            <a:lumOff val="25000"/>
+          </a:schemeClr>
+        </a:solidFill>
+        <a:round/>
+      </a:ln>
+    </cs:spPr>
+  </cs:hiLoLine>
+  <cs:leaderLine>
+    <cs:lnRef idx="0"/>
+    <cs:fillRef idx="0"/>
+    <cs:effectRef idx="0"/>
+    <cs:fontRef idx="minor">
+      <a:schemeClr val="tx1"/>
+    </cs:fontRef>
+    <cs:spPr>
+      <a:ln w="9525" cap="flat" cmpd="sng" algn="ctr">
+        <a:solidFill>
+          <a:schemeClr val="tx1">
+            <a:lumMod val="35000"/>
+            <a:lumOff val="65000"/>
+          </a:schemeClr>
+        </a:solidFill>
+        <a:round/>
+      </a:ln>
+    </cs:spPr>
+  </cs:leaderLine>
+  <cs:legend>
+    <cs:lnRef idx="0"/>
+    <cs:fillRef idx="0"/>
+    <cs:effectRef idx="0"/>
+    <cs:fontRef idx="minor">
+      <a:schemeClr val="tx1">
+        <a:lumMod val="65000"/>
+        <a:lumOff val="35000"/>
+      </a:schemeClr>
+    </cs:fontRef>
+    <cs:defRPr sz="1197" kern="1200"/>
+  </cs:legend>
+  <cs:plotArea mods="allowNoFillOverride allowNoLineOverride">
+    <cs:lnRef idx="0"/>
+    <cs:fillRef idx="0"/>
+    <cs:effectRef idx="0"/>
+    <cs:fontRef idx="minor">
+      <a:schemeClr val="tx1"/>
+    </cs:fontRef>
+  </cs:plotArea>
+  <cs:plotArea3D mods="allowNoFillOverride allowNoLineOverride">
+    <cs:lnRef idx="0"/>
+    <cs:fillRef idx="0"/>
+    <cs:effectRef idx="0"/>
+    <cs:fontRef idx="minor">
+      <a:schemeClr val="tx1"/>
+    </cs:fontRef>
+  </cs:plotArea3D>
+  <cs:seriesAxis>
+    <cs:lnRef idx="0"/>
+    <cs:fillRef idx="0"/>
+    <cs:effectRef idx="0"/>
+    <cs:fontRef idx="minor">
+      <a:schemeClr val="tx1">
+        <a:lumMod val="65000"/>
+        <a:lumOff val="35000"/>
+      </a:schemeClr>
+    </cs:fontRef>
+    <cs:defRPr sz="1197" kern="1200"/>
+  </cs:seriesAxis>
+  <cs:seriesLine>
+    <cs:lnRef idx="0"/>
+    <cs:fillRef idx="0"/>
+    <cs:effectRef idx="0"/>
+    <cs:fontRef idx="minor">
+      <a:schemeClr val="tx1"/>
+    </cs:fontRef>
+    <cs:spPr>
+      <a:ln w="9525" cap="flat" cmpd="sng" algn="ctr">
+        <a:solidFill>
+          <a:schemeClr val="tx1">
+            <a:lumMod val="35000"/>
+            <a:lumOff val="65000"/>
+          </a:schemeClr>
+        </a:solidFill>
+        <a:round/>
+      </a:ln>
+    </cs:spPr>
+  </cs:seriesLine>
+  <cs:title>
+    <cs:lnRef idx="0"/>
+    <cs:fillRef idx="0"/>
+    <cs:effectRef idx="0"/>
+    <cs:fontRef idx="minor">
+      <a:schemeClr val="tx1">
+        <a:lumMod val="65000"/>
+        <a:lumOff val="35000"/>
+      </a:schemeClr>
+    </cs:fontRef>
+    <cs:defRPr sz="1862" b="0" kern="1200" spc="0" baseline="0"/>
+  </cs:title>
+  <cs:trendline>
+    <cs:lnRef idx="0">
+      <cs:styleClr val="auto"/>
+    </cs:lnRef>
+    <cs:fillRef idx="0"/>
+    <cs:effectRef idx="0"/>
+    <cs:fontRef idx="minor">
+      <a:schemeClr val="tx1"/>
+    </cs:fontRef>
+    <cs:spPr>
+      <a:ln w="19050" cap="rnd">
+        <a:solidFill>
+          <a:schemeClr val="phClr"/>
+        </a:solidFill>
+        <a:prstDash val="sysDot"/>
+      </a:ln>
+    </cs:spPr>
+  </cs:trendline>
+  <cs:trendlineLabel>
+    <cs:lnRef idx="0"/>
+    <cs:fillRef idx="0"/>
+    <cs:effectRef idx="0"/>
+    <cs:fontRef idx="minor">
+      <a:schemeClr val="tx1">
+        <a:lumMod val="65000"/>
+        <a:lumOff val="35000"/>
+      </a:schemeClr>
+    </cs:fontRef>
+    <cs:defRPr sz="1197" kern="1200"/>
+  </cs:trendlineLabel>
+  <cs:upBar>
+    <cs:lnRef idx="0"/>
+    <cs:fillRef idx="0"/>
+    <cs:effectRef idx="0"/>
+    <cs:fontRef idx="minor">
+      <a:schemeClr val="dk1"/>
+    </cs:fontRef>
+    <cs:spPr>
+      <a:solidFill>
+        <a:schemeClr val="lt1"/>
+      </a:solidFill>
+      <a:ln w="9525">
+        <a:solidFill>
+          <a:schemeClr val="tx1">
+            <a:lumMod val="15000"/>
+            <a:lumOff val="85000"/>
+          </a:schemeClr>
+        </a:solidFill>
+      </a:ln>
+    </cs:spPr>
+  </cs:upBar>
+  <cs:valueAxis>
+    <cs:lnRef idx="0"/>
+    <cs:fillRef idx="0"/>
+    <cs:effectRef idx="0"/>
+    <cs:fontRef idx="minor">
+      <a:schemeClr val="tx1">
+        <a:lumMod val="65000"/>
+        <a:lumOff val="35000"/>
+      </a:schemeClr>
+    </cs:fontRef>
+    <cs:defRPr sz="1197" kern="1200"/>
+  </cs:valueAxis>
+  <cs:wall>
+    <cs:lnRef idx="0"/>
+    <cs:fillRef idx="0"/>
+    <cs:effectRef idx="0"/>
+    <cs:fontRef idx="minor">
+      <a:schemeClr val="tx1"/>
+    </cs:fontRef>
+    <cs:spPr>
+      <a:noFill/>
+      <a:ln>
+        <a:noFill/>
+      </a:ln>
+    </cs:spPr>
+  </cs:wall>
+</cs:chartStyle>
 </file>
 
 <file path=ppt/slideLayouts/slideLayout1.xml><?xml version="1.0" encoding="utf-8"?>
@@ -19197,8 +20121,8 @@
         </p:nvSpPr>
         <p:spPr>
           <a:xfrm>
-            <a:off x="3020291" y="1386652"/>
-            <a:ext cx="8533758" cy="1858271"/>
+            <a:off x="3020291" y="2012946"/>
+            <a:ext cx="8533758" cy="1051748"/>
           </a:xfrm>
         </p:spPr>
         <p:txBody>
@@ -19207,7 +20131,7 @@
           <a:p>
             <a:r>
               <a:rPr kumimoji="1" lang="en-US" altLang="zh-CN" dirty="0"/>
-              <a:t>MSDN</a:t>
+              <a:t>M</a:t>
             </a:r>
             <a:r>
               <a:rPr kumimoji="1" lang="zh-CN" altLang="en-US" dirty="0"/>
@@ -47154,6 +48078,92 @@
       </p:grpSpPr>
       <p:sp>
         <p:nvSpPr>
+          <p:cNvPr id="2" name="文本占位符 1">
+            <a:extLst>
+              <a:ext uri="{FF2B5EF4-FFF2-40B4-BE49-F238E27FC236}">
+                <a16:creationId xmlns:a16="http://schemas.microsoft.com/office/drawing/2014/main" id="{FD6E4EC8-1E72-4335-854E-13EA09017E5B}"/>
+              </a:ext>
+            </a:extLst>
+          </p:cNvPr>
+          <p:cNvSpPr>
+            <a:spLocks noGrp="1"/>
+          </p:cNvSpPr>
+          <p:nvPr>
+            <p:ph type="body" sz="quarter" idx="10"/>
+          </p:nvPr>
+        </p:nvSpPr>
+        <p:spPr/>
+        <p:txBody>
+          <a:bodyPr/>
+          <a:lstStyle/>
+          <a:p>
+            <a:r>
+              <a:rPr lang="zh-CN" altLang="en-US" dirty="0"/>
+              <a:t>传感器数据</a:t>
+            </a:r>
+          </a:p>
+        </p:txBody>
+      </p:sp>
+      <p:graphicFrame>
+        <p:nvGraphicFramePr>
+          <p:cNvPr id="5" name="图表 4">
+            <a:extLst>
+              <a:ext uri="{FF2B5EF4-FFF2-40B4-BE49-F238E27FC236}">
+                <a16:creationId xmlns:a16="http://schemas.microsoft.com/office/drawing/2014/main" id="{8F8D8B98-1716-41FF-B885-33B1BA2BDCF3}"/>
+              </a:ext>
+            </a:extLst>
+          </p:cNvPr>
+          <p:cNvGraphicFramePr/>
+          <p:nvPr>
+            <p:extLst>
+              <p:ext uri="{D42A27DB-BD31-4B8C-83A1-F6EECF244321}">
+                <p14:modId xmlns:p14="http://schemas.microsoft.com/office/powerpoint/2010/main" val="1067085146"/>
+              </p:ext>
+            </p:extLst>
+          </p:nvPr>
+        </p:nvGraphicFramePr>
+        <p:xfrm>
+          <a:off x="2032000" y="719666"/>
+          <a:ext cx="8128000" cy="5418667"/>
+        </p:xfrm>
+        <a:graphic>
+          <a:graphicData uri="http://schemas.openxmlformats.org/drawingml/2006/chart">
+            <c:chart xmlns:c="http://schemas.openxmlformats.org/drawingml/2006/chart" xmlns:r="http://schemas.openxmlformats.org/officeDocument/2006/relationships" r:id="rId2"/>
+          </a:graphicData>
+        </a:graphic>
+      </p:graphicFrame>
+    </p:spTree>
+    <p:extLst>
+      <p:ext uri="{BB962C8B-B14F-4D97-AF65-F5344CB8AC3E}">
+        <p14:creationId xmlns:p14="http://schemas.microsoft.com/office/powerpoint/2010/main" val="1916664803"/>
+      </p:ext>
+    </p:extLst>
+  </p:cSld>
+  <p:clrMapOvr>
+    <a:masterClrMapping/>
+  </p:clrMapOvr>
+</p:sld>
+</file>
+
+<file path=ppt/slides/slide7.xml><?xml version="1.0" encoding="utf-8"?>
+<p:sld xmlns:a="http://schemas.openxmlformats.org/drawingml/2006/main" xmlns:r="http://schemas.openxmlformats.org/officeDocument/2006/relationships" xmlns:p="http://schemas.openxmlformats.org/presentationml/2006/main">
+  <p:cSld>
+    <p:spTree>
+      <p:nvGrpSpPr>
+        <p:cNvPr id="1" name=""/>
+        <p:cNvGrpSpPr/>
+        <p:nvPr/>
+      </p:nvGrpSpPr>
+      <p:grpSpPr>
+        <a:xfrm>
+          <a:off x="0" y="0"/>
+          <a:ext cx="0" cy="0"/>
+          <a:chOff x="0" y="0"/>
+          <a:chExt cx="0" cy="0"/>
+        </a:xfrm>
+      </p:grpSpPr>
+      <p:sp>
+        <p:nvSpPr>
           <p:cNvPr id="2" name="文本占位符 1"/>
           <p:cNvSpPr>
             <a:spLocks noGrp="1"/>
@@ -48054,64 +49064,6 @@
       </p:transition>
     </mc:Fallback>
   </mc:AlternateContent>
-</p:sld>
-</file>
-
-<file path=ppt/slides/slide7.xml><?xml version="1.0" encoding="utf-8"?>
-<p:sld xmlns:a="http://schemas.openxmlformats.org/drawingml/2006/main" xmlns:r="http://schemas.openxmlformats.org/officeDocument/2006/relationships" xmlns:p="http://schemas.openxmlformats.org/presentationml/2006/main">
-  <p:cSld>
-    <p:spTree>
-      <p:nvGrpSpPr>
-        <p:cNvPr id="1" name=""/>
-        <p:cNvGrpSpPr/>
-        <p:nvPr/>
-      </p:nvGrpSpPr>
-      <p:grpSpPr>
-        <a:xfrm>
-          <a:off x="0" y="0"/>
-          <a:ext cx="0" cy="0"/>
-          <a:chOff x="0" y="0"/>
-          <a:chExt cx="0" cy="0"/>
-        </a:xfrm>
-      </p:grpSpPr>
-      <p:sp>
-        <p:nvSpPr>
-          <p:cNvPr id="2" name="文本占位符 1">
-            <a:extLst>
-              <a:ext uri="{FF2B5EF4-FFF2-40B4-BE49-F238E27FC236}">
-                <a16:creationId xmlns:a16="http://schemas.microsoft.com/office/drawing/2014/main" id="{FD6E4EC8-1E72-4335-854E-13EA09017E5B}"/>
-              </a:ext>
-            </a:extLst>
-          </p:cNvPr>
-          <p:cNvSpPr>
-            <a:spLocks noGrp="1"/>
-          </p:cNvSpPr>
-          <p:nvPr>
-            <p:ph type="body" sz="quarter" idx="10"/>
-          </p:nvPr>
-        </p:nvSpPr>
-        <p:spPr/>
-        <p:txBody>
-          <a:bodyPr/>
-          <a:lstStyle/>
-          <a:p>
-            <a:r>
-              <a:rPr lang="zh-CN" altLang="en-US" dirty="0"/>
-              <a:t>传感器数据</a:t>
-            </a:r>
-          </a:p>
-        </p:txBody>
-      </p:sp>
-    </p:spTree>
-    <p:extLst>
-      <p:ext uri="{BB962C8B-B14F-4D97-AF65-F5344CB8AC3E}">
-        <p14:creationId xmlns:p14="http://schemas.microsoft.com/office/powerpoint/2010/main" val="1916664803"/>
-      </p:ext>
-    </p:extLst>
-  </p:cSld>
-  <p:clrMapOvr>
-    <a:masterClrMapping/>
-  </p:clrMapOvr>
 </p:sld>
 </file>
 
